--- a/docs/documents/weekly_meeting/Diagrams.pptx
+++ b/docs/documents/weekly_meeting/Diagrams.pptx
@@ -3899,10 +3899,10 @@
         </p:nvGrpSpPr>
         <p:grpSpPr>
           <a:xfrm>
-            <a:off x="1434397" y="5613532"/>
-            <a:ext cx="2425700" cy="1644650"/>
-            <a:chOff x="4267195" y="508000"/>
-            <a:chExt cx="2425700" cy="1644650"/>
+            <a:off x="1434397" y="5613531"/>
+            <a:ext cx="2425700" cy="2373001"/>
+            <a:chOff x="4267195" y="507999"/>
+            <a:chExt cx="2425700" cy="2373001"/>
           </a:xfrm>
         </p:grpSpPr>
         <p:sp>
@@ -3913,8 +3913,8 @@
           </p:nvSpPr>
           <p:spPr>
             <a:xfrm>
-              <a:off x="4267195" y="508000"/>
-              <a:ext cx="2425700" cy="1644650"/>
+              <a:off x="4267195" y="507999"/>
+              <a:ext cx="2425700" cy="2373001"/>
             </a:xfrm>
             <a:prstGeom prst="rect">
               <a:avLst/>
@@ -4071,7 +4071,7 @@
         <p:spPr>
           <a:xfrm>
             <a:off x="2647247" y="5127691"/>
-            <a:ext cx="0" cy="485841"/>
+            <a:ext cx="0" cy="485840"/>
           </a:xfrm>
           <a:prstGeom prst="straightConnector1">
             <a:avLst/>
@@ -4973,7 +4973,7 @@
         <p:spPr>
           <a:xfrm flipV="1">
             <a:off x="3860097" y="6071016"/>
-            <a:ext cx="3536032" cy="364841"/>
+            <a:ext cx="3536032" cy="729016"/>
           </a:xfrm>
           <a:prstGeom prst="bentConnector2">
             <a:avLst/>
@@ -5001,6 +5001,64 @@
           </a:fontRef>
         </p:style>
       </p:cxnSp>
+      <p:sp>
+        <p:nvSpPr>
+          <p:cNvPr id="76" name="Rectangle 75"/>
+          <p:cNvSpPr/>
+          <p:nvPr/>
+        </p:nvSpPr>
+        <p:spPr>
+          <a:xfrm>
+            <a:off x="1720147" y="7166579"/>
+            <a:ext cx="1854200" cy="584775"/>
+          </a:xfrm>
+          <a:prstGeom prst="rect">
+            <a:avLst/>
+          </a:prstGeom>
+          <a:solidFill>
+            <a:srgbClr val="F39C12"/>
+          </a:solidFill>
+          <a:ln>
+            <a:noFill/>
+          </a:ln>
+        </p:spPr>
+        <p:style>
+          <a:lnRef idx="2">
+            <a:schemeClr val="accent1">
+              <a:shade val="50000"/>
+            </a:schemeClr>
+          </a:lnRef>
+          <a:fillRef idx="1">
+            <a:schemeClr val="accent1"/>
+          </a:fillRef>
+          <a:effectRef idx="0">
+            <a:schemeClr val="accent1"/>
+          </a:effectRef>
+          <a:fontRef idx="minor">
+            <a:schemeClr val="lt1"/>
+          </a:fontRef>
+        </p:style>
+        <p:txBody>
+          <a:bodyPr rot="0" spcFirstLastPara="0" vertOverflow="overflow" horzOverflow="overflow" vert="horz" wrap="square" lIns="91440" tIns="45720" rIns="91440" bIns="45720" numCol="1" spcCol="0" rtlCol="0" fromWordArt="0" anchor="ctr" anchorCtr="0" forceAA="0" compatLnSpc="1">
+            <a:prstTxWarp prst="textNoShape">
+              <a:avLst/>
+            </a:prstTxWarp>
+            <a:noAutofit/>
+          </a:bodyPr>
+          <a:lstStyle/>
+          <a:p>
+            <a:pPr algn="ctr"/>
+            <a:r>
+              <a:rPr lang="en-US" sz="1600" dirty="0" smtClean="0"/>
+              <a:t>Pre-processed </a:t>
+            </a:r>
+            <a:r>
+              <a:rPr lang="en-US" sz="1600" dirty="0"/>
+              <a:t>Data</a:t>
+            </a:r>
+          </a:p>
+        </p:txBody>
+      </p:sp>
     </p:spTree>
     <p:extLst>
       <p:ext uri="{BB962C8B-B14F-4D97-AF65-F5344CB8AC3E}">

--- a/docs/documents/weekly_meeting/Diagrams.pptx
+++ b/docs/documents/weekly_meeting/Diagrams.pptx
@@ -5,10 +5,11 @@
     <p:sldMasterId id="2147483672" r:id="rId1"/>
   </p:sldMasterIdLst>
   <p:notesMasterIdLst>
-    <p:notesMasterId r:id="rId3"/>
+    <p:notesMasterId r:id="rId4"/>
   </p:notesMasterIdLst>
   <p:sldIdLst>
     <p:sldId id="256" r:id="rId2"/>
+    <p:sldId id="257" r:id="rId3"/>
   </p:sldIdLst>
   <p:sldSz cx="16200438" cy="9990138"/>
   <p:notesSz cx="6858000" cy="9144000"/>
@@ -107,6 +108,11 @@
       </a:defRPr>
     </a:lvl9pPr>
   </p:defaultTextStyle>
+  <p:extLst>
+    <p:ext uri="{EFAFB233-063F-42B5-8137-9DF3F51BA10A}">
+      <p15:sldGuideLst xmlns:p15="http://schemas.microsoft.com/office/powerpoint/2012/main"/>
+    </p:ext>
+  </p:extLst>
 </p:presentation>
 </file>
 
@@ -192,7 +198,7 @@
           <a:p>
             <a:fld id="{15BD9F0C-1AE7-1F4D-93C1-725780F7FC18}" type="datetimeFigureOut">
               <a:rPr lang="en-US" smtClean="0"/>
-              <a:t>1/14/17</a:t>
+              <a:t>1/17/17</a:t>
             </a:fld>
             <a:endParaRPr lang="en-US"/>
           </a:p>
@@ -549,6 +555,95 @@
 </p:notes>
 </file>
 
+<file path=ppt/notesSlides/notesSlide2.xml><?xml version="1.0" encoding="utf-8"?>
+<p:notes xmlns:a="http://schemas.openxmlformats.org/drawingml/2006/main" xmlns:r="http://schemas.openxmlformats.org/officeDocument/2006/relationships" xmlns:p="http://schemas.openxmlformats.org/presentationml/2006/main">
+  <p:cSld>
+    <p:spTree>
+      <p:nvGrpSpPr>
+        <p:cNvPr id="1" name=""/>
+        <p:cNvGrpSpPr/>
+        <p:nvPr/>
+      </p:nvGrpSpPr>
+      <p:grpSpPr>
+        <a:xfrm>
+          <a:off x="0" y="0"/>
+          <a:ext cx="0" cy="0"/>
+          <a:chOff x="0" y="0"/>
+          <a:chExt cx="0" cy="0"/>
+        </a:xfrm>
+      </p:grpSpPr>
+      <p:sp>
+        <p:nvSpPr>
+          <p:cNvPr id="2" name="Slide Image Placeholder 1"/>
+          <p:cNvSpPr>
+            <a:spLocks noGrp="1" noRot="1" noChangeAspect="1"/>
+          </p:cNvSpPr>
+          <p:nvPr>
+            <p:ph type="sldImg"/>
+          </p:nvPr>
+        </p:nvSpPr>
+        <p:spPr>
+          <a:xfrm>
+            <a:off x="927100" y="1143000"/>
+            <a:ext cx="5003800" cy="3086100"/>
+          </a:xfrm>
+        </p:spPr>
+      </p:sp>
+      <p:sp>
+        <p:nvSpPr>
+          <p:cNvPr id="3" name="Notes Placeholder 2"/>
+          <p:cNvSpPr>
+            <a:spLocks noGrp="1"/>
+          </p:cNvSpPr>
+          <p:nvPr>
+            <p:ph type="body" idx="1"/>
+          </p:nvPr>
+        </p:nvSpPr>
+        <p:spPr/>
+        <p:txBody>
+          <a:bodyPr/>
+          <a:lstStyle/>
+          <a:p>
+            <a:endParaRPr lang="en-US" dirty="0"/>
+          </a:p>
+        </p:txBody>
+      </p:sp>
+      <p:sp>
+        <p:nvSpPr>
+          <p:cNvPr id="4" name="Slide Number Placeholder 3"/>
+          <p:cNvSpPr>
+            <a:spLocks noGrp="1"/>
+          </p:cNvSpPr>
+          <p:nvPr>
+            <p:ph type="sldNum" sz="quarter" idx="10"/>
+          </p:nvPr>
+        </p:nvSpPr>
+        <p:spPr/>
+        <p:txBody>
+          <a:bodyPr/>
+          <a:lstStyle/>
+          <a:p>
+            <a:fld id="{B4554D10-2878-D647-8FC2-F4170DF14B8A}" type="slidenum">
+              <a:rPr lang="en-US" smtClean="0"/>
+              <a:t>2</a:t>
+            </a:fld>
+            <a:endParaRPr lang="en-US"/>
+          </a:p>
+        </p:txBody>
+      </p:sp>
+    </p:spTree>
+    <p:extLst>
+      <p:ext uri="{BB962C8B-B14F-4D97-AF65-F5344CB8AC3E}">
+        <p14:creationId xmlns:p14="http://schemas.microsoft.com/office/powerpoint/2010/main" val="1892740220"/>
+      </p:ext>
+    </p:extLst>
+  </p:cSld>
+  <p:clrMapOvr>
+    <a:masterClrMapping/>
+  </p:clrMapOvr>
+</p:notes>
+</file>
+
 <file path=ppt/slideLayouts/slideLayout1.xml><?xml version="1.0" encoding="utf-8"?>
 <p:sldLayout xmlns:a="http://schemas.openxmlformats.org/drawingml/2006/main" xmlns:r="http://schemas.openxmlformats.org/officeDocument/2006/relationships" xmlns:p="http://schemas.openxmlformats.org/presentationml/2006/main" type="title" preserve="1">
   <p:cSld name="Title Slide">
@@ -680,7 +775,7 @@
           <a:p>
             <a:fld id="{334D9E35-25E8-474A-91F1-98B631E32FC0}" type="datetimeFigureOut">
               <a:rPr lang="en-US" smtClean="0"/>
-              <a:t>1/13/17</a:t>
+              <a:t>1/17/17</a:t>
             </a:fld>
             <a:endParaRPr lang="en-US"/>
           </a:p>
@@ -850,7 +945,7 @@
           <a:p>
             <a:fld id="{334D9E35-25E8-474A-91F1-98B631E32FC0}" type="datetimeFigureOut">
               <a:rPr lang="en-US" smtClean="0"/>
-              <a:t>1/13/17</a:t>
+              <a:t>1/17/17</a:t>
             </a:fld>
             <a:endParaRPr lang="en-US"/>
           </a:p>
@@ -1030,7 +1125,7 @@
           <a:p>
             <a:fld id="{334D9E35-25E8-474A-91F1-98B631E32FC0}" type="datetimeFigureOut">
               <a:rPr lang="en-US" smtClean="0"/>
-              <a:t>1/13/17</a:t>
+              <a:t>1/17/17</a:t>
             </a:fld>
             <a:endParaRPr lang="en-US"/>
           </a:p>
@@ -1200,7 +1295,7 @@
           <a:p>
             <a:fld id="{334D9E35-25E8-474A-91F1-98B631E32FC0}" type="datetimeFigureOut">
               <a:rPr lang="en-US" smtClean="0"/>
-              <a:t>1/13/17</a:t>
+              <a:t>1/17/17</a:t>
             </a:fld>
             <a:endParaRPr lang="en-US"/>
           </a:p>
@@ -1446,7 +1541,7 @@
           <a:p>
             <a:fld id="{334D9E35-25E8-474A-91F1-98B631E32FC0}" type="datetimeFigureOut">
               <a:rPr lang="en-US" smtClean="0"/>
-              <a:t>1/13/17</a:t>
+              <a:t>1/17/17</a:t>
             </a:fld>
             <a:endParaRPr lang="en-US"/>
           </a:p>
@@ -1678,7 +1773,7 @@
           <a:p>
             <a:fld id="{334D9E35-25E8-474A-91F1-98B631E32FC0}" type="datetimeFigureOut">
               <a:rPr lang="en-US" smtClean="0"/>
-              <a:t>1/13/17</a:t>
+              <a:t>1/17/17</a:t>
             </a:fld>
             <a:endParaRPr lang="en-US"/>
           </a:p>
@@ -2045,7 +2140,7 @@
           <a:p>
             <a:fld id="{334D9E35-25E8-474A-91F1-98B631E32FC0}" type="datetimeFigureOut">
               <a:rPr lang="en-US" smtClean="0"/>
-              <a:t>1/13/17</a:t>
+              <a:t>1/17/17</a:t>
             </a:fld>
             <a:endParaRPr lang="en-US"/>
           </a:p>
@@ -2163,7 +2258,7 @@
           <a:p>
             <a:fld id="{334D9E35-25E8-474A-91F1-98B631E32FC0}" type="datetimeFigureOut">
               <a:rPr lang="en-US" smtClean="0"/>
-              <a:t>1/13/17</a:t>
+              <a:t>1/17/17</a:t>
             </a:fld>
             <a:endParaRPr lang="en-US"/>
           </a:p>
@@ -2258,7 +2353,7 @@
           <a:p>
             <a:fld id="{334D9E35-25E8-474A-91F1-98B631E32FC0}" type="datetimeFigureOut">
               <a:rPr lang="en-US" smtClean="0"/>
-              <a:t>1/13/17</a:t>
+              <a:t>1/17/17</a:t>
             </a:fld>
             <a:endParaRPr lang="en-US"/>
           </a:p>
@@ -2535,7 +2630,7 @@
           <a:p>
             <a:fld id="{334D9E35-25E8-474A-91F1-98B631E32FC0}" type="datetimeFigureOut">
               <a:rPr lang="en-US" smtClean="0"/>
-              <a:t>1/13/17</a:t>
+              <a:t>1/17/17</a:t>
             </a:fld>
             <a:endParaRPr lang="en-US"/>
           </a:p>
@@ -2792,7 +2887,7 @@
           <a:p>
             <a:fld id="{334D9E35-25E8-474A-91F1-98B631E32FC0}" type="datetimeFigureOut">
               <a:rPr lang="en-US" smtClean="0"/>
-              <a:t>1/13/17</a:t>
+              <a:t>1/17/17</a:t>
             </a:fld>
             <a:endParaRPr lang="en-US"/>
           </a:p>
@@ -3005,7 +3100,7 @@
           <a:p>
             <a:fld id="{334D9E35-25E8-474A-91F1-98B631E32FC0}" type="datetimeFigureOut">
               <a:rPr lang="en-US" smtClean="0"/>
-              <a:t>1/13/17</a:t>
+              <a:t>1/17/17</a:t>
             </a:fld>
             <a:endParaRPr lang="en-US"/>
           </a:p>
@@ -4171,7 +4266,7 @@
           </p:nvSpPr>
           <p:spPr>
             <a:xfrm>
-              <a:off x="5369460" y="643244"/>
+              <a:off x="5657146" y="642237"/>
               <a:ext cx="3506088" cy="400110"/>
             </a:xfrm>
             <a:prstGeom prst="rect">
@@ -5072,6 +5167,1867 @@
 </p:sld>
 </file>
 
+<file path=ppt/slides/slide2.xml><?xml version="1.0" encoding="utf-8"?>
+<p:sld xmlns:a="http://schemas.openxmlformats.org/drawingml/2006/main" xmlns:r="http://schemas.openxmlformats.org/officeDocument/2006/relationships" xmlns:p="http://schemas.openxmlformats.org/presentationml/2006/main">
+  <p:cSld>
+    <p:spTree>
+      <p:nvGrpSpPr>
+        <p:cNvPr id="1" name=""/>
+        <p:cNvGrpSpPr/>
+        <p:nvPr/>
+      </p:nvGrpSpPr>
+      <p:grpSpPr>
+        <a:xfrm>
+          <a:off x="0" y="0"/>
+          <a:ext cx="0" cy="0"/>
+          <a:chOff x="0" y="0"/>
+          <a:chExt cx="0" cy="0"/>
+        </a:xfrm>
+      </p:grpSpPr>
+      <p:grpSp>
+        <p:nvGrpSpPr>
+          <p:cNvPr id="9" name="Group 8"/>
+          <p:cNvGrpSpPr/>
+          <p:nvPr/>
+        </p:nvGrpSpPr>
+        <p:grpSpPr>
+          <a:xfrm>
+            <a:off x="5498397" y="508000"/>
+            <a:ext cx="2425700" cy="2489200"/>
+            <a:chOff x="469900" y="406400"/>
+            <a:chExt cx="2425700" cy="2489200"/>
+          </a:xfrm>
+        </p:grpSpPr>
+        <p:sp>
+          <p:nvSpPr>
+            <p:cNvPr id="4" name="Rectangle 3"/>
+            <p:cNvSpPr/>
+            <p:nvPr/>
+          </p:nvSpPr>
+          <p:spPr>
+            <a:xfrm>
+              <a:off x="469900" y="406400"/>
+              <a:ext cx="2425700" cy="2489200"/>
+            </a:xfrm>
+            <a:prstGeom prst="rect">
+              <a:avLst/>
+            </a:prstGeom>
+            <a:solidFill>
+              <a:srgbClr val="C0392B"/>
+            </a:solidFill>
+            <a:ln>
+              <a:noFill/>
+            </a:ln>
+          </p:spPr>
+          <p:style>
+            <a:lnRef idx="2">
+              <a:schemeClr val="accent1">
+                <a:shade val="50000"/>
+              </a:schemeClr>
+            </a:lnRef>
+            <a:fillRef idx="1">
+              <a:schemeClr val="accent1"/>
+            </a:fillRef>
+            <a:effectRef idx="0">
+              <a:schemeClr val="accent1"/>
+            </a:effectRef>
+            <a:fontRef idx="minor">
+              <a:schemeClr val="lt1"/>
+            </a:fontRef>
+          </p:style>
+          <p:txBody>
+            <a:bodyPr rot="0" spcFirstLastPara="0" vertOverflow="overflow" horzOverflow="overflow" vert="horz" wrap="square" lIns="91440" tIns="45720" rIns="91440" bIns="45720" numCol="1" spcCol="0" rtlCol="0" fromWordArt="0" anchor="ctr" anchorCtr="0" forceAA="0" compatLnSpc="1">
+              <a:prstTxWarp prst="textNoShape">
+                <a:avLst/>
+              </a:prstTxWarp>
+              <a:noAutofit/>
+            </a:bodyPr>
+            <a:lstStyle/>
+            <a:p>
+              <a:pPr algn="ctr"/>
+              <a:endParaRPr lang="en-US" dirty="0"/>
+            </a:p>
+          </p:txBody>
+        </p:sp>
+        <p:sp>
+          <p:nvSpPr>
+            <p:cNvPr id="5" name="TextBox 4"/>
+            <p:cNvSpPr txBox="1"/>
+            <p:nvPr/>
+          </p:nvSpPr>
+          <p:spPr>
+            <a:xfrm>
+              <a:off x="721589" y="596900"/>
+              <a:ext cx="1922321" cy="400110"/>
+            </a:xfrm>
+            <a:prstGeom prst="rect">
+              <a:avLst/>
+            </a:prstGeom>
+            <a:noFill/>
+          </p:spPr>
+          <p:txBody>
+            <a:bodyPr wrap="none" rtlCol="0">
+              <a:spAutoFit/>
+            </a:bodyPr>
+            <a:lstStyle/>
+            <a:p>
+              <a:r>
+                <a:rPr lang="en-US" sz="2000" b="1" dirty="0">
+                  <a:solidFill>
+                    <a:schemeClr val="bg1"/>
+                  </a:solidFill>
+                  <a:latin typeface="Arial" charset="0"/>
+                  <a:ea typeface="Arial" charset="0"/>
+                  <a:cs typeface="Arial" charset="0"/>
+                </a:rPr>
+                <a:t>Data Collector</a:t>
+              </a:r>
+            </a:p>
+          </p:txBody>
+        </p:sp>
+        <p:sp>
+          <p:nvSpPr>
+            <p:cNvPr id="6" name="TextBox 5"/>
+            <p:cNvSpPr txBox="1"/>
+            <p:nvPr/>
+          </p:nvSpPr>
+          <p:spPr>
+            <a:xfrm>
+              <a:off x="586934" y="1187510"/>
+              <a:ext cx="2191626" cy="661720"/>
+            </a:xfrm>
+            <a:prstGeom prst="rect">
+              <a:avLst/>
+            </a:prstGeom>
+            <a:solidFill>
+              <a:srgbClr val="E74C3C"/>
+            </a:solidFill>
+            <a:ln>
+              <a:noFill/>
+            </a:ln>
+          </p:spPr>
+          <p:txBody>
+            <a:bodyPr wrap="none" rtlCol="0">
+              <a:spAutoFit/>
+            </a:bodyPr>
+            <a:lstStyle/>
+            <a:p>
+              <a:pPr algn="ctr"/>
+              <a:r>
+                <a:rPr lang="en-US" sz="1600" dirty="0">
+                  <a:solidFill>
+                    <a:schemeClr val="bg1"/>
+                  </a:solidFill>
+                  <a:latin typeface="Arial" charset="0"/>
+                  <a:ea typeface="Arial" charset="0"/>
+                  <a:cs typeface="Arial" charset="0"/>
+                </a:rPr>
+                <a:t>Android Smartphone</a:t>
+              </a:r>
+            </a:p>
+            <a:p>
+              <a:pPr algn="ctr">
+                <a:spcBef>
+                  <a:spcPts val="600"/>
+                </a:spcBef>
+              </a:pPr>
+              <a:r>
+                <a:rPr lang="en-US" sz="1600" dirty="0">
+                  <a:solidFill>
+                    <a:schemeClr val="bg1"/>
+                  </a:solidFill>
+                  <a:latin typeface="Arial" charset="0"/>
+                  <a:ea typeface="Arial" charset="0"/>
+                  <a:cs typeface="Arial" charset="0"/>
+                </a:rPr>
+                <a:t>(Samsung Galaxy S5)</a:t>
+              </a:r>
+            </a:p>
+          </p:txBody>
+        </p:sp>
+        <p:sp>
+          <p:nvSpPr>
+            <p:cNvPr id="8" name="TextBox 7"/>
+            <p:cNvSpPr txBox="1"/>
+            <p:nvPr/>
+          </p:nvSpPr>
+          <p:spPr>
+            <a:xfrm>
+              <a:off x="734410" y="2051050"/>
+              <a:ext cx="1896673" cy="661720"/>
+            </a:xfrm>
+            <a:prstGeom prst="rect">
+              <a:avLst/>
+            </a:prstGeom>
+            <a:solidFill>
+              <a:srgbClr val="E74C3C"/>
+            </a:solidFill>
+            <a:ln>
+              <a:noFill/>
+            </a:ln>
+          </p:spPr>
+          <p:txBody>
+            <a:bodyPr wrap="none" rtlCol="0">
+              <a:spAutoFit/>
+            </a:bodyPr>
+            <a:lstStyle/>
+            <a:p>
+              <a:pPr algn="ctr"/>
+              <a:r>
+                <a:rPr lang="en-US" sz="1600" dirty="0">
+                  <a:solidFill>
+                    <a:schemeClr val="bg1"/>
+                  </a:solidFill>
+                  <a:latin typeface="Arial" charset="0"/>
+                  <a:ea typeface="Arial" charset="0"/>
+                  <a:cs typeface="Arial" charset="0"/>
+                </a:rPr>
+                <a:t>Tizen </a:t>
+              </a:r>
+              <a:r>
+                <a:rPr lang="en-US" sz="1600" dirty="0" smtClean="0">
+                  <a:solidFill>
+                    <a:schemeClr val="bg1"/>
+                  </a:solidFill>
+                  <a:latin typeface="Arial" charset="0"/>
+                  <a:ea typeface="Arial" charset="0"/>
+                  <a:cs typeface="Arial" charset="0"/>
+                </a:rPr>
+                <a:t>Smartwatch</a:t>
+              </a:r>
+              <a:endParaRPr lang="en-US" sz="1600" dirty="0">
+                <a:solidFill>
+                  <a:schemeClr val="bg1"/>
+                </a:solidFill>
+                <a:latin typeface="Arial" charset="0"/>
+                <a:ea typeface="Arial" charset="0"/>
+                <a:cs typeface="Arial" charset="0"/>
+              </a:endParaRPr>
+            </a:p>
+            <a:p>
+              <a:pPr algn="ctr">
+                <a:spcBef>
+                  <a:spcPts val="600"/>
+                </a:spcBef>
+              </a:pPr>
+              <a:r>
+                <a:rPr lang="en-US" sz="1600" dirty="0">
+                  <a:solidFill>
+                    <a:schemeClr val="bg1"/>
+                  </a:solidFill>
+                  <a:latin typeface="Arial" charset="0"/>
+                  <a:ea typeface="Arial" charset="0"/>
+                  <a:cs typeface="Arial" charset="0"/>
+                </a:rPr>
+                <a:t>(Samsung Gear S)</a:t>
+              </a:r>
+            </a:p>
+          </p:txBody>
+        </p:sp>
+      </p:grpSp>
+      <p:grpSp>
+        <p:nvGrpSpPr>
+          <p:cNvPr id="17" name="Group 16"/>
+          <p:cNvGrpSpPr/>
+          <p:nvPr/>
+        </p:nvGrpSpPr>
+        <p:grpSpPr>
+          <a:xfrm>
+            <a:off x="5498397" y="3483041"/>
+            <a:ext cx="2425700" cy="1644650"/>
+            <a:chOff x="4267195" y="508000"/>
+            <a:chExt cx="2425700" cy="1769589"/>
+          </a:xfrm>
+        </p:grpSpPr>
+        <p:sp>
+          <p:nvSpPr>
+            <p:cNvPr id="11" name="Rectangle 10"/>
+            <p:cNvSpPr/>
+            <p:nvPr/>
+          </p:nvSpPr>
+          <p:spPr>
+            <a:xfrm>
+              <a:off x="4267195" y="508000"/>
+              <a:ext cx="2425700" cy="1769589"/>
+            </a:xfrm>
+            <a:prstGeom prst="rect">
+              <a:avLst/>
+            </a:prstGeom>
+            <a:solidFill>
+              <a:srgbClr val="0070C0"/>
+            </a:solidFill>
+            <a:ln>
+              <a:noFill/>
+            </a:ln>
+          </p:spPr>
+          <p:style>
+            <a:lnRef idx="2">
+              <a:schemeClr val="accent1">
+                <a:shade val="50000"/>
+              </a:schemeClr>
+            </a:lnRef>
+            <a:fillRef idx="1">
+              <a:schemeClr val="accent1"/>
+            </a:fillRef>
+            <a:effectRef idx="0">
+              <a:schemeClr val="accent1"/>
+            </a:effectRef>
+            <a:fontRef idx="minor">
+              <a:schemeClr val="lt1"/>
+            </a:fontRef>
+          </p:style>
+          <p:txBody>
+            <a:bodyPr rot="0" spcFirstLastPara="0" vertOverflow="overflow" horzOverflow="overflow" vert="horz" wrap="square" lIns="91440" tIns="45720" rIns="91440" bIns="45720" numCol="1" spcCol="0" rtlCol="0" fromWordArt="0" anchor="ctr" anchorCtr="0" forceAA="0" compatLnSpc="1">
+              <a:prstTxWarp prst="textNoShape">
+                <a:avLst/>
+              </a:prstTxWarp>
+              <a:noAutofit/>
+            </a:bodyPr>
+            <a:lstStyle/>
+            <a:p>
+              <a:pPr algn="ctr"/>
+              <a:endParaRPr lang="en-US" dirty="0"/>
+            </a:p>
+          </p:txBody>
+        </p:sp>
+        <p:sp>
+          <p:nvSpPr>
+            <p:cNvPr id="12" name="TextBox 11"/>
+            <p:cNvSpPr txBox="1"/>
+            <p:nvPr/>
+          </p:nvSpPr>
+          <p:spPr>
+            <a:xfrm>
+              <a:off x="4988560" y="698500"/>
+              <a:ext cx="982961" cy="430505"/>
+            </a:xfrm>
+            <a:prstGeom prst="rect">
+              <a:avLst/>
+            </a:prstGeom>
+            <a:noFill/>
+          </p:spPr>
+          <p:txBody>
+            <a:bodyPr wrap="none" rtlCol="0">
+              <a:spAutoFit/>
+            </a:bodyPr>
+            <a:lstStyle/>
+            <a:p>
+              <a:r>
+                <a:rPr lang="en-US" sz="2000" b="1" dirty="0">
+                  <a:solidFill>
+                    <a:schemeClr val="bg1"/>
+                  </a:solidFill>
+                  <a:latin typeface="Arial" charset="0"/>
+                  <a:ea typeface="Arial" charset="0"/>
+                  <a:cs typeface="Arial" charset="0"/>
+                </a:rPr>
+                <a:t>Server</a:t>
+              </a:r>
+            </a:p>
+          </p:txBody>
+        </p:sp>
+        <p:sp>
+          <p:nvSpPr>
+            <p:cNvPr id="15" name="Rectangle 14"/>
+            <p:cNvSpPr/>
+            <p:nvPr/>
+          </p:nvSpPr>
+          <p:spPr>
+            <a:xfrm>
+              <a:off x="4552945" y="1282820"/>
+              <a:ext cx="1854200" cy="584775"/>
+            </a:xfrm>
+            <a:prstGeom prst="rect">
+              <a:avLst/>
+            </a:prstGeom>
+            <a:ln>
+              <a:noFill/>
+            </a:ln>
+          </p:spPr>
+          <p:style>
+            <a:lnRef idx="2">
+              <a:schemeClr val="accent1">
+                <a:shade val="50000"/>
+              </a:schemeClr>
+            </a:lnRef>
+            <a:fillRef idx="1">
+              <a:schemeClr val="accent1"/>
+            </a:fillRef>
+            <a:effectRef idx="0">
+              <a:schemeClr val="accent1"/>
+            </a:effectRef>
+            <a:fontRef idx="minor">
+              <a:schemeClr val="lt1"/>
+            </a:fontRef>
+          </p:style>
+          <p:txBody>
+            <a:bodyPr rot="0" spcFirstLastPara="0" vertOverflow="overflow" horzOverflow="overflow" vert="horz" wrap="square" lIns="91440" tIns="45720" rIns="91440" bIns="45720" numCol="1" spcCol="0" rtlCol="0" fromWordArt="0" anchor="ctr" anchorCtr="0" forceAA="0" compatLnSpc="1">
+              <a:prstTxWarp prst="textNoShape">
+                <a:avLst/>
+              </a:prstTxWarp>
+              <a:noAutofit/>
+            </a:bodyPr>
+            <a:lstStyle/>
+            <a:p>
+              <a:pPr algn="ctr"/>
+              <a:r>
+                <a:rPr lang="en-US" dirty="0"/>
+                <a:t>HTTP </a:t>
+              </a:r>
+              <a:r>
+                <a:rPr lang="en-US" sz="1600" dirty="0">
+                  <a:latin typeface="Arial" charset="0"/>
+                  <a:ea typeface="Arial" charset="0"/>
+                  <a:cs typeface="Arial" charset="0"/>
+                </a:rPr>
+                <a:t>Handlers</a:t>
+              </a:r>
+              <a:endParaRPr lang="en-US" dirty="0">
+                <a:latin typeface="Arial" charset="0"/>
+                <a:ea typeface="Arial" charset="0"/>
+                <a:cs typeface="Arial" charset="0"/>
+              </a:endParaRPr>
+            </a:p>
+          </p:txBody>
+        </p:sp>
+      </p:grpSp>
+      <p:cxnSp>
+        <p:nvCxnSpPr>
+          <p:cNvPr id="19" name="Straight Arrow Connector 18"/>
+          <p:cNvCxnSpPr>
+            <a:stCxn id="4" idx="2"/>
+            <a:endCxn id="11" idx="0"/>
+          </p:cNvCxnSpPr>
+          <p:nvPr/>
+        </p:nvCxnSpPr>
+        <p:spPr>
+          <a:xfrm>
+            <a:off x="6711247" y="2997200"/>
+            <a:ext cx="0" cy="485841"/>
+          </a:xfrm>
+          <a:prstGeom prst="straightConnector1">
+            <a:avLst/>
+          </a:prstGeom>
+          <a:ln w="19050">
+            <a:solidFill>
+              <a:schemeClr val="tx1"/>
+            </a:solidFill>
+            <a:prstDash val="dash"/>
+            <a:tailEnd type="triangle"/>
+          </a:ln>
+        </p:spPr>
+        <p:style>
+          <a:lnRef idx="1">
+            <a:schemeClr val="accent1"/>
+          </a:lnRef>
+          <a:fillRef idx="0">
+            <a:schemeClr val="accent1"/>
+          </a:fillRef>
+          <a:effectRef idx="0">
+            <a:schemeClr val="accent1"/>
+          </a:effectRef>
+          <a:fontRef idx="minor">
+            <a:schemeClr val="tx1"/>
+          </a:fontRef>
+        </p:style>
+      </p:cxnSp>
+      <p:sp>
+        <p:nvSpPr>
+          <p:cNvPr id="20" name="TextBox 19"/>
+          <p:cNvSpPr txBox="1"/>
+          <p:nvPr/>
+        </p:nvSpPr>
+        <p:spPr>
+          <a:xfrm flipH="1">
+            <a:off x="6609900" y="3107312"/>
+            <a:ext cx="866118" cy="261610"/>
+          </a:xfrm>
+          <a:prstGeom prst="rect">
+            <a:avLst/>
+          </a:prstGeom>
+          <a:noFill/>
+        </p:spPr>
+        <p:txBody>
+          <a:bodyPr wrap="square" rtlCol="0">
+            <a:spAutoFit/>
+          </a:bodyPr>
+          <a:lstStyle/>
+          <a:p>
+            <a:pPr algn="ctr"/>
+            <a:r>
+              <a:rPr lang="en-US" sz="1100" b="1" dirty="0">
+                <a:latin typeface="Arial" charset="0"/>
+                <a:ea typeface="Arial" charset="0"/>
+                <a:cs typeface="Arial" charset="0"/>
+              </a:rPr>
+              <a:t>HTTP</a:t>
+            </a:r>
+            <a:endParaRPr lang="en-US" b="1" dirty="0">
+              <a:latin typeface="Arial" charset="0"/>
+              <a:ea typeface="Arial" charset="0"/>
+              <a:cs typeface="Arial" charset="0"/>
+            </a:endParaRPr>
+          </a:p>
+        </p:txBody>
+      </p:sp>
+      <p:grpSp>
+        <p:nvGrpSpPr>
+          <p:cNvPr id="21" name="Group 20"/>
+          <p:cNvGrpSpPr/>
+          <p:nvPr/>
+        </p:nvGrpSpPr>
+        <p:grpSpPr>
+          <a:xfrm>
+            <a:off x="5498397" y="5613531"/>
+            <a:ext cx="2425700" cy="3136331"/>
+            <a:chOff x="4267195" y="507999"/>
+            <a:chExt cx="2425700" cy="3136331"/>
+          </a:xfrm>
+        </p:grpSpPr>
+        <p:sp>
+          <p:nvSpPr>
+            <p:cNvPr id="22" name="Rectangle 21"/>
+            <p:cNvSpPr/>
+            <p:nvPr/>
+          </p:nvSpPr>
+          <p:spPr>
+            <a:xfrm>
+              <a:off x="4267195" y="507999"/>
+              <a:ext cx="2425700" cy="3136331"/>
+            </a:xfrm>
+            <a:prstGeom prst="rect">
+              <a:avLst/>
+            </a:prstGeom>
+            <a:solidFill>
+              <a:srgbClr val="E67E22"/>
+            </a:solidFill>
+            <a:ln>
+              <a:noFill/>
+            </a:ln>
+          </p:spPr>
+          <p:style>
+            <a:lnRef idx="2">
+              <a:schemeClr val="accent1">
+                <a:shade val="50000"/>
+              </a:schemeClr>
+            </a:lnRef>
+            <a:fillRef idx="1">
+              <a:schemeClr val="accent1"/>
+            </a:fillRef>
+            <a:effectRef idx="0">
+              <a:schemeClr val="accent1"/>
+            </a:effectRef>
+            <a:fontRef idx="minor">
+              <a:schemeClr val="lt1"/>
+            </a:fontRef>
+          </p:style>
+          <p:txBody>
+            <a:bodyPr rot="0" spcFirstLastPara="0" vertOverflow="overflow" horzOverflow="overflow" vert="horz" wrap="square" lIns="91440" tIns="45720" rIns="91440" bIns="45720" numCol="1" spcCol="0" rtlCol="0" fromWordArt="0" anchor="ctr" anchorCtr="0" forceAA="0" compatLnSpc="1">
+              <a:prstTxWarp prst="textNoShape">
+                <a:avLst/>
+              </a:prstTxWarp>
+              <a:noAutofit/>
+            </a:bodyPr>
+            <a:lstStyle/>
+            <a:p>
+              <a:pPr algn="ctr"/>
+              <a:endParaRPr lang="en-US" dirty="0"/>
+            </a:p>
+          </p:txBody>
+        </p:sp>
+        <p:sp>
+          <p:nvSpPr>
+            <p:cNvPr id="23" name="TextBox 22"/>
+            <p:cNvSpPr txBox="1"/>
+            <p:nvPr/>
+          </p:nvSpPr>
+          <p:spPr>
+            <a:xfrm>
+              <a:off x="4780975" y="695354"/>
+              <a:ext cx="1398140" cy="400110"/>
+            </a:xfrm>
+            <a:prstGeom prst="rect">
+              <a:avLst/>
+            </a:prstGeom>
+            <a:noFill/>
+          </p:spPr>
+          <p:txBody>
+            <a:bodyPr wrap="none" rtlCol="0">
+              <a:spAutoFit/>
+            </a:bodyPr>
+            <a:lstStyle/>
+            <a:p>
+              <a:r>
+                <a:rPr lang="en-US" sz="2000" b="1" smtClean="0">
+                  <a:solidFill>
+                    <a:schemeClr val="bg1"/>
+                  </a:solidFill>
+                  <a:latin typeface="Arial" charset="0"/>
+                  <a:ea typeface="Arial" charset="0"/>
+                  <a:cs typeface="Arial" charset="0"/>
+                </a:rPr>
+                <a:t>MongoDB</a:t>
+              </a:r>
+              <a:endParaRPr lang="en-US" sz="2000" b="1" dirty="0">
+                <a:solidFill>
+                  <a:schemeClr val="bg1"/>
+                </a:solidFill>
+                <a:latin typeface="Arial" charset="0"/>
+                <a:ea typeface="Arial" charset="0"/>
+                <a:cs typeface="Arial" charset="0"/>
+              </a:endParaRPr>
+            </a:p>
+          </p:txBody>
+        </p:sp>
+        <p:sp>
+          <p:nvSpPr>
+            <p:cNvPr id="24" name="Rectangle 23"/>
+            <p:cNvSpPr/>
+            <p:nvPr/>
+          </p:nvSpPr>
+          <p:spPr>
+            <a:xfrm>
+              <a:off x="4552945" y="1282820"/>
+              <a:ext cx="1854200" cy="584775"/>
+            </a:xfrm>
+            <a:prstGeom prst="rect">
+              <a:avLst/>
+            </a:prstGeom>
+            <a:solidFill>
+              <a:srgbClr val="F39C12"/>
+            </a:solidFill>
+            <a:ln>
+              <a:noFill/>
+            </a:ln>
+          </p:spPr>
+          <p:style>
+            <a:lnRef idx="2">
+              <a:schemeClr val="accent1">
+                <a:shade val="50000"/>
+              </a:schemeClr>
+            </a:lnRef>
+            <a:fillRef idx="1">
+              <a:schemeClr val="accent1"/>
+            </a:fillRef>
+            <a:effectRef idx="0">
+              <a:schemeClr val="accent1"/>
+            </a:effectRef>
+            <a:fontRef idx="minor">
+              <a:schemeClr val="lt1"/>
+            </a:fontRef>
+          </p:style>
+          <p:txBody>
+            <a:bodyPr rot="0" spcFirstLastPara="0" vertOverflow="overflow" horzOverflow="overflow" vert="horz" wrap="square" lIns="91440" tIns="45720" rIns="91440" bIns="45720" numCol="1" spcCol="0" rtlCol="0" fromWordArt="0" anchor="ctr" anchorCtr="0" forceAA="0" compatLnSpc="1">
+              <a:prstTxWarp prst="textNoShape">
+                <a:avLst/>
+              </a:prstTxWarp>
+              <a:noAutofit/>
+            </a:bodyPr>
+            <a:lstStyle/>
+            <a:p>
+              <a:pPr algn="ctr"/>
+              <a:r>
+                <a:rPr lang="en-US" sz="1600" dirty="0" smtClean="0"/>
+                <a:t>Raw Smartphone Accelerometer Data</a:t>
+              </a:r>
+              <a:endParaRPr lang="en-US" sz="1600" dirty="0"/>
+            </a:p>
+          </p:txBody>
+        </p:sp>
+      </p:grpSp>
+      <p:cxnSp>
+        <p:nvCxnSpPr>
+          <p:cNvPr id="27" name="Straight Arrow Connector 26"/>
+          <p:cNvCxnSpPr>
+            <a:stCxn id="11" idx="2"/>
+            <a:endCxn id="22" idx="0"/>
+          </p:cNvCxnSpPr>
+          <p:nvPr/>
+        </p:nvCxnSpPr>
+        <p:spPr>
+          <a:xfrm>
+            <a:off x="6711247" y="5127691"/>
+            <a:ext cx="0" cy="485840"/>
+          </a:xfrm>
+          <a:prstGeom prst="straightConnector1">
+            <a:avLst/>
+          </a:prstGeom>
+          <a:ln w="19050">
+            <a:solidFill>
+              <a:schemeClr val="tx1"/>
+            </a:solidFill>
+            <a:tailEnd type="triangle"/>
+          </a:ln>
+        </p:spPr>
+        <p:style>
+          <a:lnRef idx="1">
+            <a:schemeClr val="accent1"/>
+          </a:lnRef>
+          <a:fillRef idx="0">
+            <a:schemeClr val="accent1"/>
+          </a:fillRef>
+          <a:effectRef idx="0">
+            <a:schemeClr val="accent1"/>
+          </a:effectRef>
+          <a:fontRef idx="minor">
+            <a:schemeClr val="tx1"/>
+          </a:fontRef>
+        </p:style>
+      </p:cxnSp>
+      <p:sp>
+        <p:nvSpPr>
+          <p:cNvPr id="29" name="Rectangle 28"/>
+          <p:cNvSpPr/>
+          <p:nvPr/>
+        </p:nvSpPr>
+        <p:spPr>
+          <a:xfrm>
+            <a:off x="8508297" y="1444830"/>
+            <a:ext cx="5903663" cy="5565228"/>
+          </a:xfrm>
+          <a:prstGeom prst="rect">
+            <a:avLst/>
+          </a:prstGeom>
+          <a:solidFill>
+            <a:srgbClr val="863FA6"/>
+          </a:solidFill>
+          <a:ln>
+            <a:noFill/>
+          </a:ln>
+        </p:spPr>
+        <p:style>
+          <a:lnRef idx="2">
+            <a:schemeClr val="accent1">
+              <a:shade val="50000"/>
+            </a:schemeClr>
+          </a:lnRef>
+          <a:fillRef idx="1">
+            <a:schemeClr val="accent1"/>
+          </a:fillRef>
+          <a:effectRef idx="0">
+            <a:schemeClr val="accent1"/>
+          </a:effectRef>
+          <a:fontRef idx="minor">
+            <a:schemeClr val="lt1"/>
+          </a:fontRef>
+        </p:style>
+        <p:txBody>
+          <a:bodyPr rot="0" spcFirstLastPara="0" vertOverflow="overflow" horzOverflow="overflow" vert="horz" wrap="square" lIns="91440" tIns="45720" rIns="91440" bIns="45720" numCol="1" spcCol="0" rtlCol="0" fromWordArt="0" anchor="ctr" anchorCtr="0" forceAA="0" compatLnSpc="1">
+            <a:prstTxWarp prst="textNoShape">
+              <a:avLst/>
+            </a:prstTxWarp>
+            <a:noAutofit/>
+          </a:bodyPr>
+          <a:lstStyle/>
+          <a:p>
+            <a:pPr algn="ctr"/>
+            <a:endParaRPr lang="en-US" dirty="0"/>
+          </a:p>
+        </p:txBody>
+      </p:sp>
+      <p:sp>
+        <p:nvSpPr>
+          <p:cNvPr id="30" name="TextBox 29"/>
+          <p:cNvSpPr txBox="1"/>
+          <p:nvPr/>
+        </p:nvSpPr>
+        <p:spPr>
+          <a:xfrm>
+            <a:off x="9721146" y="1557232"/>
+            <a:ext cx="3506088" cy="400110"/>
+          </a:xfrm>
+          <a:prstGeom prst="rect">
+            <a:avLst/>
+          </a:prstGeom>
+          <a:solidFill>
+            <a:srgbClr val="863FA6"/>
+          </a:solidFill>
+        </p:spPr>
+        <p:txBody>
+          <a:bodyPr wrap="none" rtlCol="0">
+            <a:spAutoFit/>
+          </a:bodyPr>
+          <a:lstStyle/>
+          <a:p>
+            <a:pPr algn="ctr"/>
+            <a:r>
+              <a:rPr lang="en-US" sz="2000" b="1" dirty="0">
+                <a:solidFill>
+                  <a:schemeClr val="bg1"/>
+                </a:solidFill>
+                <a:latin typeface="Arial" charset="0"/>
+                <a:ea typeface="Arial" charset="0"/>
+                <a:cs typeface="Arial" charset="0"/>
+              </a:rPr>
+              <a:t>Machine Learning Backend</a:t>
+            </a:r>
+          </a:p>
+        </p:txBody>
+      </p:sp>
+      <p:sp>
+        <p:nvSpPr>
+          <p:cNvPr id="31" name="Rectangle 30"/>
+          <p:cNvSpPr/>
+          <p:nvPr/>
+        </p:nvSpPr>
+        <p:spPr>
+          <a:xfrm>
+            <a:off x="8967078" y="2144833"/>
+            <a:ext cx="5012060" cy="1339740"/>
+          </a:xfrm>
+          <a:prstGeom prst="rect">
+            <a:avLst/>
+          </a:prstGeom>
+          <a:solidFill>
+            <a:srgbClr val="A94FD4"/>
+          </a:solidFill>
+          <a:ln>
+            <a:noFill/>
+          </a:ln>
+        </p:spPr>
+        <p:style>
+          <a:lnRef idx="2">
+            <a:schemeClr val="accent1">
+              <a:shade val="50000"/>
+            </a:schemeClr>
+          </a:lnRef>
+          <a:fillRef idx="1">
+            <a:schemeClr val="accent1"/>
+          </a:fillRef>
+          <a:effectRef idx="0">
+            <a:schemeClr val="accent1"/>
+          </a:effectRef>
+          <a:fontRef idx="minor">
+            <a:schemeClr val="lt1"/>
+          </a:fontRef>
+        </p:style>
+        <p:txBody>
+          <a:bodyPr rot="0" spcFirstLastPara="0" vertOverflow="overflow" horzOverflow="overflow" vert="horz" wrap="square" lIns="91440" tIns="45720" rIns="91440" bIns="45720" numCol="1" spcCol="0" rtlCol="0" fromWordArt="0" anchor="ctr" anchorCtr="0" forceAA="0" compatLnSpc="1">
+            <a:prstTxWarp prst="textNoShape">
+              <a:avLst/>
+            </a:prstTxWarp>
+            <a:noAutofit/>
+          </a:bodyPr>
+          <a:lstStyle/>
+          <a:p>
+            <a:pPr algn="ctr"/>
+            <a:endParaRPr lang="en-US" dirty="0"/>
+          </a:p>
+        </p:txBody>
+      </p:sp>
+      <p:sp>
+        <p:nvSpPr>
+          <p:cNvPr id="33" name="TextBox 32"/>
+          <p:cNvSpPr txBox="1"/>
+          <p:nvPr/>
+        </p:nvSpPr>
+        <p:spPr>
+          <a:xfrm>
+            <a:off x="10656249" y="2221097"/>
+            <a:ext cx="1633717" cy="338554"/>
+          </a:xfrm>
+          <a:prstGeom prst="rect">
+            <a:avLst/>
+          </a:prstGeom>
+          <a:noFill/>
+        </p:spPr>
+        <p:txBody>
+          <a:bodyPr wrap="none" rtlCol="0">
+            <a:spAutoFit/>
+          </a:bodyPr>
+          <a:lstStyle/>
+          <a:p>
+            <a:r>
+              <a:rPr lang="en-US" sz="1600" b="1" dirty="0">
+                <a:solidFill>
+                  <a:schemeClr val="bg1"/>
+                </a:solidFill>
+                <a:latin typeface="Arial" charset="0"/>
+                <a:ea typeface="Arial" charset="0"/>
+                <a:cs typeface="Arial" charset="0"/>
+              </a:rPr>
+              <a:t>Model Training</a:t>
+            </a:r>
+          </a:p>
+        </p:txBody>
+      </p:sp>
+      <p:sp>
+        <p:nvSpPr>
+          <p:cNvPr id="34" name="Rectangle 33"/>
+          <p:cNvSpPr/>
+          <p:nvPr/>
+        </p:nvSpPr>
+        <p:spPr>
+          <a:xfrm>
+            <a:off x="9218271" y="2755684"/>
+            <a:ext cx="2140744" cy="503554"/>
+          </a:xfrm>
+          <a:prstGeom prst="rect">
+            <a:avLst/>
+          </a:prstGeom>
+          <a:solidFill>
+            <a:srgbClr val="D27BFF"/>
+          </a:solidFill>
+          <a:ln>
+            <a:noFill/>
+          </a:ln>
+        </p:spPr>
+        <p:style>
+          <a:lnRef idx="2">
+            <a:schemeClr val="accent1">
+              <a:shade val="50000"/>
+            </a:schemeClr>
+          </a:lnRef>
+          <a:fillRef idx="1">
+            <a:schemeClr val="accent1"/>
+          </a:fillRef>
+          <a:effectRef idx="0">
+            <a:schemeClr val="accent1"/>
+          </a:effectRef>
+          <a:fontRef idx="minor">
+            <a:schemeClr val="lt1"/>
+          </a:fontRef>
+        </p:style>
+        <p:txBody>
+          <a:bodyPr rot="0" spcFirstLastPara="0" vertOverflow="overflow" horzOverflow="overflow" vert="horz" wrap="square" lIns="91440" tIns="45720" rIns="91440" bIns="45720" numCol="1" spcCol="0" rtlCol="0" fromWordArt="0" anchor="ctr" anchorCtr="0" forceAA="0" compatLnSpc="1">
+            <a:prstTxWarp prst="textNoShape">
+              <a:avLst/>
+            </a:prstTxWarp>
+            <a:noAutofit/>
+          </a:bodyPr>
+          <a:lstStyle/>
+          <a:p>
+            <a:pPr algn="ctr"/>
+            <a:r>
+              <a:rPr lang="en-US" sz="1400" dirty="0">
+                <a:latin typeface="Arial" charset="0"/>
+                <a:ea typeface="Arial" charset="0"/>
+                <a:cs typeface="Arial" charset="0"/>
+              </a:rPr>
+              <a:t>Random Forest</a:t>
+            </a:r>
+          </a:p>
+        </p:txBody>
+      </p:sp>
+      <p:sp>
+        <p:nvSpPr>
+          <p:cNvPr id="57" name="Rectangle 56"/>
+          <p:cNvSpPr/>
+          <p:nvPr/>
+        </p:nvSpPr>
+        <p:spPr>
+          <a:xfrm>
+            <a:off x="8967078" y="5237354"/>
+            <a:ext cx="5012060" cy="1474802"/>
+          </a:xfrm>
+          <a:prstGeom prst="rect">
+            <a:avLst/>
+          </a:prstGeom>
+          <a:solidFill>
+            <a:srgbClr val="A94FD4"/>
+          </a:solidFill>
+          <a:ln>
+            <a:noFill/>
+          </a:ln>
+        </p:spPr>
+        <p:style>
+          <a:lnRef idx="2">
+            <a:schemeClr val="accent1">
+              <a:shade val="50000"/>
+            </a:schemeClr>
+          </a:lnRef>
+          <a:fillRef idx="1">
+            <a:schemeClr val="accent1"/>
+          </a:fillRef>
+          <a:effectRef idx="0">
+            <a:schemeClr val="accent1"/>
+          </a:effectRef>
+          <a:fontRef idx="minor">
+            <a:schemeClr val="lt1"/>
+          </a:fontRef>
+        </p:style>
+        <p:txBody>
+          <a:bodyPr rot="0" spcFirstLastPara="0" vertOverflow="overflow" horzOverflow="overflow" vert="horz" wrap="square" lIns="91440" tIns="45720" rIns="91440" bIns="45720" numCol="1" spcCol="0" rtlCol="0" fromWordArt="0" anchor="ctr" anchorCtr="0" forceAA="0" compatLnSpc="1">
+            <a:prstTxWarp prst="textNoShape">
+              <a:avLst/>
+            </a:prstTxWarp>
+            <a:noAutofit/>
+          </a:bodyPr>
+          <a:lstStyle/>
+          <a:p>
+            <a:pPr algn="ctr"/>
+            <a:endParaRPr lang="en-US" dirty="0"/>
+          </a:p>
+        </p:txBody>
+      </p:sp>
+      <p:sp>
+        <p:nvSpPr>
+          <p:cNvPr id="58" name="TextBox 57"/>
+          <p:cNvSpPr txBox="1"/>
+          <p:nvPr/>
+        </p:nvSpPr>
+        <p:spPr>
+          <a:xfrm>
+            <a:off x="10370727" y="5322754"/>
+            <a:ext cx="2178802" cy="338554"/>
+          </a:xfrm>
+          <a:prstGeom prst="rect">
+            <a:avLst/>
+          </a:prstGeom>
+          <a:noFill/>
+        </p:spPr>
+        <p:txBody>
+          <a:bodyPr wrap="none" rtlCol="0">
+            <a:spAutoFit/>
+          </a:bodyPr>
+          <a:lstStyle/>
+          <a:p>
+            <a:r>
+              <a:rPr lang="en-US" sz="1600" b="1" dirty="0">
+                <a:solidFill>
+                  <a:schemeClr val="bg1"/>
+                </a:solidFill>
+                <a:latin typeface="Arial" charset="0"/>
+                <a:ea typeface="Arial" charset="0"/>
+                <a:cs typeface="Arial" charset="0"/>
+              </a:rPr>
+              <a:t>Data Pre-processing</a:t>
+            </a:r>
+          </a:p>
+        </p:txBody>
+      </p:sp>
+      <p:sp>
+        <p:nvSpPr>
+          <p:cNvPr id="59" name="Rectangle 58"/>
+          <p:cNvSpPr/>
+          <p:nvPr/>
+        </p:nvSpPr>
+        <p:spPr>
+          <a:xfrm>
+            <a:off x="9156172" y="5941079"/>
+            <a:ext cx="1440000" cy="503554"/>
+          </a:xfrm>
+          <a:prstGeom prst="rect">
+            <a:avLst/>
+          </a:prstGeom>
+          <a:solidFill>
+            <a:srgbClr val="D27BFF"/>
+          </a:solidFill>
+          <a:ln>
+            <a:noFill/>
+          </a:ln>
+        </p:spPr>
+        <p:style>
+          <a:lnRef idx="2">
+            <a:schemeClr val="accent1">
+              <a:shade val="50000"/>
+            </a:schemeClr>
+          </a:lnRef>
+          <a:fillRef idx="1">
+            <a:schemeClr val="accent1"/>
+          </a:fillRef>
+          <a:effectRef idx="0">
+            <a:schemeClr val="accent1"/>
+          </a:effectRef>
+          <a:fontRef idx="minor">
+            <a:schemeClr val="lt1"/>
+          </a:fontRef>
+        </p:style>
+        <p:txBody>
+          <a:bodyPr rot="0" spcFirstLastPara="0" vertOverflow="overflow" horzOverflow="overflow" vert="horz" wrap="square" lIns="91440" tIns="45720" rIns="91440" bIns="45720" numCol="1" spcCol="0" rtlCol="0" fromWordArt="0" anchor="ctr" anchorCtr="0" forceAA="0" compatLnSpc="1">
+            <a:prstTxWarp prst="textNoShape">
+              <a:avLst/>
+            </a:prstTxWarp>
+            <a:noAutofit/>
+          </a:bodyPr>
+          <a:lstStyle/>
+          <a:p>
+            <a:pPr algn="ctr"/>
+            <a:r>
+              <a:rPr lang="en-US" sz="1400" dirty="0" smtClean="0">
+                <a:latin typeface="Arial" charset="0"/>
+                <a:ea typeface="Arial" charset="0"/>
+                <a:cs typeface="Arial" charset="0"/>
+              </a:rPr>
+              <a:t>Data Sampling</a:t>
+            </a:r>
+            <a:endParaRPr lang="en-US" sz="1400" dirty="0">
+              <a:latin typeface="Arial" charset="0"/>
+              <a:ea typeface="Arial" charset="0"/>
+              <a:cs typeface="Arial" charset="0"/>
+            </a:endParaRPr>
+          </a:p>
+        </p:txBody>
+      </p:sp>
+      <p:sp>
+        <p:nvSpPr>
+          <p:cNvPr id="66" name="Rectangle 65"/>
+          <p:cNvSpPr/>
+          <p:nvPr/>
+        </p:nvSpPr>
+        <p:spPr>
+          <a:xfrm>
+            <a:off x="10749709" y="5941836"/>
+            <a:ext cx="1440000" cy="503554"/>
+          </a:xfrm>
+          <a:prstGeom prst="rect">
+            <a:avLst/>
+          </a:prstGeom>
+          <a:solidFill>
+            <a:srgbClr val="D27BFF"/>
+          </a:solidFill>
+          <a:ln>
+            <a:noFill/>
+          </a:ln>
+        </p:spPr>
+        <p:style>
+          <a:lnRef idx="2">
+            <a:schemeClr val="accent1">
+              <a:shade val="50000"/>
+            </a:schemeClr>
+          </a:lnRef>
+          <a:fillRef idx="1">
+            <a:schemeClr val="accent1"/>
+          </a:fillRef>
+          <a:effectRef idx="0">
+            <a:schemeClr val="accent1"/>
+          </a:effectRef>
+          <a:fontRef idx="minor">
+            <a:schemeClr val="lt1"/>
+          </a:fontRef>
+        </p:style>
+        <p:txBody>
+          <a:bodyPr rot="0" spcFirstLastPara="0" vertOverflow="overflow" horzOverflow="overflow" vert="horz" wrap="square" lIns="91440" tIns="45720" rIns="91440" bIns="45720" numCol="1" spcCol="0" rtlCol="0" fromWordArt="0" anchor="ctr" anchorCtr="0" forceAA="0" compatLnSpc="1">
+            <a:prstTxWarp prst="textNoShape">
+              <a:avLst/>
+            </a:prstTxWarp>
+            <a:noAutofit/>
+          </a:bodyPr>
+          <a:lstStyle/>
+          <a:p>
+            <a:pPr algn="ctr"/>
+            <a:r>
+              <a:rPr lang="en-US" sz="1400" dirty="0" smtClean="0">
+                <a:latin typeface="Arial" charset="0"/>
+                <a:ea typeface="Arial" charset="0"/>
+                <a:cs typeface="Arial" charset="0"/>
+              </a:rPr>
+              <a:t>Feature Extraction</a:t>
+            </a:r>
+            <a:endParaRPr lang="en-US" sz="1400" dirty="0">
+              <a:latin typeface="Arial" charset="0"/>
+              <a:ea typeface="Arial" charset="0"/>
+              <a:cs typeface="Arial" charset="0"/>
+            </a:endParaRPr>
+          </a:p>
+        </p:txBody>
+      </p:sp>
+      <p:sp>
+        <p:nvSpPr>
+          <p:cNvPr id="67" name="Rectangle 66"/>
+          <p:cNvSpPr/>
+          <p:nvPr/>
+        </p:nvSpPr>
+        <p:spPr>
+          <a:xfrm>
+            <a:off x="12342044" y="5941836"/>
+            <a:ext cx="1440000" cy="503554"/>
+          </a:xfrm>
+          <a:prstGeom prst="rect">
+            <a:avLst/>
+          </a:prstGeom>
+          <a:solidFill>
+            <a:srgbClr val="D27BFF"/>
+          </a:solidFill>
+          <a:ln>
+            <a:noFill/>
+          </a:ln>
+        </p:spPr>
+        <p:style>
+          <a:lnRef idx="2">
+            <a:schemeClr val="accent1">
+              <a:shade val="50000"/>
+            </a:schemeClr>
+          </a:lnRef>
+          <a:fillRef idx="1">
+            <a:schemeClr val="accent1"/>
+          </a:fillRef>
+          <a:effectRef idx="0">
+            <a:schemeClr val="accent1"/>
+          </a:effectRef>
+          <a:fontRef idx="minor">
+            <a:schemeClr val="lt1"/>
+          </a:fontRef>
+        </p:style>
+        <p:txBody>
+          <a:bodyPr rot="0" spcFirstLastPara="0" vertOverflow="overflow" horzOverflow="overflow" vert="horz" wrap="square" lIns="91440" tIns="45720" rIns="91440" bIns="45720" numCol="1" spcCol="0" rtlCol="0" fromWordArt="0" anchor="ctr" anchorCtr="0" forceAA="0" compatLnSpc="1">
+            <a:prstTxWarp prst="textNoShape">
+              <a:avLst/>
+            </a:prstTxWarp>
+            <a:noAutofit/>
+          </a:bodyPr>
+          <a:lstStyle/>
+          <a:p>
+            <a:pPr algn="ctr"/>
+            <a:r>
+              <a:rPr lang="en-US" sz="1400" dirty="0" smtClean="0">
+                <a:latin typeface="Arial" charset="0"/>
+                <a:ea typeface="Arial" charset="0"/>
+                <a:cs typeface="Arial" charset="0"/>
+              </a:rPr>
+              <a:t>Data Combiner</a:t>
+            </a:r>
+            <a:endParaRPr lang="en-US" sz="1400" dirty="0">
+              <a:latin typeface="Arial" charset="0"/>
+              <a:ea typeface="Arial" charset="0"/>
+              <a:cs typeface="Arial" charset="0"/>
+            </a:endParaRPr>
+          </a:p>
+        </p:txBody>
+      </p:sp>
+      <p:sp>
+        <p:nvSpPr>
+          <p:cNvPr id="76" name="Rectangle 75"/>
+          <p:cNvSpPr/>
+          <p:nvPr/>
+        </p:nvSpPr>
+        <p:spPr>
+          <a:xfrm>
+            <a:off x="5784147" y="7166579"/>
+            <a:ext cx="1854200" cy="584775"/>
+          </a:xfrm>
+          <a:prstGeom prst="rect">
+            <a:avLst/>
+          </a:prstGeom>
+          <a:solidFill>
+            <a:srgbClr val="F39C12"/>
+          </a:solidFill>
+          <a:ln>
+            <a:noFill/>
+          </a:ln>
+        </p:spPr>
+        <p:style>
+          <a:lnRef idx="2">
+            <a:schemeClr val="accent1">
+              <a:shade val="50000"/>
+            </a:schemeClr>
+          </a:lnRef>
+          <a:fillRef idx="1">
+            <a:schemeClr val="accent1"/>
+          </a:fillRef>
+          <a:effectRef idx="0">
+            <a:schemeClr val="accent1"/>
+          </a:effectRef>
+          <a:fontRef idx="minor">
+            <a:schemeClr val="lt1"/>
+          </a:fontRef>
+        </p:style>
+        <p:txBody>
+          <a:bodyPr rot="0" spcFirstLastPara="0" vertOverflow="overflow" horzOverflow="overflow" vert="horz" wrap="square" lIns="91440" tIns="45720" rIns="91440" bIns="45720" numCol="1" spcCol="0" rtlCol="0" fromWordArt="0" anchor="ctr" anchorCtr="0" forceAA="0" compatLnSpc="1">
+            <a:prstTxWarp prst="textNoShape">
+              <a:avLst/>
+            </a:prstTxWarp>
+            <a:noAutofit/>
+          </a:bodyPr>
+          <a:lstStyle/>
+          <a:p>
+            <a:pPr algn="ctr"/>
+            <a:r>
+              <a:rPr lang="en-US" sz="1600" dirty="0" smtClean="0"/>
+              <a:t>Raw Smartwatch Accelerometer Data</a:t>
+            </a:r>
+            <a:endParaRPr lang="en-US" sz="1600" dirty="0"/>
+          </a:p>
+        </p:txBody>
+      </p:sp>
+      <p:sp>
+        <p:nvSpPr>
+          <p:cNvPr id="41" name="Rectangle 40"/>
+          <p:cNvSpPr/>
+          <p:nvPr/>
+        </p:nvSpPr>
+        <p:spPr>
+          <a:xfrm>
+            <a:off x="5780774" y="7944806"/>
+            <a:ext cx="1854200" cy="584775"/>
+          </a:xfrm>
+          <a:prstGeom prst="rect">
+            <a:avLst/>
+          </a:prstGeom>
+          <a:solidFill>
+            <a:srgbClr val="F39C12"/>
+          </a:solidFill>
+          <a:ln>
+            <a:noFill/>
+          </a:ln>
+        </p:spPr>
+        <p:style>
+          <a:lnRef idx="2">
+            <a:schemeClr val="accent1">
+              <a:shade val="50000"/>
+            </a:schemeClr>
+          </a:lnRef>
+          <a:fillRef idx="1">
+            <a:schemeClr val="accent1"/>
+          </a:fillRef>
+          <a:effectRef idx="0">
+            <a:schemeClr val="accent1"/>
+          </a:effectRef>
+          <a:fontRef idx="minor">
+            <a:schemeClr val="lt1"/>
+          </a:fontRef>
+        </p:style>
+        <p:txBody>
+          <a:bodyPr rot="0" spcFirstLastPara="0" vertOverflow="overflow" horzOverflow="overflow" vert="horz" wrap="square" lIns="91440" tIns="45720" rIns="91440" bIns="45720" numCol="1" spcCol="0" rtlCol="0" fromWordArt="0" anchor="ctr" anchorCtr="0" forceAA="0" compatLnSpc="1">
+            <a:prstTxWarp prst="textNoShape">
+              <a:avLst/>
+            </a:prstTxWarp>
+            <a:noAutofit/>
+          </a:bodyPr>
+          <a:lstStyle/>
+          <a:p>
+            <a:pPr algn="ctr"/>
+            <a:r>
+              <a:rPr lang="en-US" sz="1600" dirty="0" smtClean="0"/>
+              <a:t>Work Queue</a:t>
+            </a:r>
+            <a:endParaRPr lang="en-US" sz="1600" dirty="0"/>
+          </a:p>
+        </p:txBody>
+      </p:sp>
+      <p:cxnSp>
+        <p:nvCxnSpPr>
+          <p:cNvPr id="10" name="Straight Arrow Connector 9"/>
+          <p:cNvCxnSpPr>
+            <a:stCxn id="11" idx="3"/>
+          </p:cNvCxnSpPr>
+          <p:nvPr/>
+        </p:nvCxnSpPr>
+        <p:spPr>
+          <a:xfrm>
+            <a:off x="7924097" y="4305366"/>
+            <a:ext cx="584200" cy="0"/>
+          </a:xfrm>
+          <a:prstGeom prst="straightConnector1">
+            <a:avLst/>
+          </a:prstGeom>
+          <a:ln w="19050">
+            <a:solidFill>
+              <a:schemeClr val="tx1"/>
+            </a:solidFill>
+            <a:tailEnd type="triangle"/>
+          </a:ln>
+        </p:spPr>
+        <p:style>
+          <a:lnRef idx="1">
+            <a:schemeClr val="accent1"/>
+          </a:lnRef>
+          <a:fillRef idx="0">
+            <a:schemeClr val="accent1"/>
+          </a:fillRef>
+          <a:effectRef idx="0">
+            <a:schemeClr val="accent1"/>
+          </a:effectRef>
+          <a:fontRef idx="minor">
+            <a:schemeClr val="tx1"/>
+          </a:fontRef>
+        </p:style>
+      </p:cxnSp>
+      <p:sp>
+        <p:nvSpPr>
+          <p:cNvPr id="44" name="Rectangle 43"/>
+          <p:cNvSpPr/>
+          <p:nvPr/>
+        </p:nvSpPr>
+        <p:spPr>
+          <a:xfrm>
+            <a:off x="11564774" y="2745999"/>
+            <a:ext cx="2140744" cy="503554"/>
+          </a:xfrm>
+          <a:prstGeom prst="rect">
+            <a:avLst/>
+          </a:prstGeom>
+          <a:solidFill>
+            <a:srgbClr val="D27BFF"/>
+          </a:solidFill>
+          <a:ln>
+            <a:noFill/>
+          </a:ln>
+        </p:spPr>
+        <p:style>
+          <a:lnRef idx="2">
+            <a:schemeClr val="accent1">
+              <a:shade val="50000"/>
+            </a:schemeClr>
+          </a:lnRef>
+          <a:fillRef idx="1">
+            <a:schemeClr val="accent1"/>
+          </a:fillRef>
+          <a:effectRef idx="0">
+            <a:schemeClr val="accent1"/>
+          </a:effectRef>
+          <a:fontRef idx="minor">
+            <a:schemeClr val="lt1"/>
+          </a:fontRef>
+        </p:style>
+        <p:txBody>
+          <a:bodyPr rot="0" spcFirstLastPara="0" vertOverflow="overflow" horzOverflow="overflow" vert="horz" wrap="square" lIns="91440" tIns="45720" rIns="91440" bIns="45720" numCol="1" spcCol="0" rtlCol="0" fromWordArt="0" anchor="ctr" anchorCtr="0" forceAA="0" compatLnSpc="1">
+            <a:prstTxWarp prst="textNoShape">
+              <a:avLst/>
+            </a:prstTxWarp>
+            <a:noAutofit/>
+          </a:bodyPr>
+          <a:lstStyle/>
+          <a:p>
+            <a:pPr algn="ctr"/>
+            <a:r>
+              <a:rPr lang="en-US" sz="1400" smtClean="0">
+                <a:latin typeface="Arial" charset="0"/>
+                <a:ea typeface="Arial" charset="0"/>
+                <a:cs typeface="Arial" charset="0"/>
+              </a:rPr>
+              <a:t>Support Vector Machine</a:t>
+            </a:r>
+            <a:endParaRPr lang="en-US" sz="1400" dirty="0">
+              <a:latin typeface="Arial" charset="0"/>
+              <a:ea typeface="Arial" charset="0"/>
+              <a:cs typeface="Arial" charset="0"/>
+            </a:endParaRPr>
+          </a:p>
+        </p:txBody>
+      </p:sp>
+      <p:sp>
+        <p:nvSpPr>
+          <p:cNvPr id="46" name="Rectangle 45"/>
+          <p:cNvSpPr/>
+          <p:nvPr/>
+        </p:nvSpPr>
+        <p:spPr>
+          <a:xfrm>
+            <a:off x="8967078" y="3691140"/>
+            <a:ext cx="5012060" cy="1339740"/>
+          </a:xfrm>
+          <a:prstGeom prst="rect">
+            <a:avLst/>
+          </a:prstGeom>
+          <a:solidFill>
+            <a:srgbClr val="A94FD4"/>
+          </a:solidFill>
+          <a:ln>
+            <a:noFill/>
+          </a:ln>
+        </p:spPr>
+        <p:style>
+          <a:lnRef idx="2">
+            <a:schemeClr val="accent1">
+              <a:shade val="50000"/>
+            </a:schemeClr>
+          </a:lnRef>
+          <a:fillRef idx="1">
+            <a:schemeClr val="accent1"/>
+          </a:fillRef>
+          <a:effectRef idx="0">
+            <a:schemeClr val="accent1"/>
+          </a:effectRef>
+          <a:fontRef idx="minor">
+            <a:schemeClr val="lt1"/>
+          </a:fontRef>
+        </p:style>
+        <p:txBody>
+          <a:bodyPr rot="0" spcFirstLastPara="0" vertOverflow="overflow" horzOverflow="overflow" vert="horz" wrap="square" lIns="91440" tIns="45720" rIns="91440" bIns="45720" numCol="1" spcCol="0" rtlCol="0" fromWordArt="0" anchor="ctr" anchorCtr="0" forceAA="0" compatLnSpc="1">
+            <a:prstTxWarp prst="textNoShape">
+              <a:avLst/>
+            </a:prstTxWarp>
+            <a:noAutofit/>
+          </a:bodyPr>
+          <a:lstStyle/>
+          <a:p>
+            <a:pPr algn="ctr"/>
+            <a:endParaRPr lang="en-US" dirty="0"/>
+          </a:p>
+        </p:txBody>
+      </p:sp>
+      <p:sp>
+        <p:nvSpPr>
+          <p:cNvPr id="47" name="TextBox 46"/>
+          <p:cNvSpPr txBox="1"/>
+          <p:nvPr/>
+        </p:nvSpPr>
+        <p:spPr>
+          <a:xfrm>
+            <a:off x="10479084" y="3792692"/>
+            <a:ext cx="1988045" cy="338554"/>
+          </a:xfrm>
+          <a:prstGeom prst="rect">
+            <a:avLst/>
+          </a:prstGeom>
+          <a:noFill/>
+        </p:spPr>
+        <p:txBody>
+          <a:bodyPr wrap="none" rtlCol="0">
+            <a:spAutoFit/>
+          </a:bodyPr>
+          <a:lstStyle/>
+          <a:p>
+            <a:r>
+              <a:rPr lang="en-US" sz="1600" b="1" smtClean="0">
+                <a:solidFill>
+                  <a:schemeClr val="bg1"/>
+                </a:solidFill>
+                <a:latin typeface="Arial" charset="0"/>
+                <a:ea typeface="Arial" charset="0"/>
+                <a:cs typeface="Arial" charset="0"/>
+              </a:rPr>
+              <a:t>Activity Prediction</a:t>
+            </a:r>
+            <a:endParaRPr lang="en-US" sz="1600" b="1" dirty="0">
+              <a:solidFill>
+                <a:schemeClr val="bg1"/>
+              </a:solidFill>
+              <a:latin typeface="Arial" charset="0"/>
+              <a:ea typeface="Arial" charset="0"/>
+              <a:cs typeface="Arial" charset="0"/>
+            </a:endParaRPr>
+          </a:p>
+        </p:txBody>
+      </p:sp>
+      <p:sp>
+        <p:nvSpPr>
+          <p:cNvPr id="48" name="Rectangle 47"/>
+          <p:cNvSpPr/>
+          <p:nvPr/>
+        </p:nvSpPr>
+        <p:spPr>
+          <a:xfrm>
+            <a:off x="9218271" y="4301991"/>
+            <a:ext cx="2140744" cy="503554"/>
+          </a:xfrm>
+          <a:prstGeom prst="rect">
+            <a:avLst/>
+          </a:prstGeom>
+          <a:solidFill>
+            <a:srgbClr val="D27BFF"/>
+          </a:solidFill>
+          <a:ln>
+            <a:noFill/>
+          </a:ln>
+        </p:spPr>
+        <p:style>
+          <a:lnRef idx="2">
+            <a:schemeClr val="accent1">
+              <a:shade val="50000"/>
+            </a:schemeClr>
+          </a:lnRef>
+          <a:fillRef idx="1">
+            <a:schemeClr val="accent1"/>
+          </a:fillRef>
+          <a:effectRef idx="0">
+            <a:schemeClr val="accent1"/>
+          </a:effectRef>
+          <a:fontRef idx="minor">
+            <a:schemeClr val="lt1"/>
+          </a:fontRef>
+        </p:style>
+        <p:txBody>
+          <a:bodyPr rot="0" spcFirstLastPara="0" vertOverflow="overflow" horzOverflow="overflow" vert="horz" wrap="square" lIns="91440" tIns="45720" rIns="91440" bIns="45720" numCol="1" spcCol="0" rtlCol="0" fromWordArt="0" anchor="ctr" anchorCtr="0" forceAA="0" compatLnSpc="1">
+            <a:prstTxWarp prst="textNoShape">
+              <a:avLst/>
+            </a:prstTxWarp>
+            <a:noAutofit/>
+          </a:bodyPr>
+          <a:lstStyle/>
+          <a:p>
+            <a:pPr algn="ctr"/>
+            <a:r>
+              <a:rPr lang="en-US" sz="1400" dirty="0">
+                <a:latin typeface="Arial" charset="0"/>
+                <a:ea typeface="Arial" charset="0"/>
+                <a:cs typeface="Arial" charset="0"/>
+              </a:rPr>
+              <a:t>Random Forest</a:t>
+            </a:r>
+          </a:p>
+        </p:txBody>
+      </p:sp>
+      <p:sp>
+        <p:nvSpPr>
+          <p:cNvPr id="49" name="Rectangle 48"/>
+          <p:cNvSpPr/>
+          <p:nvPr/>
+        </p:nvSpPr>
+        <p:spPr>
+          <a:xfrm>
+            <a:off x="11564774" y="4292306"/>
+            <a:ext cx="2140744" cy="503554"/>
+          </a:xfrm>
+          <a:prstGeom prst="rect">
+            <a:avLst/>
+          </a:prstGeom>
+          <a:solidFill>
+            <a:srgbClr val="D27BFF"/>
+          </a:solidFill>
+          <a:ln>
+            <a:noFill/>
+          </a:ln>
+        </p:spPr>
+        <p:style>
+          <a:lnRef idx="2">
+            <a:schemeClr val="accent1">
+              <a:shade val="50000"/>
+            </a:schemeClr>
+          </a:lnRef>
+          <a:fillRef idx="1">
+            <a:schemeClr val="accent1"/>
+          </a:fillRef>
+          <a:effectRef idx="0">
+            <a:schemeClr val="accent1"/>
+          </a:effectRef>
+          <a:fontRef idx="minor">
+            <a:schemeClr val="lt1"/>
+          </a:fontRef>
+        </p:style>
+        <p:txBody>
+          <a:bodyPr rot="0" spcFirstLastPara="0" vertOverflow="overflow" horzOverflow="overflow" vert="horz" wrap="square" lIns="91440" tIns="45720" rIns="91440" bIns="45720" numCol="1" spcCol="0" rtlCol="0" fromWordArt="0" anchor="ctr" anchorCtr="0" forceAA="0" compatLnSpc="1">
+            <a:prstTxWarp prst="textNoShape">
+              <a:avLst/>
+            </a:prstTxWarp>
+            <a:noAutofit/>
+          </a:bodyPr>
+          <a:lstStyle/>
+          <a:p>
+            <a:pPr algn="ctr"/>
+            <a:r>
+              <a:rPr lang="en-US" sz="1400" smtClean="0">
+                <a:latin typeface="Arial" charset="0"/>
+                <a:ea typeface="Arial" charset="0"/>
+                <a:cs typeface="Arial" charset="0"/>
+              </a:rPr>
+              <a:t>Support Vector Machine</a:t>
+            </a:r>
+            <a:endParaRPr lang="en-US" sz="1400" dirty="0">
+              <a:latin typeface="Arial" charset="0"/>
+              <a:ea typeface="Arial" charset="0"/>
+              <a:cs typeface="Arial" charset="0"/>
+            </a:endParaRPr>
+          </a:p>
+        </p:txBody>
+      </p:sp>
+      <p:sp>
+        <p:nvSpPr>
+          <p:cNvPr id="52" name="Rectangle 51"/>
+          <p:cNvSpPr/>
+          <p:nvPr/>
+        </p:nvSpPr>
+        <p:spPr>
+          <a:xfrm>
+            <a:off x="2076959" y="3991011"/>
+            <a:ext cx="2425700" cy="628710"/>
+          </a:xfrm>
+          <a:prstGeom prst="rect">
+            <a:avLst/>
+          </a:prstGeom>
+          <a:solidFill>
+            <a:srgbClr val="2ECC71"/>
+          </a:solidFill>
+          <a:ln>
+            <a:noFill/>
+          </a:ln>
+        </p:spPr>
+        <p:style>
+          <a:lnRef idx="2">
+            <a:schemeClr val="accent1">
+              <a:shade val="50000"/>
+            </a:schemeClr>
+          </a:lnRef>
+          <a:fillRef idx="1">
+            <a:schemeClr val="accent1"/>
+          </a:fillRef>
+          <a:effectRef idx="0">
+            <a:schemeClr val="accent1"/>
+          </a:effectRef>
+          <a:fontRef idx="minor">
+            <a:schemeClr val="lt1"/>
+          </a:fontRef>
+        </p:style>
+        <p:txBody>
+          <a:bodyPr rot="0" spcFirstLastPara="0" vertOverflow="overflow" horzOverflow="overflow" vert="horz" wrap="square" lIns="91440" tIns="45720" rIns="91440" bIns="45720" numCol="1" spcCol="0" rtlCol="0" fromWordArt="0" anchor="ctr" anchorCtr="0" forceAA="0" compatLnSpc="1">
+            <a:prstTxWarp prst="textNoShape">
+              <a:avLst/>
+            </a:prstTxWarp>
+            <a:noAutofit/>
+          </a:bodyPr>
+          <a:lstStyle/>
+          <a:p>
+            <a:pPr algn="ctr"/>
+            <a:r>
+              <a:rPr lang="en-US" smtClean="0"/>
+              <a:t>Web Application</a:t>
+            </a:r>
+            <a:endParaRPr lang="en-US" dirty="0"/>
+          </a:p>
+        </p:txBody>
+      </p:sp>
+      <p:cxnSp>
+        <p:nvCxnSpPr>
+          <p:cNvPr id="61" name="Straight Arrow Connector 60"/>
+          <p:cNvCxnSpPr/>
+          <p:nvPr/>
+        </p:nvCxnSpPr>
+        <p:spPr>
+          <a:xfrm>
+            <a:off x="4502659" y="4131192"/>
+            <a:ext cx="995738" cy="0"/>
+          </a:xfrm>
+          <a:prstGeom prst="straightConnector1">
+            <a:avLst/>
+          </a:prstGeom>
+          <a:ln w="19050">
+            <a:solidFill>
+              <a:schemeClr val="tx1"/>
+            </a:solidFill>
+            <a:prstDash val="dash"/>
+            <a:tailEnd type="triangle"/>
+          </a:ln>
+        </p:spPr>
+        <p:style>
+          <a:lnRef idx="1">
+            <a:schemeClr val="accent1"/>
+          </a:lnRef>
+          <a:fillRef idx="0">
+            <a:schemeClr val="accent1"/>
+          </a:fillRef>
+          <a:effectRef idx="0">
+            <a:schemeClr val="accent1"/>
+          </a:effectRef>
+          <a:fontRef idx="minor">
+            <a:schemeClr val="tx1"/>
+          </a:fontRef>
+        </p:style>
+      </p:cxnSp>
+      <p:cxnSp>
+        <p:nvCxnSpPr>
+          <p:cNvPr id="62" name="Straight Arrow Connector 61"/>
+          <p:cNvCxnSpPr/>
+          <p:nvPr/>
+        </p:nvCxnSpPr>
+        <p:spPr>
+          <a:xfrm>
+            <a:off x="4502659" y="4474900"/>
+            <a:ext cx="995738" cy="0"/>
+          </a:xfrm>
+          <a:prstGeom prst="straightConnector1">
+            <a:avLst/>
+          </a:prstGeom>
+          <a:ln w="19050">
+            <a:solidFill>
+              <a:schemeClr val="tx1"/>
+            </a:solidFill>
+            <a:prstDash val="dash"/>
+            <a:headEnd type="triangle" w="med" len="med"/>
+            <a:tailEnd type="none" w="med" len="med"/>
+          </a:ln>
+        </p:spPr>
+        <p:style>
+          <a:lnRef idx="1">
+            <a:schemeClr val="accent1"/>
+          </a:lnRef>
+          <a:fillRef idx="0">
+            <a:schemeClr val="accent1"/>
+          </a:fillRef>
+          <a:effectRef idx="0">
+            <a:schemeClr val="accent1"/>
+          </a:effectRef>
+          <a:fontRef idx="minor">
+            <a:schemeClr val="tx1"/>
+          </a:fontRef>
+        </p:style>
+      </p:cxnSp>
+      <p:sp>
+        <p:nvSpPr>
+          <p:cNvPr id="63" name="TextBox 62"/>
+          <p:cNvSpPr txBox="1"/>
+          <p:nvPr/>
+        </p:nvSpPr>
+        <p:spPr>
+          <a:xfrm flipH="1">
+            <a:off x="4575242" y="3826983"/>
+            <a:ext cx="866118" cy="276999"/>
+          </a:xfrm>
+          <a:prstGeom prst="rect">
+            <a:avLst/>
+          </a:prstGeom>
+          <a:noFill/>
+        </p:spPr>
+        <p:txBody>
+          <a:bodyPr wrap="square" rtlCol="0">
+            <a:spAutoFit/>
+          </a:bodyPr>
+          <a:lstStyle/>
+          <a:p>
+            <a:pPr algn="ctr"/>
+            <a:r>
+              <a:rPr lang="en-US" sz="1200" b="1" dirty="0">
+                <a:latin typeface="Arial" charset="0"/>
+                <a:ea typeface="Arial" charset="0"/>
+                <a:cs typeface="Arial" charset="0"/>
+              </a:rPr>
+              <a:t>HTTP</a:t>
+            </a:r>
+          </a:p>
+        </p:txBody>
+      </p:sp>
+      <p:sp>
+        <p:nvSpPr>
+          <p:cNvPr id="65" name="TextBox 64"/>
+          <p:cNvSpPr txBox="1"/>
+          <p:nvPr/>
+        </p:nvSpPr>
+        <p:spPr>
+          <a:xfrm flipH="1">
+            <a:off x="4285057" y="4529554"/>
+            <a:ext cx="1446489" cy="276999"/>
+          </a:xfrm>
+          <a:prstGeom prst="rect">
+            <a:avLst/>
+          </a:prstGeom>
+          <a:noFill/>
+        </p:spPr>
+        <p:txBody>
+          <a:bodyPr wrap="square" rtlCol="0">
+            <a:spAutoFit/>
+          </a:bodyPr>
+          <a:lstStyle/>
+          <a:p>
+            <a:pPr algn="ctr"/>
+            <a:r>
+              <a:rPr lang="en-US" sz="1200" b="1" smtClean="0">
+                <a:latin typeface="Arial" charset="0"/>
+                <a:ea typeface="Arial" charset="0"/>
+                <a:cs typeface="Arial" charset="0"/>
+              </a:rPr>
+              <a:t>WebSocket</a:t>
+            </a:r>
+            <a:endParaRPr lang="en-US" sz="1200" b="1" dirty="0">
+              <a:latin typeface="Arial" charset="0"/>
+              <a:ea typeface="Arial" charset="0"/>
+              <a:cs typeface="Arial" charset="0"/>
+            </a:endParaRPr>
+          </a:p>
+        </p:txBody>
+      </p:sp>
+    </p:spTree>
+    <p:extLst>
+      <p:ext uri="{BB962C8B-B14F-4D97-AF65-F5344CB8AC3E}">
+        <p14:creationId xmlns:p14="http://schemas.microsoft.com/office/powerpoint/2010/main" val="636039677"/>
+      </p:ext>
+    </p:extLst>
+  </p:cSld>
+  <p:clrMapOvr>
+    <a:masterClrMapping/>
+  </p:clrMapOvr>
+</p:sld>
+</file>
+
 <file path=ppt/theme/theme1.xml><?xml version="1.0" encoding="utf-8"?>
 <a:theme xmlns:a="http://schemas.openxmlformats.org/drawingml/2006/main" name="Office Theme">
   <a:themeElements>

--- a/docs/documents/weekly_meeting/Diagrams.pptx
+++ b/docs/documents/weekly_meeting/Diagrams.pptx
@@ -5,11 +5,12 @@
     <p:sldMasterId id="2147483672" r:id="rId1"/>
   </p:sldMasterIdLst>
   <p:notesMasterIdLst>
-    <p:notesMasterId r:id="rId4"/>
+    <p:notesMasterId r:id="rId5"/>
   </p:notesMasterIdLst>
   <p:sldIdLst>
     <p:sldId id="256" r:id="rId2"/>
     <p:sldId id="257" r:id="rId3"/>
+    <p:sldId id="258" r:id="rId4"/>
   </p:sldIdLst>
   <p:sldSz cx="16200438" cy="9990138"/>
   <p:notesSz cx="6858000" cy="9144000"/>
@@ -198,7 +199,7 @@
           <a:p>
             <a:fld id="{15BD9F0C-1AE7-1F4D-93C1-725780F7FC18}" type="datetimeFigureOut">
               <a:rPr lang="en-US" smtClean="0"/>
-              <a:t>1/17/17</a:t>
+              <a:t>1/19/17</a:t>
             </a:fld>
             <a:endParaRPr lang="en-US"/>
           </a:p>
@@ -644,6 +645,95 @@
 </p:notes>
 </file>
 
+<file path=ppt/notesSlides/notesSlide3.xml><?xml version="1.0" encoding="utf-8"?>
+<p:notes xmlns:a="http://schemas.openxmlformats.org/drawingml/2006/main" xmlns:r="http://schemas.openxmlformats.org/officeDocument/2006/relationships" xmlns:p="http://schemas.openxmlformats.org/presentationml/2006/main">
+  <p:cSld>
+    <p:spTree>
+      <p:nvGrpSpPr>
+        <p:cNvPr id="1" name=""/>
+        <p:cNvGrpSpPr/>
+        <p:nvPr/>
+      </p:nvGrpSpPr>
+      <p:grpSpPr>
+        <a:xfrm>
+          <a:off x="0" y="0"/>
+          <a:ext cx="0" cy="0"/>
+          <a:chOff x="0" y="0"/>
+          <a:chExt cx="0" cy="0"/>
+        </a:xfrm>
+      </p:grpSpPr>
+      <p:sp>
+        <p:nvSpPr>
+          <p:cNvPr id="2" name="Slide Image Placeholder 1"/>
+          <p:cNvSpPr>
+            <a:spLocks noGrp="1" noRot="1" noChangeAspect="1"/>
+          </p:cNvSpPr>
+          <p:nvPr>
+            <p:ph type="sldImg"/>
+          </p:nvPr>
+        </p:nvSpPr>
+        <p:spPr>
+          <a:xfrm>
+            <a:off x="927100" y="1143000"/>
+            <a:ext cx="5003800" cy="3086100"/>
+          </a:xfrm>
+        </p:spPr>
+      </p:sp>
+      <p:sp>
+        <p:nvSpPr>
+          <p:cNvPr id="3" name="Notes Placeholder 2"/>
+          <p:cNvSpPr>
+            <a:spLocks noGrp="1"/>
+          </p:cNvSpPr>
+          <p:nvPr>
+            <p:ph type="body" idx="1"/>
+          </p:nvPr>
+        </p:nvSpPr>
+        <p:spPr/>
+        <p:txBody>
+          <a:bodyPr/>
+          <a:lstStyle/>
+          <a:p>
+            <a:endParaRPr lang="en-US" dirty="0"/>
+          </a:p>
+        </p:txBody>
+      </p:sp>
+      <p:sp>
+        <p:nvSpPr>
+          <p:cNvPr id="4" name="Slide Number Placeholder 3"/>
+          <p:cNvSpPr>
+            <a:spLocks noGrp="1"/>
+          </p:cNvSpPr>
+          <p:nvPr>
+            <p:ph type="sldNum" sz="quarter" idx="10"/>
+          </p:nvPr>
+        </p:nvSpPr>
+        <p:spPr/>
+        <p:txBody>
+          <a:bodyPr/>
+          <a:lstStyle/>
+          <a:p>
+            <a:fld id="{B4554D10-2878-D647-8FC2-F4170DF14B8A}" type="slidenum">
+              <a:rPr lang="en-US" smtClean="0"/>
+              <a:t>3</a:t>
+            </a:fld>
+            <a:endParaRPr lang="en-US"/>
+          </a:p>
+        </p:txBody>
+      </p:sp>
+    </p:spTree>
+    <p:extLst>
+      <p:ext uri="{BB962C8B-B14F-4D97-AF65-F5344CB8AC3E}">
+        <p14:creationId xmlns:p14="http://schemas.microsoft.com/office/powerpoint/2010/main" val="2016491190"/>
+      </p:ext>
+    </p:extLst>
+  </p:cSld>
+  <p:clrMapOvr>
+    <a:masterClrMapping/>
+  </p:clrMapOvr>
+</p:notes>
+</file>
+
 <file path=ppt/slideLayouts/slideLayout1.xml><?xml version="1.0" encoding="utf-8"?>
 <p:sldLayout xmlns:a="http://schemas.openxmlformats.org/drawingml/2006/main" xmlns:r="http://schemas.openxmlformats.org/officeDocument/2006/relationships" xmlns:p="http://schemas.openxmlformats.org/presentationml/2006/main" type="title" preserve="1">
   <p:cSld name="Title Slide">
@@ -775,7 +865,7 @@
           <a:p>
             <a:fld id="{334D9E35-25E8-474A-91F1-98B631E32FC0}" type="datetimeFigureOut">
               <a:rPr lang="en-US" smtClean="0"/>
-              <a:t>1/17/17</a:t>
+              <a:t>1/19/17</a:t>
             </a:fld>
             <a:endParaRPr lang="en-US"/>
           </a:p>
@@ -945,7 +1035,7 @@
           <a:p>
             <a:fld id="{334D9E35-25E8-474A-91F1-98B631E32FC0}" type="datetimeFigureOut">
               <a:rPr lang="en-US" smtClean="0"/>
-              <a:t>1/17/17</a:t>
+              <a:t>1/19/17</a:t>
             </a:fld>
             <a:endParaRPr lang="en-US"/>
           </a:p>
@@ -1125,7 +1215,7 @@
           <a:p>
             <a:fld id="{334D9E35-25E8-474A-91F1-98B631E32FC0}" type="datetimeFigureOut">
               <a:rPr lang="en-US" smtClean="0"/>
-              <a:t>1/17/17</a:t>
+              <a:t>1/19/17</a:t>
             </a:fld>
             <a:endParaRPr lang="en-US"/>
           </a:p>
@@ -1295,7 +1385,7 @@
           <a:p>
             <a:fld id="{334D9E35-25E8-474A-91F1-98B631E32FC0}" type="datetimeFigureOut">
               <a:rPr lang="en-US" smtClean="0"/>
-              <a:t>1/17/17</a:t>
+              <a:t>1/19/17</a:t>
             </a:fld>
             <a:endParaRPr lang="en-US"/>
           </a:p>
@@ -1541,7 +1631,7 @@
           <a:p>
             <a:fld id="{334D9E35-25E8-474A-91F1-98B631E32FC0}" type="datetimeFigureOut">
               <a:rPr lang="en-US" smtClean="0"/>
-              <a:t>1/17/17</a:t>
+              <a:t>1/19/17</a:t>
             </a:fld>
             <a:endParaRPr lang="en-US"/>
           </a:p>
@@ -1773,7 +1863,7 @@
           <a:p>
             <a:fld id="{334D9E35-25E8-474A-91F1-98B631E32FC0}" type="datetimeFigureOut">
               <a:rPr lang="en-US" smtClean="0"/>
-              <a:t>1/17/17</a:t>
+              <a:t>1/19/17</a:t>
             </a:fld>
             <a:endParaRPr lang="en-US"/>
           </a:p>
@@ -2140,7 +2230,7 @@
           <a:p>
             <a:fld id="{334D9E35-25E8-474A-91F1-98B631E32FC0}" type="datetimeFigureOut">
               <a:rPr lang="en-US" smtClean="0"/>
-              <a:t>1/17/17</a:t>
+              <a:t>1/19/17</a:t>
             </a:fld>
             <a:endParaRPr lang="en-US"/>
           </a:p>
@@ -2258,7 +2348,7 @@
           <a:p>
             <a:fld id="{334D9E35-25E8-474A-91F1-98B631E32FC0}" type="datetimeFigureOut">
               <a:rPr lang="en-US" smtClean="0"/>
-              <a:t>1/17/17</a:t>
+              <a:t>1/19/17</a:t>
             </a:fld>
             <a:endParaRPr lang="en-US"/>
           </a:p>
@@ -2353,7 +2443,7 @@
           <a:p>
             <a:fld id="{334D9E35-25E8-474A-91F1-98B631E32FC0}" type="datetimeFigureOut">
               <a:rPr lang="en-US" smtClean="0"/>
-              <a:t>1/17/17</a:t>
+              <a:t>1/19/17</a:t>
             </a:fld>
             <a:endParaRPr lang="en-US"/>
           </a:p>
@@ -2630,7 +2720,7 @@
           <a:p>
             <a:fld id="{334D9E35-25E8-474A-91F1-98B631E32FC0}" type="datetimeFigureOut">
               <a:rPr lang="en-US" smtClean="0"/>
-              <a:t>1/17/17</a:t>
+              <a:t>1/19/17</a:t>
             </a:fld>
             <a:endParaRPr lang="en-US"/>
           </a:p>
@@ -2887,7 +2977,7 @@
           <a:p>
             <a:fld id="{334D9E35-25E8-474A-91F1-98B631E32FC0}" type="datetimeFigureOut">
               <a:rPr lang="en-US" smtClean="0"/>
-              <a:t>1/17/17</a:t>
+              <a:t>1/19/17</a:t>
             </a:fld>
             <a:endParaRPr lang="en-US"/>
           </a:p>
@@ -3100,7 +3190,7 @@
           <a:p>
             <a:fld id="{334D9E35-25E8-474A-91F1-98B631E32FC0}" type="datetimeFigureOut">
               <a:rPr lang="en-US" smtClean="0"/>
-              <a:t>1/17/17</a:t>
+              <a:t>1/19/17</a:t>
             </a:fld>
             <a:endParaRPr lang="en-US"/>
           </a:p>
@@ -5433,10 +5523,10 @@
         </p:nvGrpSpPr>
         <p:grpSpPr>
           <a:xfrm>
-            <a:off x="5498397" y="3483041"/>
-            <a:ext cx="2425700" cy="1644650"/>
+            <a:off x="5498397" y="3484639"/>
+            <a:ext cx="2425700" cy="2217156"/>
             <a:chOff x="4267195" y="508000"/>
-            <a:chExt cx="2425700" cy="1769589"/>
+            <a:chExt cx="2425700" cy="2385587"/>
           </a:xfrm>
         </p:grpSpPr>
         <p:sp>
@@ -5448,7 +5538,7 @@
           <p:spPr>
             <a:xfrm>
               <a:off x="4267195" y="508000"/>
-              <a:ext cx="2425700" cy="1769589"/>
+              <a:ext cx="2425700" cy="2385587"/>
             </a:xfrm>
             <a:prstGeom prst="rect">
               <a:avLst/>
@@ -5603,7 +5693,7 @@
         <p:spPr>
           <a:xfrm>
             <a:off x="6711247" y="2997200"/>
-            <a:ext cx="0" cy="485841"/>
+            <a:ext cx="0" cy="487439"/>
           </a:xfrm>
           <a:prstGeom prst="straightConnector1">
             <a:avLst/>
@@ -5678,7 +5768,7 @@
         </p:nvGrpSpPr>
         <p:grpSpPr>
           <a:xfrm>
-            <a:off x="5498397" y="5613531"/>
+            <a:off x="5498397" y="6461671"/>
             <a:ext cx="2425700" cy="3136331"/>
             <a:chOff x="4267195" y="507999"/>
             <a:chExt cx="2425700" cy="3136331"/>
@@ -5846,8 +5936,8 @@
         </p:nvCxnSpPr>
         <p:spPr>
           <a:xfrm>
-            <a:off x="6711247" y="5127691"/>
-            <a:ext cx="0" cy="485840"/>
+            <a:off x="6711247" y="5701795"/>
+            <a:ext cx="0" cy="759876"/>
           </a:xfrm>
           <a:prstGeom prst="straightConnector1">
             <a:avLst/>
@@ -6393,7 +6483,7 @@
         </p:nvSpPr>
         <p:spPr>
           <a:xfrm>
-            <a:off x="5784147" y="7166579"/>
+            <a:off x="5784147" y="8014719"/>
             <a:ext cx="1854200" cy="584775"/>
           </a:xfrm>
           <a:prstGeom prst="rect">
@@ -6448,7 +6538,7 @@
         </p:nvSpPr>
         <p:spPr>
           <a:xfrm>
-            <a:off x="5780774" y="7944806"/>
+            <a:off x="5780774" y="8792946"/>
             <a:ext cx="1854200" cy="584775"/>
           </a:xfrm>
           <a:prstGeom prst="rect">
@@ -6505,7 +6595,7 @@
         </p:nvCxnSpPr>
         <p:spPr>
           <a:xfrm>
-            <a:off x="7924097" y="4305366"/>
+            <a:off x="7924097" y="4593217"/>
             <a:ext cx="584200" cy="0"/>
           </a:xfrm>
           <a:prstGeom prst="straightConnector1">
@@ -7015,10 +7105,2026 @@
           </a:p>
         </p:txBody>
       </p:sp>
+      <p:sp>
+        <p:nvSpPr>
+          <p:cNvPr id="50" name="Rectangle 49"/>
+          <p:cNvSpPr/>
+          <p:nvPr/>
+        </p:nvSpPr>
+        <p:spPr>
+          <a:xfrm>
+            <a:off x="5780774" y="4862576"/>
+            <a:ext cx="1854200" cy="543488"/>
+          </a:xfrm>
+          <a:prstGeom prst="rect">
+            <a:avLst/>
+          </a:prstGeom>
+          <a:ln>
+            <a:noFill/>
+          </a:ln>
+        </p:spPr>
+        <p:style>
+          <a:lnRef idx="2">
+            <a:schemeClr val="accent1">
+              <a:shade val="50000"/>
+            </a:schemeClr>
+          </a:lnRef>
+          <a:fillRef idx="1">
+            <a:schemeClr val="accent1"/>
+          </a:fillRef>
+          <a:effectRef idx="0">
+            <a:schemeClr val="accent1"/>
+          </a:effectRef>
+          <a:fontRef idx="minor">
+            <a:schemeClr val="lt1"/>
+          </a:fontRef>
+        </p:style>
+        <p:txBody>
+          <a:bodyPr rot="0" spcFirstLastPara="0" vertOverflow="overflow" horzOverflow="overflow" vert="horz" wrap="square" lIns="91440" tIns="45720" rIns="91440" bIns="45720" numCol="1" spcCol="0" rtlCol="0" fromWordArt="0" anchor="ctr" anchorCtr="0" forceAA="0" compatLnSpc="1">
+            <a:prstTxWarp prst="textNoShape">
+              <a:avLst/>
+            </a:prstTxWarp>
+            <a:noAutofit/>
+          </a:bodyPr>
+          <a:lstStyle/>
+          <a:p>
+            <a:pPr algn="ctr"/>
+            <a:r>
+              <a:rPr lang="en-US" dirty="0" smtClean="0"/>
+              <a:t>Worker</a:t>
+            </a:r>
+            <a:endParaRPr lang="en-US" dirty="0">
+              <a:latin typeface="Arial" charset="0"/>
+              <a:ea typeface="Arial" charset="0"/>
+              <a:cs typeface="Arial" charset="0"/>
+            </a:endParaRPr>
+          </a:p>
+        </p:txBody>
+      </p:sp>
     </p:spTree>
     <p:extLst>
       <p:ext uri="{BB962C8B-B14F-4D97-AF65-F5344CB8AC3E}">
         <p14:creationId xmlns:p14="http://schemas.microsoft.com/office/powerpoint/2010/main" val="636039677"/>
+      </p:ext>
+    </p:extLst>
+  </p:cSld>
+  <p:clrMapOvr>
+    <a:masterClrMapping/>
+  </p:clrMapOvr>
+</p:sld>
+</file>
+
+<file path=ppt/slides/slide3.xml><?xml version="1.0" encoding="utf-8"?>
+<p:sld xmlns:a="http://schemas.openxmlformats.org/drawingml/2006/main" xmlns:r="http://schemas.openxmlformats.org/officeDocument/2006/relationships" xmlns:p="http://schemas.openxmlformats.org/presentationml/2006/main">
+  <p:cSld>
+    <p:spTree>
+      <p:nvGrpSpPr>
+        <p:cNvPr id="1" name=""/>
+        <p:cNvGrpSpPr/>
+        <p:nvPr/>
+      </p:nvGrpSpPr>
+      <p:grpSpPr>
+        <a:xfrm>
+          <a:off x="0" y="0"/>
+          <a:ext cx="0" cy="0"/>
+          <a:chOff x="0" y="0"/>
+          <a:chExt cx="0" cy="0"/>
+        </a:xfrm>
+      </p:grpSpPr>
+      <p:sp>
+        <p:nvSpPr>
+          <p:cNvPr id="11" name="Rectangle 10"/>
+          <p:cNvSpPr/>
+          <p:nvPr/>
+        </p:nvSpPr>
+        <p:spPr>
+          <a:xfrm>
+            <a:off x="5130553" y="1566864"/>
+            <a:ext cx="936000" cy="360000"/>
+          </a:xfrm>
+          <a:prstGeom prst="rect">
+            <a:avLst/>
+          </a:prstGeom>
+          <a:solidFill>
+            <a:srgbClr val="E74C3C"/>
+          </a:solidFill>
+          <a:ln>
+            <a:noFill/>
+          </a:ln>
+        </p:spPr>
+        <p:style>
+          <a:lnRef idx="2">
+            <a:schemeClr val="accent1">
+              <a:shade val="50000"/>
+            </a:schemeClr>
+          </a:lnRef>
+          <a:fillRef idx="1">
+            <a:schemeClr val="accent1"/>
+          </a:fillRef>
+          <a:effectRef idx="0">
+            <a:schemeClr val="accent1"/>
+          </a:effectRef>
+          <a:fontRef idx="minor">
+            <a:schemeClr val="lt1"/>
+          </a:fontRef>
+        </p:style>
+        <p:txBody>
+          <a:bodyPr rot="0" spcFirstLastPara="0" vertOverflow="overflow" horzOverflow="overflow" vert="horz" wrap="square" lIns="91440" tIns="45720" rIns="91440" bIns="45720" numCol="1" spcCol="0" rtlCol="0" fromWordArt="0" anchor="ctr" anchorCtr="0" forceAA="0" compatLnSpc="1">
+            <a:prstTxWarp prst="textNoShape">
+              <a:avLst/>
+            </a:prstTxWarp>
+            <a:noAutofit/>
+          </a:bodyPr>
+          <a:lstStyle/>
+          <a:p>
+            <a:pPr algn="ctr"/>
+            <a:r>
+              <a:rPr lang="en-US" dirty="0" smtClean="0">
+                <a:latin typeface="Arial" charset="0"/>
+                <a:ea typeface="Arial" charset="0"/>
+                <a:cs typeface="Arial" charset="0"/>
+              </a:rPr>
+              <a:t>1</a:t>
+            </a:r>
+            <a:endParaRPr lang="en-US" dirty="0">
+              <a:latin typeface="Arial" charset="0"/>
+              <a:ea typeface="Arial" charset="0"/>
+              <a:cs typeface="Arial" charset="0"/>
+            </a:endParaRPr>
+          </a:p>
+        </p:txBody>
+      </p:sp>
+      <p:sp>
+        <p:nvSpPr>
+          <p:cNvPr id="22" name="Rectangle 21"/>
+          <p:cNvSpPr/>
+          <p:nvPr/>
+        </p:nvSpPr>
+        <p:spPr>
+          <a:xfrm>
+            <a:off x="5498397" y="6497530"/>
+            <a:ext cx="2425700" cy="3136331"/>
+          </a:xfrm>
+          <a:prstGeom prst="rect">
+            <a:avLst/>
+          </a:prstGeom>
+          <a:solidFill>
+            <a:srgbClr val="E67E22"/>
+          </a:solidFill>
+          <a:ln>
+            <a:noFill/>
+          </a:ln>
+        </p:spPr>
+        <p:style>
+          <a:lnRef idx="2">
+            <a:schemeClr val="accent1">
+              <a:shade val="50000"/>
+            </a:schemeClr>
+          </a:lnRef>
+          <a:fillRef idx="1">
+            <a:schemeClr val="accent1"/>
+          </a:fillRef>
+          <a:effectRef idx="0">
+            <a:schemeClr val="accent1"/>
+          </a:effectRef>
+          <a:fontRef idx="minor">
+            <a:schemeClr val="lt1"/>
+          </a:fontRef>
+        </p:style>
+        <p:txBody>
+          <a:bodyPr rot="0" spcFirstLastPara="0" vertOverflow="overflow" horzOverflow="overflow" vert="horz" wrap="square" lIns="91440" tIns="45720" rIns="91440" bIns="45720" numCol="1" spcCol="0" rtlCol="0" fromWordArt="0" anchor="ctr" anchorCtr="0" forceAA="0" compatLnSpc="1">
+            <a:prstTxWarp prst="textNoShape">
+              <a:avLst/>
+            </a:prstTxWarp>
+            <a:noAutofit/>
+          </a:bodyPr>
+          <a:lstStyle/>
+          <a:p>
+            <a:pPr algn="ctr"/>
+            <a:endParaRPr lang="en-US" dirty="0"/>
+          </a:p>
+        </p:txBody>
+      </p:sp>
+      <p:sp>
+        <p:nvSpPr>
+          <p:cNvPr id="29" name="Rectangle 28"/>
+          <p:cNvSpPr/>
+          <p:nvPr/>
+        </p:nvSpPr>
+        <p:spPr>
+          <a:xfrm>
+            <a:off x="11986603" y="4259747"/>
+            <a:ext cx="5903663" cy="5565228"/>
+          </a:xfrm>
+          <a:prstGeom prst="rect">
+            <a:avLst/>
+          </a:prstGeom>
+          <a:solidFill>
+            <a:srgbClr val="863FA6"/>
+          </a:solidFill>
+          <a:ln>
+            <a:noFill/>
+          </a:ln>
+        </p:spPr>
+        <p:style>
+          <a:lnRef idx="2">
+            <a:schemeClr val="accent1">
+              <a:shade val="50000"/>
+            </a:schemeClr>
+          </a:lnRef>
+          <a:fillRef idx="1">
+            <a:schemeClr val="accent1"/>
+          </a:fillRef>
+          <a:effectRef idx="0">
+            <a:schemeClr val="accent1"/>
+          </a:effectRef>
+          <a:fontRef idx="minor">
+            <a:schemeClr val="lt1"/>
+          </a:fontRef>
+        </p:style>
+        <p:txBody>
+          <a:bodyPr rot="0" spcFirstLastPara="0" vertOverflow="overflow" horzOverflow="overflow" vert="horz" wrap="square" lIns="91440" tIns="45720" rIns="91440" bIns="45720" numCol="1" spcCol="0" rtlCol="0" fromWordArt="0" anchor="ctr" anchorCtr="0" forceAA="0" compatLnSpc="1">
+            <a:prstTxWarp prst="textNoShape">
+              <a:avLst/>
+            </a:prstTxWarp>
+            <a:noAutofit/>
+          </a:bodyPr>
+          <a:lstStyle/>
+          <a:p>
+            <a:pPr algn="ctr"/>
+            <a:endParaRPr lang="en-US" dirty="0"/>
+          </a:p>
+        </p:txBody>
+      </p:sp>
+      <p:sp>
+        <p:nvSpPr>
+          <p:cNvPr id="52" name="Rectangle 51"/>
+          <p:cNvSpPr/>
+          <p:nvPr/>
+        </p:nvSpPr>
+        <p:spPr>
+          <a:xfrm>
+            <a:off x="5130553" y="939475"/>
+            <a:ext cx="5400000" cy="360000"/>
+          </a:xfrm>
+          <a:prstGeom prst="rect">
+            <a:avLst/>
+          </a:prstGeom>
+          <a:solidFill>
+            <a:srgbClr val="3498DB"/>
+          </a:solidFill>
+          <a:ln>
+            <a:noFill/>
+          </a:ln>
+        </p:spPr>
+        <p:style>
+          <a:lnRef idx="2">
+            <a:schemeClr val="accent1">
+              <a:shade val="50000"/>
+            </a:schemeClr>
+          </a:lnRef>
+          <a:fillRef idx="1">
+            <a:schemeClr val="accent1"/>
+          </a:fillRef>
+          <a:effectRef idx="0">
+            <a:schemeClr val="accent1"/>
+          </a:effectRef>
+          <a:fontRef idx="minor">
+            <a:schemeClr val="lt1"/>
+          </a:fontRef>
+        </p:style>
+        <p:txBody>
+          <a:bodyPr rot="0" spcFirstLastPara="0" vertOverflow="overflow" horzOverflow="overflow" vert="horz" wrap="square" lIns="91440" tIns="45720" rIns="91440" bIns="45720" numCol="1" spcCol="0" rtlCol="0" fromWordArt="0" anchor="ctr" anchorCtr="0" forceAA="0" compatLnSpc="1">
+            <a:prstTxWarp prst="textNoShape">
+              <a:avLst/>
+            </a:prstTxWarp>
+            <a:noAutofit/>
+          </a:bodyPr>
+          <a:lstStyle/>
+          <a:p>
+            <a:pPr algn="ctr"/>
+            <a:r>
+              <a:rPr lang="en-US" dirty="0" smtClean="0">
+                <a:latin typeface="Arial" charset="0"/>
+                <a:ea typeface="Arial" charset="0"/>
+                <a:cs typeface="Arial" charset="0"/>
+              </a:rPr>
+              <a:t>Full Dataset</a:t>
+            </a:r>
+            <a:endParaRPr lang="en-US" dirty="0">
+              <a:latin typeface="Arial" charset="0"/>
+              <a:ea typeface="Arial" charset="0"/>
+              <a:cs typeface="Arial" charset="0"/>
+            </a:endParaRPr>
+          </a:p>
+        </p:txBody>
+      </p:sp>
+      <p:sp>
+        <p:nvSpPr>
+          <p:cNvPr id="43" name="Rectangle 42"/>
+          <p:cNvSpPr/>
+          <p:nvPr/>
+        </p:nvSpPr>
+        <p:spPr>
+          <a:xfrm>
+            <a:off x="6246553" y="1566864"/>
+            <a:ext cx="936000" cy="360000"/>
+          </a:xfrm>
+          <a:prstGeom prst="rect">
+            <a:avLst/>
+          </a:prstGeom>
+          <a:solidFill>
+            <a:srgbClr val="F39C12"/>
+          </a:solidFill>
+          <a:ln>
+            <a:noFill/>
+          </a:ln>
+        </p:spPr>
+        <p:style>
+          <a:lnRef idx="2">
+            <a:schemeClr val="accent1">
+              <a:shade val="50000"/>
+            </a:schemeClr>
+          </a:lnRef>
+          <a:fillRef idx="1">
+            <a:schemeClr val="accent1"/>
+          </a:fillRef>
+          <a:effectRef idx="0">
+            <a:schemeClr val="accent1"/>
+          </a:effectRef>
+          <a:fontRef idx="minor">
+            <a:schemeClr val="lt1"/>
+          </a:fontRef>
+        </p:style>
+        <p:txBody>
+          <a:bodyPr rot="0" spcFirstLastPara="0" vertOverflow="overflow" horzOverflow="overflow" vert="horz" wrap="square" lIns="91440" tIns="45720" rIns="91440" bIns="45720" numCol="1" spcCol="0" rtlCol="0" fromWordArt="0" anchor="ctr" anchorCtr="0" forceAA="0" compatLnSpc="1">
+            <a:prstTxWarp prst="textNoShape">
+              <a:avLst/>
+            </a:prstTxWarp>
+            <a:noAutofit/>
+          </a:bodyPr>
+          <a:lstStyle/>
+          <a:p>
+            <a:pPr algn="ctr"/>
+            <a:r>
+              <a:rPr lang="en-US" dirty="0" smtClean="0">
+                <a:latin typeface="Arial" charset="0"/>
+                <a:ea typeface="Arial" charset="0"/>
+                <a:cs typeface="Arial" charset="0"/>
+              </a:rPr>
+              <a:t>2</a:t>
+            </a:r>
+            <a:endParaRPr lang="en-US" dirty="0">
+              <a:latin typeface="Arial" charset="0"/>
+              <a:ea typeface="Arial" charset="0"/>
+              <a:cs typeface="Arial" charset="0"/>
+            </a:endParaRPr>
+          </a:p>
+        </p:txBody>
+      </p:sp>
+      <p:sp>
+        <p:nvSpPr>
+          <p:cNvPr id="45" name="Rectangle 44"/>
+          <p:cNvSpPr/>
+          <p:nvPr/>
+        </p:nvSpPr>
+        <p:spPr>
+          <a:xfrm>
+            <a:off x="7362553" y="1566864"/>
+            <a:ext cx="936000" cy="360000"/>
+          </a:xfrm>
+          <a:prstGeom prst="rect">
+            <a:avLst/>
+          </a:prstGeom>
+          <a:solidFill>
+            <a:srgbClr val="F39C12"/>
+          </a:solidFill>
+          <a:ln>
+            <a:noFill/>
+          </a:ln>
+        </p:spPr>
+        <p:style>
+          <a:lnRef idx="2">
+            <a:schemeClr val="accent1">
+              <a:shade val="50000"/>
+            </a:schemeClr>
+          </a:lnRef>
+          <a:fillRef idx="1">
+            <a:schemeClr val="accent1"/>
+          </a:fillRef>
+          <a:effectRef idx="0">
+            <a:schemeClr val="accent1"/>
+          </a:effectRef>
+          <a:fontRef idx="minor">
+            <a:schemeClr val="lt1"/>
+          </a:fontRef>
+        </p:style>
+        <p:txBody>
+          <a:bodyPr rot="0" spcFirstLastPara="0" vertOverflow="overflow" horzOverflow="overflow" vert="horz" wrap="square" lIns="91440" tIns="45720" rIns="91440" bIns="45720" numCol="1" spcCol="0" rtlCol="0" fromWordArt="0" anchor="ctr" anchorCtr="0" forceAA="0" compatLnSpc="1">
+            <a:prstTxWarp prst="textNoShape">
+              <a:avLst/>
+            </a:prstTxWarp>
+            <a:noAutofit/>
+          </a:bodyPr>
+          <a:lstStyle/>
+          <a:p>
+            <a:pPr algn="ctr"/>
+            <a:r>
+              <a:rPr lang="en-US" dirty="0" smtClean="0">
+                <a:latin typeface="Arial" charset="0"/>
+                <a:ea typeface="Arial" charset="0"/>
+                <a:cs typeface="Arial" charset="0"/>
+              </a:rPr>
+              <a:t>3</a:t>
+            </a:r>
+            <a:endParaRPr lang="en-US" dirty="0">
+              <a:latin typeface="Arial" charset="0"/>
+              <a:ea typeface="Arial" charset="0"/>
+              <a:cs typeface="Arial" charset="0"/>
+            </a:endParaRPr>
+          </a:p>
+        </p:txBody>
+      </p:sp>
+      <p:sp>
+        <p:nvSpPr>
+          <p:cNvPr id="51" name="Rectangle 50"/>
+          <p:cNvSpPr/>
+          <p:nvPr/>
+        </p:nvSpPr>
+        <p:spPr>
+          <a:xfrm>
+            <a:off x="8478553" y="1566864"/>
+            <a:ext cx="936000" cy="360000"/>
+          </a:xfrm>
+          <a:prstGeom prst="rect">
+            <a:avLst/>
+          </a:prstGeom>
+          <a:solidFill>
+            <a:srgbClr val="F39C12"/>
+          </a:solidFill>
+          <a:ln>
+            <a:noFill/>
+          </a:ln>
+        </p:spPr>
+        <p:style>
+          <a:lnRef idx="2">
+            <a:schemeClr val="accent1">
+              <a:shade val="50000"/>
+            </a:schemeClr>
+          </a:lnRef>
+          <a:fillRef idx="1">
+            <a:schemeClr val="accent1"/>
+          </a:fillRef>
+          <a:effectRef idx="0">
+            <a:schemeClr val="accent1"/>
+          </a:effectRef>
+          <a:fontRef idx="minor">
+            <a:schemeClr val="lt1"/>
+          </a:fontRef>
+        </p:style>
+        <p:txBody>
+          <a:bodyPr rot="0" spcFirstLastPara="0" vertOverflow="overflow" horzOverflow="overflow" vert="horz" wrap="square" lIns="91440" tIns="45720" rIns="91440" bIns="45720" numCol="1" spcCol="0" rtlCol="0" fromWordArt="0" anchor="ctr" anchorCtr="0" forceAA="0" compatLnSpc="1">
+            <a:prstTxWarp prst="textNoShape">
+              <a:avLst/>
+            </a:prstTxWarp>
+            <a:noAutofit/>
+          </a:bodyPr>
+          <a:lstStyle/>
+          <a:p>
+            <a:pPr algn="ctr"/>
+            <a:r>
+              <a:rPr lang="en-US" dirty="0" smtClean="0">
+                <a:latin typeface="Arial" charset="0"/>
+                <a:ea typeface="Arial" charset="0"/>
+                <a:cs typeface="Arial" charset="0"/>
+              </a:rPr>
+              <a:t>4</a:t>
+            </a:r>
+            <a:endParaRPr lang="en-US" dirty="0">
+              <a:latin typeface="Arial" charset="0"/>
+              <a:ea typeface="Arial" charset="0"/>
+              <a:cs typeface="Arial" charset="0"/>
+            </a:endParaRPr>
+          </a:p>
+        </p:txBody>
+      </p:sp>
+      <p:sp>
+        <p:nvSpPr>
+          <p:cNvPr id="53" name="Rectangle 52"/>
+          <p:cNvSpPr/>
+          <p:nvPr/>
+        </p:nvSpPr>
+        <p:spPr>
+          <a:xfrm>
+            <a:off x="9594553" y="1566864"/>
+            <a:ext cx="936000" cy="360000"/>
+          </a:xfrm>
+          <a:prstGeom prst="rect">
+            <a:avLst/>
+          </a:prstGeom>
+          <a:solidFill>
+            <a:srgbClr val="F39C12"/>
+          </a:solidFill>
+          <a:ln>
+            <a:noFill/>
+          </a:ln>
+        </p:spPr>
+        <p:style>
+          <a:lnRef idx="2">
+            <a:schemeClr val="accent1">
+              <a:shade val="50000"/>
+            </a:schemeClr>
+          </a:lnRef>
+          <a:fillRef idx="1">
+            <a:schemeClr val="accent1"/>
+          </a:fillRef>
+          <a:effectRef idx="0">
+            <a:schemeClr val="accent1"/>
+          </a:effectRef>
+          <a:fontRef idx="minor">
+            <a:schemeClr val="lt1"/>
+          </a:fontRef>
+        </p:style>
+        <p:txBody>
+          <a:bodyPr rot="0" spcFirstLastPara="0" vertOverflow="overflow" horzOverflow="overflow" vert="horz" wrap="square" lIns="91440" tIns="45720" rIns="91440" bIns="45720" numCol="1" spcCol="0" rtlCol="0" fromWordArt="0" anchor="ctr" anchorCtr="0" forceAA="0" compatLnSpc="1">
+            <a:prstTxWarp prst="textNoShape">
+              <a:avLst/>
+            </a:prstTxWarp>
+            <a:noAutofit/>
+          </a:bodyPr>
+          <a:lstStyle/>
+          <a:p>
+            <a:pPr algn="ctr"/>
+            <a:r>
+              <a:rPr lang="en-US" dirty="0" smtClean="0">
+                <a:latin typeface="Arial" charset="0"/>
+                <a:ea typeface="Arial" charset="0"/>
+                <a:cs typeface="Arial" charset="0"/>
+              </a:rPr>
+              <a:t>5</a:t>
+            </a:r>
+            <a:endParaRPr lang="en-US" dirty="0">
+              <a:latin typeface="Arial" charset="0"/>
+              <a:ea typeface="Arial" charset="0"/>
+              <a:cs typeface="Arial" charset="0"/>
+            </a:endParaRPr>
+          </a:p>
+        </p:txBody>
+      </p:sp>
+      <p:sp>
+        <p:nvSpPr>
+          <p:cNvPr id="55" name="Rectangle 54"/>
+          <p:cNvSpPr/>
+          <p:nvPr/>
+        </p:nvSpPr>
+        <p:spPr>
+          <a:xfrm>
+            <a:off x="5130553" y="2095533"/>
+            <a:ext cx="936000" cy="360000"/>
+          </a:xfrm>
+          <a:prstGeom prst="rect">
+            <a:avLst/>
+          </a:prstGeom>
+          <a:solidFill>
+            <a:srgbClr val="F39C12"/>
+          </a:solidFill>
+          <a:ln>
+            <a:noFill/>
+          </a:ln>
+        </p:spPr>
+        <p:style>
+          <a:lnRef idx="2">
+            <a:schemeClr val="accent1">
+              <a:shade val="50000"/>
+            </a:schemeClr>
+          </a:lnRef>
+          <a:fillRef idx="1">
+            <a:schemeClr val="accent1"/>
+          </a:fillRef>
+          <a:effectRef idx="0">
+            <a:schemeClr val="accent1"/>
+          </a:effectRef>
+          <a:fontRef idx="minor">
+            <a:schemeClr val="lt1"/>
+          </a:fontRef>
+        </p:style>
+        <p:txBody>
+          <a:bodyPr rot="0" spcFirstLastPara="0" vertOverflow="overflow" horzOverflow="overflow" vert="horz" wrap="square" lIns="91440" tIns="45720" rIns="91440" bIns="45720" numCol="1" spcCol="0" rtlCol="0" fromWordArt="0" anchor="ctr" anchorCtr="0" forceAA="0" compatLnSpc="1">
+            <a:prstTxWarp prst="textNoShape">
+              <a:avLst/>
+            </a:prstTxWarp>
+            <a:noAutofit/>
+          </a:bodyPr>
+          <a:lstStyle/>
+          <a:p>
+            <a:pPr algn="ctr"/>
+            <a:r>
+              <a:rPr lang="en-US" dirty="0" smtClean="0">
+                <a:latin typeface="Arial" charset="0"/>
+                <a:ea typeface="Arial" charset="0"/>
+                <a:cs typeface="Arial" charset="0"/>
+              </a:rPr>
+              <a:t>1</a:t>
+            </a:r>
+            <a:endParaRPr lang="en-US" dirty="0">
+              <a:latin typeface="Arial" charset="0"/>
+              <a:ea typeface="Arial" charset="0"/>
+              <a:cs typeface="Arial" charset="0"/>
+            </a:endParaRPr>
+          </a:p>
+        </p:txBody>
+      </p:sp>
+      <p:sp>
+        <p:nvSpPr>
+          <p:cNvPr id="56" name="Rectangle 55"/>
+          <p:cNvSpPr/>
+          <p:nvPr/>
+        </p:nvSpPr>
+        <p:spPr>
+          <a:xfrm>
+            <a:off x="6246553" y="2095533"/>
+            <a:ext cx="936000" cy="360000"/>
+          </a:xfrm>
+          <a:prstGeom prst="rect">
+            <a:avLst/>
+          </a:prstGeom>
+          <a:solidFill>
+            <a:srgbClr val="E74C3C"/>
+          </a:solidFill>
+          <a:ln>
+            <a:noFill/>
+          </a:ln>
+        </p:spPr>
+        <p:style>
+          <a:lnRef idx="2">
+            <a:schemeClr val="accent1">
+              <a:shade val="50000"/>
+            </a:schemeClr>
+          </a:lnRef>
+          <a:fillRef idx="1">
+            <a:schemeClr val="accent1"/>
+          </a:fillRef>
+          <a:effectRef idx="0">
+            <a:schemeClr val="accent1"/>
+          </a:effectRef>
+          <a:fontRef idx="minor">
+            <a:schemeClr val="lt1"/>
+          </a:fontRef>
+        </p:style>
+        <p:txBody>
+          <a:bodyPr rot="0" spcFirstLastPara="0" vertOverflow="overflow" horzOverflow="overflow" vert="horz" wrap="square" lIns="91440" tIns="45720" rIns="91440" bIns="45720" numCol="1" spcCol="0" rtlCol="0" fromWordArt="0" anchor="ctr" anchorCtr="0" forceAA="0" compatLnSpc="1">
+            <a:prstTxWarp prst="textNoShape">
+              <a:avLst/>
+            </a:prstTxWarp>
+            <a:noAutofit/>
+          </a:bodyPr>
+          <a:lstStyle/>
+          <a:p>
+            <a:pPr algn="ctr"/>
+            <a:r>
+              <a:rPr lang="en-US" dirty="0" smtClean="0">
+                <a:latin typeface="Arial" charset="0"/>
+                <a:ea typeface="Arial" charset="0"/>
+                <a:cs typeface="Arial" charset="0"/>
+              </a:rPr>
+              <a:t>2</a:t>
+            </a:r>
+            <a:endParaRPr lang="en-US" dirty="0">
+              <a:latin typeface="Arial" charset="0"/>
+              <a:ea typeface="Arial" charset="0"/>
+              <a:cs typeface="Arial" charset="0"/>
+            </a:endParaRPr>
+          </a:p>
+        </p:txBody>
+      </p:sp>
+      <p:sp>
+        <p:nvSpPr>
+          <p:cNvPr id="60" name="Rectangle 59"/>
+          <p:cNvSpPr/>
+          <p:nvPr/>
+        </p:nvSpPr>
+        <p:spPr>
+          <a:xfrm>
+            <a:off x="7362553" y="2095533"/>
+            <a:ext cx="936000" cy="360000"/>
+          </a:xfrm>
+          <a:prstGeom prst="rect">
+            <a:avLst/>
+          </a:prstGeom>
+          <a:solidFill>
+            <a:srgbClr val="F39C12"/>
+          </a:solidFill>
+          <a:ln>
+            <a:noFill/>
+          </a:ln>
+        </p:spPr>
+        <p:style>
+          <a:lnRef idx="2">
+            <a:schemeClr val="accent1">
+              <a:shade val="50000"/>
+            </a:schemeClr>
+          </a:lnRef>
+          <a:fillRef idx="1">
+            <a:schemeClr val="accent1"/>
+          </a:fillRef>
+          <a:effectRef idx="0">
+            <a:schemeClr val="accent1"/>
+          </a:effectRef>
+          <a:fontRef idx="minor">
+            <a:schemeClr val="lt1"/>
+          </a:fontRef>
+        </p:style>
+        <p:txBody>
+          <a:bodyPr rot="0" spcFirstLastPara="0" vertOverflow="overflow" horzOverflow="overflow" vert="horz" wrap="square" lIns="91440" tIns="45720" rIns="91440" bIns="45720" numCol="1" spcCol="0" rtlCol="0" fromWordArt="0" anchor="ctr" anchorCtr="0" forceAA="0" compatLnSpc="1">
+            <a:prstTxWarp prst="textNoShape">
+              <a:avLst/>
+            </a:prstTxWarp>
+            <a:noAutofit/>
+          </a:bodyPr>
+          <a:lstStyle/>
+          <a:p>
+            <a:pPr algn="ctr"/>
+            <a:r>
+              <a:rPr lang="en-US" dirty="0" smtClean="0">
+                <a:latin typeface="Arial" charset="0"/>
+                <a:ea typeface="Arial" charset="0"/>
+                <a:cs typeface="Arial" charset="0"/>
+              </a:rPr>
+              <a:t>3</a:t>
+            </a:r>
+            <a:endParaRPr lang="en-US" dirty="0">
+              <a:latin typeface="Arial" charset="0"/>
+              <a:ea typeface="Arial" charset="0"/>
+              <a:cs typeface="Arial" charset="0"/>
+            </a:endParaRPr>
+          </a:p>
+        </p:txBody>
+      </p:sp>
+      <p:sp>
+        <p:nvSpPr>
+          <p:cNvPr id="64" name="Rectangle 63"/>
+          <p:cNvSpPr/>
+          <p:nvPr/>
+        </p:nvSpPr>
+        <p:spPr>
+          <a:xfrm>
+            <a:off x="8478553" y="2095533"/>
+            <a:ext cx="936000" cy="360000"/>
+          </a:xfrm>
+          <a:prstGeom prst="rect">
+            <a:avLst/>
+          </a:prstGeom>
+          <a:solidFill>
+            <a:srgbClr val="F39C12"/>
+          </a:solidFill>
+          <a:ln>
+            <a:noFill/>
+          </a:ln>
+        </p:spPr>
+        <p:style>
+          <a:lnRef idx="2">
+            <a:schemeClr val="accent1">
+              <a:shade val="50000"/>
+            </a:schemeClr>
+          </a:lnRef>
+          <a:fillRef idx="1">
+            <a:schemeClr val="accent1"/>
+          </a:fillRef>
+          <a:effectRef idx="0">
+            <a:schemeClr val="accent1"/>
+          </a:effectRef>
+          <a:fontRef idx="minor">
+            <a:schemeClr val="lt1"/>
+          </a:fontRef>
+        </p:style>
+        <p:txBody>
+          <a:bodyPr rot="0" spcFirstLastPara="0" vertOverflow="overflow" horzOverflow="overflow" vert="horz" wrap="square" lIns="91440" tIns="45720" rIns="91440" bIns="45720" numCol="1" spcCol="0" rtlCol="0" fromWordArt="0" anchor="ctr" anchorCtr="0" forceAA="0" compatLnSpc="1">
+            <a:prstTxWarp prst="textNoShape">
+              <a:avLst/>
+            </a:prstTxWarp>
+            <a:noAutofit/>
+          </a:bodyPr>
+          <a:lstStyle/>
+          <a:p>
+            <a:pPr algn="ctr"/>
+            <a:r>
+              <a:rPr lang="en-US" dirty="0" smtClean="0">
+                <a:latin typeface="Arial" charset="0"/>
+                <a:ea typeface="Arial" charset="0"/>
+                <a:cs typeface="Arial" charset="0"/>
+              </a:rPr>
+              <a:t>4</a:t>
+            </a:r>
+            <a:endParaRPr lang="en-US" dirty="0">
+              <a:latin typeface="Arial" charset="0"/>
+              <a:ea typeface="Arial" charset="0"/>
+              <a:cs typeface="Arial" charset="0"/>
+            </a:endParaRPr>
+          </a:p>
+        </p:txBody>
+      </p:sp>
+      <p:sp>
+        <p:nvSpPr>
+          <p:cNvPr id="68" name="Rectangle 67"/>
+          <p:cNvSpPr/>
+          <p:nvPr/>
+        </p:nvSpPr>
+        <p:spPr>
+          <a:xfrm>
+            <a:off x="9594553" y="2095533"/>
+            <a:ext cx="936000" cy="360000"/>
+          </a:xfrm>
+          <a:prstGeom prst="rect">
+            <a:avLst/>
+          </a:prstGeom>
+          <a:solidFill>
+            <a:srgbClr val="F39C12"/>
+          </a:solidFill>
+          <a:ln>
+            <a:noFill/>
+          </a:ln>
+        </p:spPr>
+        <p:style>
+          <a:lnRef idx="2">
+            <a:schemeClr val="accent1">
+              <a:shade val="50000"/>
+            </a:schemeClr>
+          </a:lnRef>
+          <a:fillRef idx="1">
+            <a:schemeClr val="accent1"/>
+          </a:fillRef>
+          <a:effectRef idx="0">
+            <a:schemeClr val="accent1"/>
+          </a:effectRef>
+          <a:fontRef idx="minor">
+            <a:schemeClr val="lt1"/>
+          </a:fontRef>
+        </p:style>
+        <p:txBody>
+          <a:bodyPr rot="0" spcFirstLastPara="0" vertOverflow="overflow" horzOverflow="overflow" vert="horz" wrap="square" lIns="91440" tIns="45720" rIns="91440" bIns="45720" numCol="1" spcCol="0" rtlCol="0" fromWordArt="0" anchor="ctr" anchorCtr="0" forceAA="0" compatLnSpc="1">
+            <a:prstTxWarp prst="textNoShape">
+              <a:avLst/>
+            </a:prstTxWarp>
+            <a:noAutofit/>
+          </a:bodyPr>
+          <a:lstStyle/>
+          <a:p>
+            <a:pPr algn="ctr"/>
+            <a:r>
+              <a:rPr lang="en-US" dirty="0" smtClean="0">
+                <a:latin typeface="Arial" charset="0"/>
+                <a:ea typeface="Arial" charset="0"/>
+                <a:cs typeface="Arial" charset="0"/>
+              </a:rPr>
+              <a:t>5</a:t>
+            </a:r>
+            <a:endParaRPr lang="en-US" dirty="0">
+              <a:latin typeface="Arial" charset="0"/>
+              <a:ea typeface="Arial" charset="0"/>
+              <a:cs typeface="Arial" charset="0"/>
+            </a:endParaRPr>
+          </a:p>
+        </p:txBody>
+      </p:sp>
+      <p:sp>
+        <p:nvSpPr>
+          <p:cNvPr id="69" name="Rectangle 68"/>
+          <p:cNvSpPr/>
+          <p:nvPr/>
+        </p:nvSpPr>
+        <p:spPr>
+          <a:xfrm>
+            <a:off x="5130553" y="2624202"/>
+            <a:ext cx="936000" cy="360000"/>
+          </a:xfrm>
+          <a:prstGeom prst="rect">
+            <a:avLst/>
+          </a:prstGeom>
+          <a:solidFill>
+            <a:srgbClr val="F39C12"/>
+          </a:solidFill>
+          <a:ln>
+            <a:noFill/>
+          </a:ln>
+        </p:spPr>
+        <p:style>
+          <a:lnRef idx="2">
+            <a:schemeClr val="accent1">
+              <a:shade val="50000"/>
+            </a:schemeClr>
+          </a:lnRef>
+          <a:fillRef idx="1">
+            <a:schemeClr val="accent1"/>
+          </a:fillRef>
+          <a:effectRef idx="0">
+            <a:schemeClr val="accent1"/>
+          </a:effectRef>
+          <a:fontRef idx="minor">
+            <a:schemeClr val="lt1"/>
+          </a:fontRef>
+        </p:style>
+        <p:txBody>
+          <a:bodyPr rot="0" spcFirstLastPara="0" vertOverflow="overflow" horzOverflow="overflow" vert="horz" wrap="square" lIns="91440" tIns="45720" rIns="91440" bIns="45720" numCol="1" spcCol="0" rtlCol="0" fromWordArt="0" anchor="ctr" anchorCtr="0" forceAA="0" compatLnSpc="1">
+            <a:prstTxWarp prst="textNoShape">
+              <a:avLst/>
+            </a:prstTxWarp>
+            <a:noAutofit/>
+          </a:bodyPr>
+          <a:lstStyle/>
+          <a:p>
+            <a:pPr algn="ctr"/>
+            <a:r>
+              <a:rPr lang="en-US" dirty="0" smtClean="0">
+                <a:latin typeface="Arial" charset="0"/>
+                <a:ea typeface="Arial" charset="0"/>
+                <a:cs typeface="Arial" charset="0"/>
+              </a:rPr>
+              <a:t>1</a:t>
+            </a:r>
+            <a:endParaRPr lang="en-US" dirty="0">
+              <a:latin typeface="Arial" charset="0"/>
+              <a:ea typeface="Arial" charset="0"/>
+              <a:cs typeface="Arial" charset="0"/>
+            </a:endParaRPr>
+          </a:p>
+        </p:txBody>
+      </p:sp>
+      <p:sp>
+        <p:nvSpPr>
+          <p:cNvPr id="70" name="Rectangle 69"/>
+          <p:cNvSpPr/>
+          <p:nvPr/>
+        </p:nvSpPr>
+        <p:spPr>
+          <a:xfrm>
+            <a:off x="6246553" y="2624202"/>
+            <a:ext cx="936000" cy="360000"/>
+          </a:xfrm>
+          <a:prstGeom prst="rect">
+            <a:avLst/>
+          </a:prstGeom>
+          <a:solidFill>
+            <a:srgbClr val="F39C12"/>
+          </a:solidFill>
+          <a:ln>
+            <a:noFill/>
+          </a:ln>
+        </p:spPr>
+        <p:style>
+          <a:lnRef idx="2">
+            <a:schemeClr val="accent1">
+              <a:shade val="50000"/>
+            </a:schemeClr>
+          </a:lnRef>
+          <a:fillRef idx="1">
+            <a:schemeClr val="accent1"/>
+          </a:fillRef>
+          <a:effectRef idx="0">
+            <a:schemeClr val="accent1"/>
+          </a:effectRef>
+          <a:fontRef idx="minor">
+            <a:schemeClr val="lt1"/>
+          </a:fontRef>
+        </p:style>
+        <p:txBody>
+          <a:bodyPr rot="0" spcFirstLastPara="0" vertOverflow="overflow" horzOverflow="overflow" vert="horz" wrap="square" lIns="91440" tIns="45720" rIns="91440" bIns="45720" numCol="1" spcCol="0" rtlCol="0" fromWordArt="0" anchor="ctr" anchorCtr="0" forceAA="0" compatLnSpc="1">
+            <a:prstTxWarp prst="textNoShape">
+              <a:avLst/>
+            </a:prstTxWarp>
+            <a:noAutofit/>
+          </a:bodyPr>
+          <a:lstStyle/>
+          <a:p>
+            <a:pPr algn="ctr"/>
+            <a:r>
+              <a:rPr lang="en-US" dirty="0" smtClean="0">
+                <a:latin typeface="Arial" charset="0"/>
+                <a:ea typeface="Arial" charset="0"/>
+                <a:cs typeface="Arial" charset="0"/>
+              </a:rPr>
+              <a:t>2</a:t>
+            </a:r>
+            <a:endParaRPr lang="en-US" dirty="0">
+              <a:latin typeface="Arial" charset="0"/>
+              <a:ea typeface="Arial" charset="0"/>
+              <a:cs typeface="Arial" charset="0"/>
+            </a:endParaRPr>
+          </a:p>
+        </p:txBody>
+      </p:sp>
+      <p:sp>
+        <p:nvSpPr>
+          <p:cNvPr id="71" name="Rectangle 70"/>
+          <p:cNvSpPr/>
+          <p:nvPr/>
+        </p:nvSpPr>
+        <p:spPr>
+          <a:xfrm>
+            <a:off x="7362553" y="2624202"/>
+            <a:ext cx="936000" cy="360000"/>
+          </a:xfrm>
+          <a:prstGeom prst="rect">
+            <a:avLst/>
+          </a:prstGeom>
+          <a:solidFill>
+            <a:srgbClr val="E74C3C"/>
+          </a:solidFill>
+          <a:ln>
+            <a:noFill/>
+          </a:ln>
+        </p:spPr>
+        <p:style>
+          <a:lnRef idx="2">
+            <a:schemeClr val="accent1">
+              <a:shade val="50000"/>
+            </a:schemeClr>
+          </a:lnRef>
+          <a:fillRef idx="1">
+            <a:schemeClr val="accent1"/>
+          </a:fillRef>
+          <a:effectRef idx="0">
+            <a:schemeClr val="accent1"/>
+          </a:effectRef>
+          <a:fontRef idx="minor">
+            <a:schemeClr val="lt1"/>
+          </a:fontRef>
+        </p:style>
+        <p:txBody>
+          <a:bodyPr rot="0" spcFirstLastPara="0" vertOverflow="overflow" horzOverflow="overflow" vert="horz" wrap="square" lIns="91440" tIns="45720" rIns="91440" bIns="45720" numCol="1" spcCol="0" rtlCol="0" fromWordArt="0" anchor="ctr" anchorCtr="0" forceAA="0" compatLnSpc="1">
+            <a:prstTxWarp prst="textNoShape">
+              <a:avLst/>
+            </a:prstTxWarp>
+            <a:noAutofit/>
+          </a:bodyPr>
+          <a:lstStyle/>
+          <a:p>
+            <a:pPr algn="ctr"/>
+            <a:r>
+              <a:rPr lang="en-US" dirty="0" smtClean="0">
+                <a:latin typeface="Arial" charset="0"/>
+                <a:ea typeface="Arial" charset="0"/>
+                <a:cs typeface="Arial" charset="0"/>
+              </a:rPr>
+              <a:t>3</a:t>
+            </a:r>
+            <a:endParaRPr lang="en-US" dirty="0">
+              <a:latin typeface="Arial" charset="0"/>
+              <a:ea typeface="Arial" charset="0"/>
+              <a:cs typeface="Arial" charset="0"/>
+            </a:endParaRPr>
+          </a:p>
+        </p:txBody>
+      </p:sp>
+      <p:sp>
+        <p:nvSpPr>
+          <p:cNvPr id="72" name="Rectangle 71"/>
+          <p:cNvSpPr/>
+          <p:nvPr/>
+        </p:nvSpPr>
+        <p:spPr>
+          <a:xfrm>
+            <a:off x="8478553" y="2624202"/>
+            <a:ext cx="936000" cy="360000"/>
+          </a:xfrm>
+          <a:prstGeom prst="rect">
+            <a:avLst/>
+          </a:prstGeom>
+          <a:solidFill>
+            <a:srgbClr val="F39C12"/>
+          </a:solidFill>
+          <a:ln>
+            <a:noFill/>
+          </a:ln>
+        </p:spPr>
+        <p:style>
+          <a:lnRef idx="2">
+            <a:schemeClr val="accent1">
+              <a:shade val="50000"/>
+            </a:schemeClr>
+          </a:lnRef>
+          <a:fillRef idx="1">
+            <a:schemeClr val="accent1"/>
+          </a:fillRef>
+          <a:effectRef idx="0">
+            <a:schemeClr val="accent1"/>
+          </a:effectRef>
+          <a:fontRef idx="minor">
+            <a:schemeClr val="lt1"/>
+          </a:fontRef>
+        </p:style>
+        <p:txBody>
+          <a:bodyPr rot="0" spcFirstLastPara="0" vertOverflow="overflow" horzOverflow="overflow" vert="horz" wrap="square" lIns="91440" tIns="45720" rIns="91440" bIns="45720" numCol="1" spcCol="0" rtlCol="0" fromWordArt="0" anchor="ctr" anchorCtr="0" forceAA="0" compatLnSpc="1">
+            <a:prstTxWarp prst="textNoShape">
+              <a:avLst/>
+            </a:prstTxWarp>
+            <a:noAutofit/>
+          </a:bodyPr>
+          <a:lstStyle/>
+          <a:p>
+            <a:pPr algn="ctr"/>
+            <a:r>
+              <a:rPr lang="en-US" dirty="0" smtClean="0">
+                <a:latin typeface="Arial" charset="0"/>
+                <a:ea typeface="Arial" charset="0"/>
+                <a:cs typeface="Arial" charset="0"/>
+              </a:rPr>
+              <a:t>4</a:t>
+            </a:r>
+            <a:endParaRPr lang="en-US" dirty="0">
+              <a:latin typeface="Arial" charset="0"/>
+              <a:ea typeface="Arial" charset="0"/>
+              <a:cs typeface="Arial" charset="0"/>
+            </a:endParaRPr>
+          </a:p>
+        </p:txBody>
+      </p:sp>
+      <p:sp>
+        <p:nvSpPr>
+          <p:cNvPr id="73" name="Rectangle 72"/>
+          <p:cNvSpPr/>
+          <p:nvPr/>
+        </p:nvSpPr>
+        <p:spPr>
+          <a:xfrm>
+            <a:off x="9594553" y="2624202"/>
+            <a:ext cx="936000" cy="360000"/>
+          </a:xfrm>
+          <a:prstGeom prst="rect">
+            <a:avLst/>
+          </a:prstGeom>
+          <a:solidFill>
+            <a:srgbClr val="F39C12"/>
+          </a:solidFill>
+          <a:ln>
+            <a:noFill/>
+          </a:ln>
+        </p:spPr>
+        <p:style>
+          <a:lnRef idx="2">
+            <a:schemeClr val="accent1">
+              <a:shade val="50000"/>
+            </a:schemeClr>
+          </a:lnRef>
+          <a:fillRef idx="1">
+            <a:schemeClr val="accent1"/>
+          </a:fillRef>
+          <a:effectRef idx="0">
+            <a:schemeClr val="accent1"/>
+          </a:effectRef>
+          <a:fontRef idx="minor">
+            <a:schemeClr val="lt1"/>
+          </a:fontRef>
+        </p:style>
+        <p:txBody>
+          <a:bodyPr rot="0" spcFirstLastPara="0" vertOverflow="overflow" horzOverflow="overflow" vert="horz" wrap="square" lIns="91440" tIns="45720" rIns="91440" bIns="45720" numCol="1" spcCol="0" rtlCol="0" fromWordArt="0" anchor="ctr" anchorCtr="0" forceAA="0" compatLnSpc="1">
+            <a:prstTxWarp prst="textNoShape">
+              <a:avLst/>
+            </a:prstTxWarp>
+            <a:noAutofit/>
+          </a:bodyPr>
+          <a:lstStyle/>
+          <a:p>
+            <a:pPr algn="ctr"/>
+            <a:r>
+              <a:rPr lang="en-US" dirty="0" smtClean="0">
+                <a:latin typeface="Arial" charset="0"/>
+                <a:ea typeface="Arial" charset="0"/>
+                <a:cs typeface="Arial" charset="0"/>
+              </a:rPr>
+              <a:t>5</a:t>
+            </a:r>
+            <a:endParaRPr lang="en-US" dirty="0">
+              <a:latin typeface="Arial" charset="0"/>
+              <a:ea typeface="Arial" charset="0"/>
+              <a:cs typeface="Arial" charset="0"/>
+            </a:endParaRPr>
+          </a:p>
+        </p:txBody>
+      </p:sp>
+      <p:sp>
+        <p:nvSpPr>
+          <p:cNvPr id="74" name="Rectangle 73"/>
+          <p:cNvSpPr/>
+          <p:nvPr/>
+        </p:nvSpPr>
+        <p:spPr>
+          <a:xfrm>
+            <a:off x="5130553" y="3152871"/>
+            <a:ext cx="936000" cy="360000"/>
+          </a:xfrm>
+          <a:prstGeom prst="rect">
+            <a:avLst/>
+          </a:prstGeom>
+          <a:solidFill>
+            <a:srgbClr val="F39C12"/>
+          </a:solidFill>
+          <a:ln>
+            <a:noFill/>
+          </a:ln>
+        </p:spPr>
+        <p:style>
+          <a:lnRef idx="2">
+            <a:schemeClr val="accent1">
+              <a:shade val="50000"/>
+            </a:schemeClr>
+          </a:lnRef>
+          <a:fillRef idx="1">
+            <a:schemeClr val="accent1"/>
+          </a:fillRef>
+          <a:effectRef idx="0">
+            <a:schemeClr val="accent1"/>
+          </a:effectRef>
+          <a:fontRef idx="minor">
+            <a:schemeClr val="lt1"/>
+          </a:fontRef>
+        </p:style>
+        <p:txBody>
+          <a:bodyPr rot="0" spcFirstLastPara="0" vertOverflow="overflow" horzOverflow="overflow" vert="horz" wrap="square" lIns="91440" tIns="45720" rIns="91440" bIns="45720" numCol="1" spcCol="0" rtlCol="0" fromWordArt="0" anchor="ctr" anchorCtr="0" forceAA="0" compatLnSpc="1">
+            <a:prstTxWarp prst="textNoShape">
+              <a:avLst/>
+            </a:prstTxWarp>
+            <a:noAutofit/>
+          </a:bodyPr>
+          <a:lstStyle/>
+          <a:p>
+            <a:pPr algn="ctr"/>
+            <a:r>
+              <a:rPr lang="en-US" dirty="0" smtClean="0">
+                <a:latin typeface="Arial" charset="0"/>
+                <a:ea typeface="Arial" charset="0"/>
+                <a:cs typeface="Arial" charset="0"/>
+              </a:rPr>
+              <a:t>1</a:t>
+            </a:r>
+            <a:endParaRPr lang="en-US" dirty="0">
+              <a:latin typeface="Arial" charset="0"/>
+              <a:ea typeface="Arial" charset="0"/>
+              <a:cs typeface="Arial" charset="0"/>
+            </a:endParaRPr>
+          </a:p>
+        </p:txBody>
+      </p:sp>
+      <p:sp>
+        <p:nvSpPr>
+          <p:cNvPr id="75" name="Rectangle 74"/>
+          <p:cNvSpPr/>
+          <p:nvPr/>
+        </p:nvSpPr>
+        <p:spPr>
+          <a:xfrm>
+            <a:off x="6246553" y="3152871"/>
+            <a:ext cx="936000" cy="360000"/>
+          </a:xfrm>
+          <a:prstGeom prst="rect">
+            <a:avLst/>
+          </a:prstGeom>
+          <a:solidFill>
+            <a:srgbClr val="F39C12"/>
+          </a:solidFill>
+          <a:ln>
+            <a:noFill/>
+          </a:ln>
+        </p:spPr>
+        <p:style>
+          <a:lnRef idx="2">
+            <a:schemeClr val="accent1">
+              <a:shade val="50000"/>
+            </a:schemeClr>
+          </a:lnRef>
+          <a:fillRef idx="1">
+            <a:schemeClr val="accent1"/>
+          </a:fillRef>
+          <a:effectRef idx="0">
+            <a:schemeClr val="accent1"/>
+          </a:effectRef>
+          <a:fontRef idx="minor">
+            <a:schemeClr val="lt1"/>
+          </a:fontRef>
+        </p:style>
+        <p:txBody>
+          <a:bodyPr rot="0" spcFirstLastPara="0" vertOverflow="overflow" horzOverflow="overflow" vert="horz" wrap="square" lIns="91440" tIns="45720" rIns="91440" bIns="45720" numCol="1" spcCol="0" rtlCol="0" fromWordArt="0" anchor="ctr" anchorCtr="0" forceAA="0" compatLnSpc="1">
+            <a:prstTxWarp prst="textNoShape">
+              <a:avLst/>
+            </a:prstTxWarp>
+            <a:noAutofit/>
+          </a:bodyPr>
+          <a:lstStyle/>
+          <a:p>
+            <a:pPr algn="ctr"/>
+            <a:r>
+              <a:rPr lang="en-US" dirty="0" smtClean="0">
+                <a:latin typeface="Arial" charset="0"/>
+                <a:ea typeface="Arial" charset="0"/>
+                <a:cs typeface="Arial" charset="0"/>
+              </a:rPr>
+              <a:t>2</a:t>
+            </a:r>
+            <a:endParaRPr lang="en-US" dirty="0">
+              <a:latin typeface="Arial" charset="0"/>
+              <a:ea typeface="Arial" charset="0"/>
+              <a:cs typeface="Arial" charset="0"/>
+            </a:endParaRPr>
+          </a:p>
+        </p:txBody>
+      </p:sp>
+      <p:sp>
+        <p:nvSpPr>
+          <p:cNvPr id="77" name="Rectangle 76"/>
+          <p:cNvSpPr/>
+          <p:nvPr/>
+        </p:nvSpPr>
+        <p:spPr>
+          <a:xfrm>
+            <a:off x="7362553" y="3152871"/>
+            <a:ext cx="936000" cy="360000"/>
+          </a:xfrm>
+          <a:prstGeom prst="rect">
+            <a:avLst/>
+          </a:prstGeom>
+          <a:solidFill>
+            <a:srgbClr val="F39C12"/>
+          </a:solidFill>
+          <a:ln>
+            <a:noFill/>
+          </a:ln>
+        </p:spPr>
+        <p:style>
+          <a:lnRef idx="2">
+            <a:schemeClr val="accent1">
+              <a:shade val="50000"/>
+            </a:schemeClr>
+          </a:lnRef>
+          <a:fillRef idx="1">
+            <a:schemeClr val="accent1"/>
+          </a:fillRef>
+          <a:effectRef idx="0">
+            <a:schemeClr val="accent1"/>
+          </a:effectRef>
+          <a:fontRef idx="minor">
+            <a:schemeClr val="lt1"/>
+          </a:fontRef>
+        </p:style>
+        <p:txBody>
+          <a:bodyPr rot="0" spcFirstLastPara="0" vertOverflow="overflow" horzOverflow="overflow" vert="horz" wrap="square" lIns="91440" tIns="45720" rIns="91440" bIns="45720" numCol="1" spcCol="0" rtlCol="0" fromWordArt="0" anchor="ctr" anchorCtr="0" forceAA="0" compatLnSpc="1">
+            <a:prstTxWarp prst="textNoShape">
+              <a:avLst/>
+            </a:prstTxWarp>
+            <a:noAutofit/>
+          </a:bodyPr>
+          <a:lstStyle/>
+          <a:p>
+            <a:pPr algn="ctr"/>
+            <a:r>
+              <a:rPr lang="en-US" dirty="0" smtClean="0">
+                <a:latin typeface="Arial" charset="0"/>
+                <a:ea typeface="Arial" charset="0"/>
+                <a:cs typeface="Arial" charset="0"/>
+              </a:rPr>
+              <a:t>3</a:t>
+            </a:r>
+            <a:endParaRPr lang="en-US" dirty="0">
+              <a:latin typeface="Arial" charset="0"/>
+              <a:ea typeface="Arial" charset="0"/>
+              <a:cs typeface="Arial" charset="0"/>
+            </a:endParaRPr>
+          </a:p>
+        </p:txBody>
+      </p:sp>
+      <p:sp>
+        <p:nvSpPr>
+          <p:cNvPr id="78" name="Rectangle 77"/>
+          <p:cNvSpPr/>
+          <p:nvPr/>
+        </p:nvSpPr>
+        <p:spPr>
+          <a:xfrm>
+            <a:off x="8478553" y="3152871"/>
+            <a:ext cx="936000" cy="360000"/>
+          </a:xfrm>
+          <a:prstGeom prst="rect">
+            <a:avLst/>
+          </a:prstGeom>
+          <a:solidFill>
+            <a:srgbClr val="E74C3C"/>
+          </a:solidFill>
+          <a:ln>
+            <a:noFill/>
+          </a:ln>
+        </p:spPr>
+        <p:style>
+          <a:lnRef idx="2">
+            <a:schemeClr val="accent1">
+              <a:shade val="50000"/>
+            </a:schemeClr>
+          </a:lnRef>
+          <a:fillRef idx="1">
+            <a:schemeClr val="accent1"/>
+          </a:fillRef>
+          <a:effectRef idx="0">
+            <a:schemeClr val="accent1"/>
+          </a:effectRef>
+          <a:fontRef idx="minor">
+            <a:schemeClr val="lt1"/>
+          </a:fontRef>
+        </p:style>
+        <p:txBody>
+          <a:bodyPr rot="0" spcFirstLastPara="0" vertOverflow="overflow" horzOverflow="overflow" vert="horz" wrap="square" lIns="91440" tIns="45720" rIns="91440" bIns="45720" numCol="1" spcCol="0" rtlCol="0" fromWordArt="0" anchor="ctr" anchorCtr="0" forceAA="0" compatLnSpc="1">
+            <a:prstTxWarp prst="textNoShape">
+              <a:avLst/>
+            </a:prstTxWarp>
+            <a:noAutofit/>
+          </a:bodyPr>
+          <a:lstStyle/>
+          <a:p>
+            <a:pPr algn="ctr"/>
+            <a:r>
+              <a:rPr lang="en-US" dirty="0" smtClean="0">
+                <a:latin typeface="Arial" charset="0"/>
+                <a:ea typeface="Arial" charset="0"/>
+                <a:cs typeface="Arial" charset="0"/>
+              </a:rPr>
+              <a:t>4</a:t>
+            </a:r>
+            <a:endParaRPr lang="en-US" dirty="0">
+              <a:latin typeface="Arial" charset="0"/>
+              <a:ea typeface="Arial" charset="0"/>
+              <a:cs typeface="Arial" charset="0"/>
+            </a:endParaRPr>
+          </a:p>
+        </p:txBody>
+      </p:sp>
+      <p:sp>
+        <p:nvSpPr>
+          <p:cNvPr id="79" name="Rectangle 78"/>
+          <p:cNvSpPr/>
+          <p:nvPr/>
+        </p:nvSpPr>
+        <p:spPr>
+          <a:xfrm>
+            <a:off x="9594553" y="3152871"/>
+            <a:ext cx="936000" cy="360000"/>
+          </a:xfrm>
+          <a:prstGeom prst="rect">
+            <a:avLst/>
+          </a:prstGeom>
+          <a:solidFill>
+            <a:srgbClr val="F39C12"/>
+          </a:solidFill>
+          <a:ln>
+            <a:noFill/>
+          </a:ln>
+        </p:spPr>
+        <p:style>
+          <a:lnRef idx="2">
+            <a:schemeClr val="accent1">
+              <a:shade val="50000"/>
+            </a:schemeClr>
+          </a:lnRef>
+          <a:fillRef idx="1">
+            <a:schemeClr val="accent1"/>
+          </a:fillRef>
+          <a:effectRef idx="0">
+            <a:schemeClr val="accent1"/>
+          </a:effectRef>
+          <a:fontRef idx="minor">
+            <a:schemeClr val="lt1"/>
+          </a:fontRef>
+        </p:style>
+        <p:txBody>
+          <a:bodyPr rot="0" spcFirstLastPara="0" vertOverflow="overflow" horzOverflow="overflow" vert="horz" wrap="square" lIns="91440" tIns="45720" rIns="91440" bIns="45720" numCol="1" spcCol="0" rtlCol="0" fromWordArt="0" anchor="ctr" anchorCtr="0" forceAA="0" compatLnSpc="1">
+            <a:prstTxWarp prst="textNoShape">
+              <a:avLst/>
+            </a:prstTxWarp>
+            <a:noAutofit/>
+          </a:bodyPr>
+          <a:lstStyle/>
+          <a:p>
+            <a:pPr algn="ctr"/>
+            <a:r>
+              <a:rPr lang="en-US" dirty="0" smtClean="0">
+                <a:latin typeface="Arial" charset="0"/>
+                <a:ea typeface="Arial" charset="0"/>
+                <a:cs typeface="Arial" charset="0"/>
+              </a:rPr>
+              <a:t>5</a:t>
+            </a:r>
+            <a:endParaRPr lang="en-US" dirty="0">
+              <a:latin typeface="Arial" charset="0"/>
+              <a:ea typeface="Arial" charset="0"/>
+              <a:cs typeface="Arial" charset="0"/>
+            </a:endParaRPr>
+          </a:p>
+        </p:txBody>
+      </p:sp>
+      <p:sp>
+        <p:nvSpPr>
+          <p:cNvPr id="80" name="Rectangle 79"/>
+          <p:cNvSpPr/>
+          <p:nvPr/>
+        </p:nvSpPr>
+        <p:spPr>
+          <a:xfrm>
+            <a:off x="5130553" y="3681540"/>
+            <a:ext cx="936000" cy="360000"/>
+          </a:xfrm>
+          <a:prstGeom prst="rect">
+            <a:avLst/>
+          </a:prstGeom>
+          <a:solidFill>
+            <a:srgbClr val="F39C12"/>
+          </a:solidFill>
+          <a:ln>
+            <a:noFill/>
+          </a:ln>
+        </p:spPr>
+        <p:style>
+          <a:lnRef idx="2">
+            <a:schemeClr val="accent1">
+              <a:shade val="50000"/>
+            </a:schemeClr>
+          </a:lnRef>
+          <a:fillRef idx="1">
+            <a:schemeClr val="accent1"/>
+          </a:fillRef>
+          <a:effectRef idx="0">
+            <a:schemeClr val="accent1"/>
+          </a:effectRef>
+          <a:fontRef idx="minor">
+            <a:schemeClr val="lt1"/>
+          </a:fontRef>
+        </p:style>
+        <p:txBody>
+          <a:bodyPr rot="0" spcFirstLastPara="0" vertOverflow="overflow" horzOverflow="overflow" vert="horz" wrap="square" lIns="91440" tIns="45720" rIns="91440" bIns="45720" numCol="1" spcCol="0" rtlCol="0" fromWordArt="0" anchor="ctr" anchorCtr="0" forceAA="0" compatLnSpc="1">
+            <a:prstTxWarp prst="textNoShape">
+              <a:avLst/>
+            </a:prstTxWarp>
+            <a:noAutofit/>
+          </a:bodyPr>
+          <a:lstStyle/>
+          <a:p>
+            <a:pPr algn="ctr"/>
+            <a:r>
+              <a:rPr lang="en-US" dirty="0" smtClean="0">
+                <a:latin typeface="Arial" charset="0"/>
+                <a:ea typeface="Arial" charset="0"/>
+                <a:cs typeface="Arial" charset="0"/>
+              </a:rPr>
+              <a:t>1</a:t>
+            </a:r>
+            <a:endParaRPr lang="en-US" dirty="0">
+              <a:latin typeface="Arial" charset="0"/>
+              <a:ea typeface="Arial" charset="0"/>
+              <a:cs typeface="Arial" charset="0"/>
+            </a:endParaRPr>
+          </a:p>
+        </p:txBody>
+      </p:sp>
+      <p:sp>
+        <p:nvSpPr>
+          <p:cNvPr id="81" name="Rectangle 80"/>
+          <p:cNvSpPr/>
+          <p:nvPr/>
+        </p:nvSpPr>
+        <p:spPr>
+          <a:xfrm>
+            <a:off x="6246553" y="3681540"/>
+            <a:ext cx="936000" cy="360000"/>
+          </a:xfrm>
+          <a:prstGeom prst="rect">
+            <a:avLst/>
+          </a:prstGeom>
+          <a:solidFill>
+            <a:srgbClr val="F39C12"/>
+          </a:solidFill>
+          <a:ln>
+            <a:noFill/>
+          </a:ln>
+        </p:spPr>
+        <p:style>
+          <a:lnRef idx="2">
+            <a:schemeClr val="accent1">
+              <a:shade val="50000"/>
+            </a:schemeClr>
+          </a:lnRef>
+          <a:fillRef idx="1">
+            <a:schemeClr val="accent1"/>
+          </a:fillRef>
+          <a:effectRef idx="0">
+            <a:schemeClr val="accent1"/>
+          </a:effectRef>
+          <a:fontRef idx="minor">
+            <a:schemeClr val="lt1"/>
+          </a:fontRef>
+        </p:style>
+        <p:txBody>
+          <a:bodyPr rot="0" spcFirstLastPara="0" vertOverflow="overflow" horzOverflow="overflow" vert="horz" wrap="square" lIns="91440" tIns="45720" rIns="91440" bIns="45720" numCol="1" spcCol="0" rtlCol="0" fromWordArt="0" anchor="ctr" anchorCtr="0" forceAA="0" compatLnSpc="1">
+            <a:prstTxWarp prst="textNoShape">
+              <a:avLst/>
+            </a:prstTxWarp>
+            <a:noAutofit/>
+          </a:bodyPr>
+          <a:lstStyle/>
+          <a:p>
+            <a:pPr algn="ctr"/>
+            <a:r>
+              <a:rPr lang="en-US" dirty="0" smtClean="0">
+                <a:latin typeface="Arial" charset="0"/>
+                <a:ea typeface="Arial" charset="0"/>
+                <a:cs typeface="Arial" charset="0"/>
+              </a:rPr>
+              <a:t>2</a:t>
+            </a:r>
+            <a:endParaRPr lang="en-US" dirty="0">
+              <a:latin typeface="Arial" charset="0"/>
+              <a:ea typeface="Arial" charset="0"/>
+              <a:cs typeface="Arial" charset="0"/>
+            </a:endParaRPr>
+          </a:p>
+        </p:txBody>
+      </p:sp>
+      <p:sp>
+        <p:nvSpPr>
+          <p:cNvPr id="82" name="Rectangle 81"/>
+          <p:cNvSpPr/>
+          <p:nvPr/>
+        </p:nvSpPr>
+        <p:spPr>
+          <a:xfrm>
+            <a:off x="7362553" y="3681540"/>
+            <a:ext cx="936000" cy="360000"/>
+          </a:xfrm>
+          <a:prstGeom prst="rect">
+            <a:avLst/>
+          </a:prstGeom>
+          <a:solidFill>
+            <a:srgbClr val="F39C12"/>
+          </a:solidFill>
+          <a:ln>
+            <a:noFill/>
+          </a:ln>
+        </p:spPr>
+        <p:style>
+          <a:lnRef idx="2">
+            <a:schemeClr val="accent1">
+              <a:shade val="50000"/>
+            </a:schemeClr>
+          </a:lnRef>
+          <a:fillRef idx="1">
+            <a:schemeClr val="accent1"/>
+          </a:fillRef>
+          <a:effectRef idx="0">
+            <a:schemeClr val="accent1"/>
+          </a:effectRef>
+          <a:fontRef idx="minor">
+            <a:schemeClr val="lt1"/>
+          </a:fontRef>
+        </p:style>
+        <p:txBody>
+          <a:bodyPr rot="0" spcFirstLastPara="0" vertOverflow="overflow" horzOverflow="overflow" vert="horz" wrap="square" lIns="91440" tIns="45720" rIns="91440" bIns="45720" numCol="1" spcCol="0" rtlCol="0" fromWordArt="0" anchor="ctr" anchorCtr="0" forceAA="0" compatLnSpc="1">
+            <a:prstTxWarp prst="textNoShape">
+              <a:avLst/>
+            </a:prstTxWarp>
+            <a:noAutofit/>
+          </a:bodyPr>
+          <a:lstStyle/>
+          <a:p>
+            <a:pPr algn="ctr"/>
+            <a:r>
+              <a:rPr lang="en-US" dirty="0" smtClean="0">
+                <a:latin typeface="Arial" charset="0"/>
+                <a:ea typeface="Arial" charset="0"/>
+                <a:cs typeface="Arial" charset="0"/>
+              </a:rPr>
+              <a:t>3</a:t>
+            </a:r>
+            <a:endParaRPr lang="en-US" dirty="0">
+              <a:latin typeface="Arial" charset="0"/>
+              <a:ea typeface="Arial" charset="0"/>
+              <a:cs typeface="Arial" charset="0"/>
+            </a:endParaRPr>
+          </a:p>
+        </p:txBody>
+      </p:sp>
+      <p:sp>
+        <p:nvSpPr>
+          <p:cNvPr id="83" name="Rectangle 82"/>
+          <p:cNvSpPr/>
+          <p:nvPr/>
+        </p:nvSpPr>
+        <p:spPr>
+          <a:xfrm>
+            <a:off x="8478553" y="3681540"/>
+            <a:ext cx="936000" cy="360000"/>
+          </a:xfrm>
+          <a:prstGeom prst="rect">
+            <a:avLst/>
+          </a:prstGeom>
+          <a:solidFill>
+            <a:srgbClr val="F39C12"/>
+          </a:solidFill>
+          <a:ln>
+            <a:noFill/>
+          </a:ln>
+        </p:spPr>
+        <p:style>
+          <a:lnRef idx="2">
+            <a:schemeClr val="accent1">
+              <a:shade val="50000"/>
+            </a:schemeClr>
+          </a:lnRef>
+          <a:fillRef idx="1">
+            <a:schemeClr val="accent1"/>
+          </a:fillRef>
+          <a:effectRef idx="0">
+            <a:schemeClr val="accent1"/>
+          </a:effectRef>
+          <a:fontRef idx="minor">
+            <a:schemeClr val="lt1"/>
+          </a:fontRef>
+        </p:style>
+        <p:txBody>
+          <a:bodyPr rot="0" spcFirstLastPara="0" vertOverflow="overflow" horzOverflow="overflow" vert="horz" wrap="square" lIns="91440" tIns="45720" rIns="91440" bIns="45720" numCol="1" spcCol="0" rtlCol="0" fromWordArt="0" anchor="ctr" anchorCtr="0" forceAA="0" compatLnSpc="1">
+            <a:prstTxWarp prst="textNoShape">
+              <a:avLst/>
+            </a:prstTxWarp>
+            <a:noAutofit/>
+          </a:bodyPr>
+          <a:lstStyle/>
+          <a:p>
+            <a:pPr algn="ctr"/>
+            <a:r>
+              <a:rPr lang="en-US" dirty="0" smtClean="0">
+                <a:latin typeface="Arial" charset="0"/>
+                <a:ea typeface="Arial" charset="0"/>
+                <a:cs typeface="Arial" charset="0"/>
+              </a:rPr>
+              <a:t>4</a:t>
+            </a:r>
+            <a:endParaRPr lang="en-US" dirty="0">
+              <a:latin typeface="Arial" charset="0"/>
+              <a:ea typeface="Arial" charset="0"/>
+              <a:cs typeface="Arial" charset="0"/>
+            </a:endParaRPr>
+          </a:p>
+        </p:txBody>
+      </p:sp>
+      <p:sp>
+        <p:nvSpPr>
+          <p:cNvPr id="84" name="Rectangle 83"/>
+          <p:cNvSpPr/>
+          <p:nvPr/>
+        </p:nvSpPr>
+        <p:spPr>
+          <a:xfrm>
+            <a:off x="9594553" y="3681540"/>
+            <a:ext cx="936000" cy="360000"/>
+          </a:xfrm>
+          <a:prstGeom prst="rect">
+            <a:avLst/>
+          </a:prstGeom>
+          <a:solidFill>
+            <a:srgbClr val="E74C3C"/>
+          </a:solidFill>
+          <a:ln>
+            <a:noFill/>
+          </a:ln>
+        </p:spPr>
+        <p:style>
+          <a:lnRef idx="2">
+            <a:schemeClr val="accent1">
+              <a:shade val="50000"/>
+            </a:schemeClr>
+          </a:lnRef>
+          <a:fillRef idx="1">
+            <a:schemeClr val="accent1"/>
+          </a:fillRef>
+          <a:effectRef idx="0">
+            <a:schemeClr val="accent1"/>
+          </a:effectRef>
+          <a:fontRef idx="minor">
+            <a:schemeClr val="lt1"/>
+          </a:fontRef>
+        </p:style>
+        <p:txBody>
+          <a:bodyPr rot="0" spcFirstLastPara="0" vertOverflow="overflow" horzOverflow="overflow" vert="horz" wrap="square" lIns="91440" tIns="45720" rIns="91440" bIns="45720" numCol="1" spcCol="0" rtlCol="0" fromWordArt="0" anchor="ctr" anchorCtr="0" forceAA="0" compatLnSpc="1">
+            <a:prstTxWarp prst="textNoShape">
+              <a:avLst/>
+            </a:prstTxWarp>
+            <a:noAutofit/>
+          </a:bodyPr>
+          <a:lstStyle/>
+          <a:p>
+            <a:pPr algn="ctr"/>
+            <a:r>
+              <a:rPr lang="en-US" dirty="0" smtClean="0">
+                <a:latin typeface="Arial" charset="0"/>
+                <a:ea typeface="Arial" charset="0"/>
+                <a:cs typeface="Arial" charset="0"/>
+              </a:rPr>
+              <a:t>5</a:t>
+            </a:r>
+            <a:endParaRPr lang="en-US" dirty="0">
+              <a:latin typeface="Arial" charset="0"/>
+              <a:ea typeface="Arial" charset="0"/>
+              <a:cs typeface="Arial" charset="0"/>
+            </a:endParaRPr>
+          </a:p>
+        </p:txBody>
+      </p:sp>
+      <p:sp>
+        <p:nvSpPr>
+          <p:cNvPr id="3" name="TextBox 2"/>
+          <p:cNvSpPr txBox="1"/>
+          <p:nvPr/>
+        </p:nvSpPr>
+        <p:spPr>
+          <a:xfrm>
+            <a:off x="3647440" y="1566864"/>
+            <a:ext cx="1210588" cy="369332"/>
+          </a:xfrm>
+          <a:prstGeom prst="rect">
+            <a:avLst/>
+          </a:prstGeom>
+          <a:noFill/>
+        </p:spPr>
+        <p:txBody>
+          <a:bodyPr wrap="square" rtlCol="0">
+            <a:spAutoFit/>
+          </a:bodyPr>
+          <a:lstStyle/>
+          <a:p>
+            <a:r>
+              <a:rPr lang="en-US" dirty="0" smtClean="0">
+                <a:latin typeface="Arial" charset="0"/>
+                <a:ea typeface="Arial" charset="0"/>
+                <a:cs typeface="Arial" charset="0"/>
+              </a:rPr>
+              <a:t>Iteration 1</a:t>
+            </a:r>
+            <a:endParaRPr lang="en-US" dirty="0">
+              <a:latin typeface="Arial" charset="0"/>
+              <a:ea typeface="Arial" charset="0"/>
+              <a:cs typeface="Arial" charset="0"/>
+            </a:endParaRPr>
+          </a:p>
+        </p:txBody>
+      </p:sp>
+      <p:sp>
+        <p:nvSpPr>
+          <p:cNvPr id="85" name="TextBox 84"/>
+          <p:cNvSpPr txBox="1"/>
+          <p:nvPr/>
+        </p:nvSpPr>
+        <p:spPr>
+          <a:xfrm>
+            <a:off x="3647440" y="2614870"/>
+            <a:ext cx="1210588" cy="369332"/>
+          </a:xfrm>
+          <a:prstGeom prst="rect">
+            <a:avLst/>
+          </a:prstGeom>
+          <a:noFill/>
+        </p:spPr>
+        <p:txBody>
+          <a:bodyPr wrap="square" rtlCol="0">
+            <a:spAutoFit/>
+          </a:bodyPr>
+          <a:lstStyle/>
+          <a:p>
+            <a:r>
+              <a:rPr lang="en-US" dirty="0" smtClean="0">
+                <a:latin typeface="Arial" charset="0"/>
+                <a:ea typeface="Arial" charset="0"/>
+                <a:cs typeface="Arial" charset="0"/>
+              </a:rPr>
+              <a:t>Iteration 3</a:t>
+            </a:r>
+            <a:endParaRPr lang="en-US" dirty="0">
+              <a:latin typeface="Arial" charset="0"/>
+              <a:ea typeface="Arial" charset="0"/>
+              <a:cs typeface="Arial" charset="0"/>
+            </a:endParaRPr>
+          </a:p>
+        </p:txBody>
+      </p:sp>
+      <p:sp>
+        <p:nvSpPr>
+          <p:cNvPr id="86" name="TextBox 85"/>
+          <p:cNvSpPr txBox="1"/>
+          <p:nvPr/>
+        </p:nvSpPr>
+        <p:spPr>
+          <a:xfrm>
+            <a:off x="3647440" y="3152871"/>
+            <a:ext cx="1210588" cy="369332"/>
+          </a:xfrm>
+          <a:prstGeom prst="rect">
+            <a:avLst/>
+          </a:prstGeom>
+          <a:noFill/>
+        </p:spPr>
+        <p:txBody>
+          <a:bodyPr wrap="square" rtlCol="0">
+            <a:spAutoFit/>
+          </a:bodyPr>
+          <a:lstStyle/>
+          <a:p>
+            <a:r>
+              <a:rPr lang="en-US" dirty="0" smtClean="0">
+                <a:latin typeface="Arial" charset="0"/>
+                <a:ea typeface="Arial" charset="0"/>
+                <a:cs typeface="Arial" charset="0"/>
+              </a:rPr>
+              <a:t>Iteration 4</a:t>
+            </a:r>
+            <a:endParaRPr lang="en-US" dirty="0">
+              <a:latin typeface="Arial" charset="0"/>
+              <a:ea typeface="Arial" charset="0"/>
+              <a:cs typeface="Arial" charset="0"/>
+            </a:endParaRPr>
+          </a:p>
+        </p:txBody>
+      </p:sp>
+      <p:sp>
+        <p:nvSpPr>
+          <p:cNvPr id="87" name="TextBox 86"/>
+          <p:cNvSpPr txBox="1"/>
+          <p:nvPr/>
+        </p:nvSpPr>
+        <p:spPr>
+          <a:xfrm>
+            <a:off x="3647440" y="3672208"/>
+            <a:ext cx="1210588" cy="369332"/>
+          </a:xfrm>
+          <a:prstGeom prst="rect">
+            <a:avLst/>
+          </a:prstGeom>
+          <a:noFill/>
+        </p:spPr>
+        <p:txBody>
+          <a:bodyPr wrap="square" rtlCol="0">
+            <a:spAutoFit/>
+          </a:bodyPr>
+          <a:lstStyle/>
+          <a:p>
+            <a:r>
+              <a:rPr lang="en-US" dirty="0" smtClean="0">
+                <a:latin typeface="Arial" charset="0"/>
+                <a:ea typeface="Arial" charset="0"/>
+                <a:cs typeface="Arial" charset="0"/>
+              </a:rPr>
+              <a:t>Iteration 5</a:t>
+            </a:r>
+            <a:endParaRPr lang="en-US" dirty="0">
+              <a:latin typeface="Arial" charset="0"/>
+              <a:ea typeface="Arial" charset="0"/>
+              <a:cs typeface="Arial" charset="0"/>
+            </a:endParaRPr>
+          </a:p>
+        </p:txBody>
+      </p:sp>
+      <p:sp>
+        <p:nvSpPr>
+          <p:cNvPr id="88" name="TextBox 87"/>
+          <p:cNvSpPr txBox="1"/>
+          <p:nvPr/>
+        </p:nvSpPr>
+        <p:spPr>
+          <a:xfrm>
+            <a:off x="3647440" y="2086201"/>
+            <a:ext cx="1210588" cy="369332"/>
+          </a:xfrm>
+          <a:prstGeom prst="rect">
+            <a:avLst/>
+          </a:prstGeom>
+          <a:noFill/>
+        </p:spPr>
+        <p:txBody>
+          <a:bodyPr wrap="square" rtlCol="0">
+            <a:spAutoFit/>
+          </a:bodyPr>
+          <a:lstStyle/>
+          <a:p>
+            <a:r>
+              <a:rPr lang="en-US" dirty="0" smtClean="0">
+                <a:latin typeface="Arial" charset="0"/>
+                <a:ea typeface="Arial" charset="0"/>
+                <a:cs typeface="Arial" charset="0"/>
+              </a:rPr>
+              <a:t>Iteration 2</a:t>
+            </a:r>
+            <a:endParaRPr lang="en-US" dirty="0">
+              <a:latin typeface="Arial" charset="0"/>
+              <a:ea typeface="Arial" charset="0"/>
+              <a:cs typeface="Arial" charset="0"/>
+            </a:endParaRPr>
+          </a:p>
+        </p:txBody>
+      </p:sp>
+    </p:spTree>
+    <p:extLst>
+      <p:ext uri="{BB962C8B-B14F-4D97-AF65-F5344CB8AC3E}">
+        <p14:creationId xmlns:p14="http://schemas.microsoft.com/office/powerpoint/2010/main" val="1731701962"/>
       </p:ext>
     </p:extLst>
   </p:cSld>

--- a/docs/documents/weekly_meeting/Diagrams.pptx
+++ b/docs/documents/weekly_meeting/Diagrams.pptx
@@ -5,12 +5,15 @@
     <p:sldMasterId id="2147483672" r:id="rId1"/>
   </p:sldMasterIdLst>
   <p:notesMasterIdLst>
-    <p:notesMasterId r:id="rId5"/>
+    <p:notesMasterId r:id="rId8"/>
   </p:notesMasterIdLst>
   <p:sldIdLst>
     <p:sldId id="256" r:id="rId2"/>
     <p:sldId id="257" r:id="rId3"/>
     <p:sldId id="258" r:id="rId4"/>
+    <p:sldId id="260" r:id="rId5"/>
+    <p:sldId id="259" r:id="rId6"/>
+    <p:sldId id="261" r:id="rId7"/>
   </p:sldIdLst>
   <p:sldSz cx="16200438" cy="9990138"/>
   <p:notesSz cx="6858000" cy="9144000"/>
@@ -199,7 +202,7 @@
           <a:p>
             <a:fld id="{15BD9F0C-1AE7-1F4D-93C1-725780F7FC18}" type="datetimeFigureOut">
               <a:rPr lang="en-US" smtClean="0"/>
-              <a:t>1/19/17</a:t>
+              <a:t>1/21/17</a:t>
             </a:fld>
             <a:endParaRPr lang="en-US"/>
           </a:p>
@@ -734,6 +737,95 @@
 </p:notes>
 </file>
 
+<file path=ppt/notesSlides/notesSlide4.xml><?xml version="1.0" encoding="utf-8"?>
+<p:notes xmlns:a="http://schemas.openxmlformats.org/drawingml/2006/main" xmlns:r="http://schemas.openxmlformats.org/officeDocument/2006/relationships" xmlns:p="http://schemas.openxmlformats.org/presentationml/2006/main">
+  <p:cSld>
+    <p:spTree>
+      <p:nvGrpSpPr>
+        <p:cNvPr id="1" name=""/>
+        <p:cNvGrpSpPr/>
+        <p:nvPr/>
+      </p:nvGrpSpPr>
+      <p:grpSpPr>
+        <a:xfrm>
+          <a:off x="0" y="0"/>
+          <a:ext cx="0" cy="0"/>
+          <a:chOff x="0" y="0"/>
+          <a:chExt cx="0" cy="0"/>
+        </a:xfrm>
+      </p:grpSpPr>
+      <p:sp>
+        <p:nvSpPr>
+          <p:cNvPr id="2" name="Slide Image Placeholder 1"/>
+          <p:cNvSpPr>
+            <a:spLocks noGrp="1" noRot="1" noChangeAspect="1"/>
+          </p:cNvSpPr>
+          <p:nvPr>
+            <p:ph type="sldImg"/>
+          </p:nvPr>
+        </p:nvSpPr>
+        <p:spPr>
+          <a:xfrm>
+            <a:off x="927100" y="1143000"/>
+            <a:ext cx="5003800" cy="3086100"/>
+          </a:xfrm>
+        </p:spPr>
+      </p:sp>
+      <p:sp>
+        <p:nvSpPr>
+          <p:cNvPr id="3" name="Notes Placeholder 2"/>
+          <p:cNvSpPr>
+            <a:spLocks noGrp="1"/>
+          </p:cNvSpPr>
+          <p:nvPr>
+            <p:ph type="body" idx="1"/>
+          </p:nvPr>
+        </p:nvSpPr>
+        <p:spPr/>
+        <p:txBody>
+          <a:bodyPr/>
+          <a:lstStyle/>
+          <a:p>
+            <a:endParaRPr lang="en-US" dirty="0"/>
+          </a:p>
+        </p:txBody>
+      </p:sp>
+      <p:sp>
+        <p:nvSpPr>
+          <p:cNvPr id="4" name="Slide Number Placeholder 3"/>
+          <p:cNvSpPr>
+            <a:spLocks noGrp="1"/>
+          </p:cNvSpPr>
+          <p:nvPr>
+            <p:ph type="sldNum" sz="quarter" idx="10"/>
+          </p:nvPr>
+        </p:nvSpPr>
+        <p:spPr/>
+        <p:txBody>
+          <a:bodyPr/>
+          <a:lstStyle/>
+          <a:p>
+            <a:fld id="{B4554D10-2878-D647-8FC2-F4170DF14B8A}" type="slidenum">
+              <a:rPr lang="en-US" smtClean="0"/>
+              <a:t>4</a:t>
+            </a:fld>
+            <a:endParaRPr lang="en-US"/>
+          </a:p>
+        </p:txBody>
+      </p:sp>
+    </p:spTree>
+    <p:extLst>
+      <p:ext uri="{BB962C8B-B14F-4D97-AF65-F5344CB8AC3E}">
+        <p14:creationId xmlns:p14="http://schemas.microsoft.com/office/powerpoint/2010/main" val="981324188"/>
+      </p:ext>
+    </p:extLst>
+  </p:cSld>
+  <p:clrMapOvr>
+    <a:masterClrMapping/>
+  </p:clrMapOvr>
+</p:notes>
+</file>
+
 <file path=ppt/slideLayouts/slideLayout1.xml><?xml version="1.0" encoding="utf-8"?>
 <p:sldLayout xmlns:a="http://schemas.openxmlformats.org/drawingml/2006/main" xmlns:r="http://schemas.openxmlformats.org/officeDocument/2006/relationships" xmlns:p="http://schemas.openxmlformats.org/presentationml/2006/main" type="title" preserve="1">
   <p:cSld name="Title Slide">
@@ -865,7 +957,7 @@
           <a:p>
             <a:fld id="{334D9E35-25E8-474A-91F1-98B631E32FC0}" type="datetimeFigureOut">
               <a:rPr lang="en-US" smtClean="0"/>
-              <a:t>1/19/17</a:t>
+              <a:t>1/21/17</a:t>
             </a:fld>
             <a:endParaRPr lang="en-US"/>
           </a:p>
@@ -1035,7 +1127,7 @@
           <a:p>
             <a:fld id="{334D9E35-25E8-474A-91F1-98B631E32FC0}" type="datetimeFigureOut">
               <a:rPr lang="en-US" smtClean="0"/>
-              <a:t>1/19/17</a:t>
+              <a:t>1/21/17</a:t>
             </a:fld>
             <a:endParaRPr lang="en-US"/>
           </a:p>
@@ -1215,7 +1307,7 @@
           <a:p>
             <a:fld id="{334D9E35-25E8-474A-91F1-98B631E32FC0}" type="datetimeFigureOut">
               <a:rPr lang="en-US" smtClean="0"/>
-              <a:t>1/19/17</a:t>
+              <a:t>1/21/17</a:t>
             </a:fld>
             <a:endParaRPr lang="en-US"/>
           </a:p>
@@ -1385,7 +1477,7 @@
           <a:p>
             <a:fld id="{334D9E35-25E8-474A-91F1-98B631E32FC0}" type="datetimeFigureOut">
               <a:rPr lang="en-US" smtClean="0"/>
-              <a:t>1/19/17</a:t>
+              <a:t>1/21/17</a:t>
             </a:fld>
             <a:endParaRPr lang="en-US"/>
           </a:p>
@@ -1631,7 +1723,7 @@
           <a:p>
             <a:fld id="{334D9E35-25E8-474A-91F1-98B631E32FC0}" type="datetimeFigureOut">
               <a:rPr lang="en-US" smtClean="0"/>
-              <a:t>1/19/17</a:t>
+              <a:t>1/21/17</a:t>
             </a:fld>
             <a:endParaRPr lang="en-US"/>
           </a:p>
@@ -1863,7 +1955,7 @@
           <a:p>
             <a:fld id="{334D9E35-25E8-474A-91F1-98B631E32FC0}" type="datetimeFigureOut">
               <a:rPr lang="en-US" smtClean="0"/>
-              <a:t>1/19/17</a:t>
+              <a:t>1/21/17</a:t>
             </a:fld>
             <a:endParaRPr lang="en-US"/>
           </a:p>
@@ -2230,7 +2322,7 @@
           <a:p>
             <a:fld id="{334D9E35-25E8-474A-91F1-98B631E32FC0}" type="datetimeFigureOut">
               <a:rPr lang="en-US" smtClean="0"/>
-              <a:t>1/19/17</a:t>
+              <a:t>1/21/17</a:t>
             </a:fld>
             <a:endParaRPr lang="en-US"/>
           </a:p>
@@ -2348,7 +2440,7 @@
           <a:p>
             <a:fld id="{334D9E35-25E8-474A-91F1-98B631E32FC0}" type="datetimeFigureOut">
               <a:rPr lang="en-US" smtClean="0"/>
-              <a:t>1/19/17</a:t>
+              <a:t>1/21/17</a:t>
             </a:fld>
             <a:endParaRPr lang="en-US"/>
           </a:p>
@@ -2443,7 +2535,7 @@
           <a:p>
             <a:fld id="{334D9E35-25E8-474A-91F1-98B631E32FC0}" type="datetimeFigureOut">
               <a:rPr lang="en-US" smtClean="0"/>
-              <a:t>1/19/17</a:t>
+              <a:t>1/21/17</a:t>
             </a:fld>
             <a:endParaRPr lang="en-US"/>
           </a:p>
@@ -2720,7 +2812,7 @@
           <a:p>
             <a:fld id="{334D9E35-25E8-474A-91F1-98B631E32FC0}" type="datetimeFigureOut">
               <a:rPr lang="en-US" smtClean="0"/>
-              <a:t>1/19/17</a:t>
+              <a:t>1/21/17</a:t>
             </a:fld>
             <a:endParaRPr lang="en-US"/>
           </a:p>
@@ -2977,7 +3069,7 @@
           <a:p>
             <a:fld id="{334D9E35-25E8-474A-91F1-98B631E32FC0}" type="datetimeFigureOut">
               <a:rPr lang="en-US" smtClean="0"/>
-              <a:t>1/19/17</a:t>
+              <a:t>1/21/17</a:t>
             </a:fld>
             <a:endParaRPr lang="en-US"/>
           </a:p>
@@ -3190,7 +3282,7 @@
           <a:p>
             <a:fld id="{334D9E35-25E8-474A-91F1-98B631E32FC0}" type="datetimeFigureOut">
               <a:rPr lang="en-US" smtClean="0"/>
-              <a:t>1/19/17</a:t>
+              <a:t>1/21/17</a:t>
             </a:fld>
             <a:endParaRPr lang="en-US"/>
           </a:p>
@@ -9134,6 +9226,3854 @@
 </p:sld>
 </file>
 
+<file path=ppt/slides/slide4.xml><?xml version="1.0" encoding="utf-8"?>
+<p:sld xmlns:a="http://schemas.openxmlformats.org/drawingml/2006/main" xmlns:r="http://schemas.openxmlformats.org/officeDocument/2006/relationships" xmlns:p="http://schemas.openxmlformats.org/presentationml/2006/main">
+  <p:cSld>
+    <p:spTree>
+      <p:nvGrpSpPr>
+        <p:cNvPr id="1" name=""/>
+        <p:cNvGrpSpPr/>
+        <p:nvPr/>
+      </p:nvGrpSpPr>
+      <p:grpSpPr>
+        <a:xfrm>
+          <a:off x="0" y="0"/>
+          <a:ext cx="0" cy="0"/>
+          <a:chOff x="0" y="0"/>
+          <a:chExt cx="0" cy="0"/>
+        </a:xfrm>
+      </p:grpSpPr>
+      <p:sp>
+        <p:nvSpPr>
+          <p:cNvPr id="35" name="Rectangle 34"/>
+          <p:cNvSpPr/>
+          <p:nvPr/>
+        </p:nvSpPr>
+        <p:spPr>
+          <a:xfrm>
+            <a:off x="1119766" y="1813706"/>
+            <a:ext cx="1969747" cy="833908"/>
+          </a:xfrm>
+          <a:prstGeom prst="rect">
+            <a:avLst/>
+          </a:prstGeom>
+          <a:solidFill>
+            <a:srgbClr val="F39C12"/>
+          </a:solidFill>
+          <a:ln>
+            <a:noFill/>
+          </a:ln>
+        </p:spPr>
+        <p:style>
+          <a:lnRef idx="2">
+            <a:schemeClr val="accent1">
+              <a:shade val="50000"/>
+            </a:schemeClr>
+          </a:lnRef>
+          <a:fillRef idx="1">
+            <a:schemeClr val="accent1"/>
+          </a:fillRef>
+          <a:effectRef idx="0">
+            <a:schemeClr val="accent1"/>
+          </a:effectRef>
+          <a:fontRef idx="minor">
+            <a:schemeClr val="lt1"/>
+          </a:fontRef>
+        </p:style>
+        <p:txBody>
+          <a:bodyPr rot="0" spcFirstLastPara="0" vertOverflow="overflow" horzOverflow="overflow" vert="horz" wrap="square" lIns="91440" tIns="45720" rIns="91440" bIns="45720" numCol="1" spcCol="0" rtlCol="0" fromWordArt="0" anchor="ctr" anchorCtr="0" forceAA="0" compatLnSpc="1">
+            <a:prstTxWarp prst="textNoShape">
+              <a:avLst/>
+            </a:prstTxWarp>
+            <a:noAutofit/>
+          </a:bodyPr>
+          <a:lstStyle/>
+          <a:p>
+            <a:pPr algn="ctr"/>
+            <a:r>
+              <a:rPr lang="en-US" sz="1600" smtClean="0">
+                <a:latin typeface="Arial" charset="0"/>
+                <a:ea typeface="Arial" charset="0"/>
+                <a:cs typeface="Arial" charset="0"/>
+              </a:rPr>
+              <a:t>Raw Smartphone Sensory Data</a:t>
+            </a:r>
+            <a:endParaRPr lang="en-US" sz="1600" dirty="0">
+              <a:latin typeface="Arial" charset="0"/>
+              <a:ea typeface="Arial" charset="0"/>
+              <a:cs typeface="Arial" charset="0"/>
+            </a:endParaRPr>
+          </a:p>
+        </p:txBody>
+      </p:sp>
+      <p:sp>
+        <p:nvSpPr>
+          <p:cNvPr id="36" name="Rectangle 35"/>
+          <p:cNvSpPr/>
+          <p:nvPr/>
+        </p:nvSpPr>
+        <p:spPr>
+          <a:xfrm>
+            <a:off x="1120313" y="2840914"/>
+            <a:ext cx="1969200" cy="831600"/>
+          </a:xfrm>
+          <a:prstGeom prst="rect">
+            <a:avLst/>
+          </a:prstGeom>
+          <a:solidFill>
+            <a:srgbClr val="E67E22"/>
+          </a:solidFill>
+          <a:ln>
+            <a:noFill/>
+          </a:ln>
+        </p:spPr>
+        <p:style>
+          <a:lnRef idx="2">
+            <a:schemeClr val="accent1">
+              <a:shade val="50000"/>
+            </a:schemeClr>
+          </a:lnRef>
+          <a:fillRef idx="1">
+            <a:schemeClr val="accent1"/>
+          </a:fillRef>
+          <a:effectRef idx="0">
+            <a:schemeClr val="accent1"/>
+          </a:effectRef>
+          <a:fontRef idx="minor">
+            <a:schemeClr val="lt1"/>
+          </a:fontRef>
+        </p:style>
+        <p:txBody>
+          <a:bodyPr rot="0" spcFirstLastPara="0" vertOverflow="overflow" horzOverflow="overflow" vert="horz" wrap="square" lIns="91440" tIns="45720" rIns="91440" bIns="45720" numCol="1" spcCol="0" rtlCol="0" fromWordArt="0" anchor="ctr" anchorCtr="0" forceAA="0" compatLnSpc="1">
+            <a:prstTxWarp prst="textNoShape">
+              <a:avLst/>
+            </a:prstTxWarp>
+            <a:noAutofit/>
+          </a:bodyPr>
+          <a:lstStyle/>
+          <a:p>
+            <a:pPr algn="ctr"/>
+            <a:r>
+              <a:rPr lang="en-US" sz="1600" dirty="0" smtClean="0">
+                <a:latin typeface="Arial" charset="0"/>
+                <a:ea typeface="Arial" charset="0"/>
+                <a:cs typeface="Arial" charset="0"/>
+              </a:rPr>
+              <a:t>Raw Smartwatch Sensory Data</a:t>
+            </a:r>
+            <a:endParaRPr lang="en-US" sz="1600" dirty="0">
+              <a:latin typeface="Arial" charset="0"/>
+              <a:ea typeface="Arial" charset="0"/>
+              <a:cs typeface="Arial" charset="0"/>
+            </a:endParaRPr>
+          </a:p>
+        </p:txBody>
+      </p:sp>
+      <p:sp>
+        <p:nvSpPr>
+          <p:cNvPr id="37" name="Rectangle 36"/>
+          <p:cNvSpPr/>
+          <p:nvPr/>
+        </p:nvSpPr>
+        <p:spPr>
+          <a:xfrm>
+            <a:off x="3801358" y="1813706"/>
+            <a:ext cx="2342641" cy="833908"/>
+          </a:xfrm>
+          <a:prstGeom prst="rect">
+            <a:avLst/>
+          </a:prstGeom>
+          <a:solidFill>
+            <a:srgbClr val="3498DB"/>
+          </a:solidFill>
+          <a:ln>
+            <a:noFill/>
+          </a:ln>
+        </p:spPr>
+        <p:style>
+          <a:lnRef idx="2">
+            <a:schemeClr val="accent1">
+              <a:shade val="50000"/>
+            </a:schemeClr>
+          </a:lnRef>
+          <a:fillRef idx="1">
+            <a:schemeClr val="accent1"/>
+          </a:fillRef>
+          <a:effectRef idx="0">
+            <a:schemeClr val="accent1"/>
+          </a:effectRef>
+          <a:fontRef idx="minor">
+            <a:schemeClr val="lt1"/>
+          </a:fontRef>
+        </p:style>
+        <p:txBody>
+          <a:bodyPr rot="0" spcFirstLastPara="0" vertOverflow="overflow" horzOverflow="overflow" vert="horz" wrap="square" lIns="91440" tIns="45720" rIns="91440" bIns="45720" numCol="1" spcCol="0" rtlCol="0" fromWordArt="0" anchor="ctr" anchorCtr="0" forceAA="0" compatLnSpc="1">
+            <a:prstTxWarp prst="textNoShape">
+              <a:avLst/>
+            </a:prstTxWarp>
+            <a:noAutofit/>
+          </a:bodyPr>
+          <a:lstStyle/>
+          <a:p>
+            <a:pPr algn="ctr"/>
+            <a:r>
+              <a:rPr lang="en-US" sz="1600" dirty="0" smtClean="0">
+                <a:latin typeface="Arial" charset="0"/>
+                <a:ea typeface="Arial" charset="0"/>
+                <a:cs typeface="Arial" charset="0"/>
+              </a:rPr>
+              <a:t>Sampled Smartphone Sensory Data</a:t>
+            </a:r>
+            <a:endParaRPr lang="en-US" sz="1600" dirty="0">
+              <a:latin typeface="Arial" charset="0"/>
+              <a:ea typeface="Arial" charset="0"/>
+              <a:cs typeface="Arial" charset="0"/>
+            </a:endParaRPr>
+          </a:p>
+        </p:txBody>
+      </p:sp>
+      <p:sp>
+        <p:nvSpPr>
+          <p:cNvPr id="38" name="Rectangle 37"/>
+          <p:cNvSpPr/>
+          <p:nvPr/>
+        </p:nvSpPr>
+        <p:spPr>
+          <a:xfrm>
+            <a:off x="3801905" y="2840914"/>
+            <a:ext cx="2342094" cy="831600"/>
+          </a:xfrm>
+          <a:prstGeom prst="rect">
+            <a:avLst/>
+          </a:prstGeom>
+          <a:solidFill>
+            <a:srgbClr val="2980B9"/>
+          </a:solidFill>
+          <a:ln>
+            <a:noFill/>
+          </a:ln>
+        </p:spPr>
+        <p:style>
+          <a:lnRef idx="2">
+            <a:schemeClr val="accent1">
+              <a:shade val="50000"/>
+            </a:schemeClr>
+          </a:lnRef>
+          <a:fillRef idx="1">
+            <a:schemeClr val="accent1"/>
+          </a:fillRef>
+          <a:effectRef idx="0">
+            <a:schemeClr val="accent1"/>
+          </a:effectRef>
+          <a:fontRef idx="minor">
+            <a:schemeClr val="lt1"/>
+          </a:fontRef>
+        </p:style>
+        <p:txBody>
+          <a:bodyPr rot="0" spcFirstLastPara="0" vertOverflow="overflow" horzOverflow="overflow" vert="horz" wrap="square" lIns="91440" tIns="45720" rIns="91440" bIns="45720" numCol="1" spcCol="0" rtlCol="0" fromWordArt="0" anchor="ctr" anchorCtr="0" forceAA="0" compatLnSpc="1">
+            <a:prstTxWarp prst="textNoShape">
+              <a:avLst/>
+            </a:prstTxWarp>
+            <a:noAutofit/>
+          </a:bodyPr>
+          <a:lstStyle/>
+          <a:p>
+            <a:pPr algn="ctr"/>
+            <a:r>
+              <a:rPr lang="en-US" sz="1600" dirty="0" smtClean="0">
+                <a:latin typeface="Arial" charset="0"/>
+                <a:ea typeface="Arial" charset="0"/>
+                <a:cs typeface="Arial" charset="0"/>
+              </a:rPr>
+              <a:t>Sampled Smartwatch Sensory Data</a:t>
+            </a:r>
+            <a:endParaRPr lang="en-US" sz="1600" dirty="0">
+              <a:latin typeface="Arial" charset="0"/>
+              <a:ea typeface="Arial" charset="0"/>
+              <a:cs typeface="Arial" charset="0"/>
+            </a:endParaRPr>
+          </a:p>
+        </p:txBody>
+      </p:sp>
+      <p:sp>
+        <p:nvSpPr>
+          <p:cNvPr id="39" name="Rectangle 38"/>
+          <p:cNvSpPr/>
+          <p:nvPr/>
+        </p:nvSpPr>
+        <p:spPr>
+          <a:xfrm>
+            <a:off x="6855297" y="1813706"/>
+            <a:ext cx="2557195" cy="833908"/>
+          </a:xfrm>
+          <a:prstGeom prst="rect">
+            <a:avLst/>
+          </a:prstGeom>
+          <a:solidFill>
+            <a:srgbClr val="A94FD4"/>
+          </a:solidFill>
+          <a:ln>
+            <a:noFill/>
+          </a:ln>
+        </p:spPr>
+        <p:style>
+          <a:lnRef idx="2">
+            <a:schemeClr val="accent1">
+              <a:shade val="50000"/>
+            </a:schemeClr>
+          </a:lnRef>
+          <a:fillRef idx="1">
+            <a:schemeClr val="accent1"/>
+          </a:fillRef>
+          <a:effectRef idx="0">
+            <a:schemeClr val="accent1"/>
+          </a:effectRef>
+          <a:fontRef idx="minor">
+            <a:schemeClr val="lt1"/>
+          </a:fontRef>
+        </p:style>
+        <p:txBody>
+          <a:bodyPr rot="0" spcFirstLastPara="0" vertOverflow="overflow" horzOverflow="overflow" vert="horz" wrap="square" lIns="91440" tIns="45720" rIns="91440" bIns="45720" numCol="1" spcCol="0" rtlCol="0" fromWordArt="0" anchor="ctr" anchorCtr="0" forceAA="0" compatLnSpc="1">
+            <a:prstTxWarp prst="textNoShape">
+              <a:avLst/>
+            </a:prstTxWarp>
+            <a:noAutofit/>
+          </a:bodyPr>
+          <a:lstStyle/>
+          <a:p>
+            <a:pPr algn="ctr"/>
+            <a:r>
+              <a:rPr lang="en-US" sz="1600" smtClean="0">
+                <a:latin typeface="Arial" charset="0"/>
+                <a:ea typeface="Arial" charset="0"/>
+                <a:cs typeface="Arial" charset="0"/>
+              </a:rPr>
+              <a:t>Windowed </a:t>
+            </a:r>
+            <a:r>
+              <a:rPr lang="en-US" sz="1600" smtClean="0">
+                <a:latin typeface="Arial" charset="0"/>
+                <a:ea typeface="Arial" charset="0"/>
+                <a:cs typeface="Arial" charset="0"/>
+              </a:rPr>
+              <a:t>Smartphone </a:t>
+            </a:r>
+            <a:r>
+              <a:rPr lang="en-US" sz="1600" dirty="0" smtClean="0">
+                <a:latin typeface="Arial" charset="0"/>
+                <a:ea typeface="Arial" charset="0"/>
+                <a:cs typeface="Arial" charset="0"/>
+              </a:rPr>
+              <a:t>Sensory Data</a:t>
+            </a:r>
+            <a:endParaRPr lang="en-US" sz="1600" dirty="0">
+              <a:latin typeface="Arial" charset="0"/>
+              <a:ea typeface="Arial" charset="0"/>
+              <a:cs typeface="Arial" charset="0"/>
+            </a:endParaRPr>
+          </a:p>
+        </p:txBody>
+      </p:sp>
+      <p:sp>
+        <p:nvSpPr>
+          <p:cNvPr id="40" name="Rectangle 39"/>
+          <p:cNvSpPr/>
+          <p:nvPr/>
+        </p:nvSpPr>
+        <p:spPr>
+          <a:xfrm>
+            <a:off x="6855844" y="2840914"/>
+            <a:ext cx="2556648" cy="831600"/>
+          </a:xfrm>
+          <a:prstGeom prst="rect">
+            <a:avLst/>
+          </a:prstGeom>
+          <a:solidFill>
+            <a:srgbClr val="8E44AD"/>
+          </a:solidFill>
+          <a:ln>
+            <a:noFill/>
+          </a:ln>
+        </p:spPr>
+        <p:style>
+          <a:lnRef idx="2">
+            <a:schemeClr val="accent1">
+              <a:shade val="50000"/>
+            </a:schemeClr>
+          </a:lnRef>
+          <a:fillRef idx="1">
+            <a:schemeClr val="accent1"/>
+          </a:fillRef>
+          <a:effectRef idx="0">
+            <a:schemeClr val="accent1"/>
+          </a:effectRef>
+          <a:fontRef idx="minor">
+            <a:schemeClr val="lt1"/>
+          </a:fontRef>
+        </p:style>
+        <p:txBody>
+          <a:bodyPr rot="0" spcFirstLastPara="0" vertOverflow="overflow" horzOverflow="overflow" vert="horz" wrap="square" lIns="91440" tIns="45720" rIns="91440" bIns="45720" numCol="1" spcCol="0" rtlCol="0" fromWordArt="0" anchor="ctr" anchorCtr="0" forceAA="0" compatLnSpc="1">
+            <a:prstTxWarp prst="textNoShape">
+              <a:avLst/>
+            </a:prstTxWarp>
+            <a:noAutofit/>
+          </a:bodyPr>
+          <a:lstStyle/>
+          <a:p>
+            <a:pPr algn="ctr"/>
+            <a:r>
+              <a:rPr lang="en-US" sz="1600" dirty="0" smtClean="0">
+                <a:latin typeface="Arial" charset="0"/>
+                <a:ea typeface="Arial" charset="0"/>
+                <a:cs typeface="Arial" charset="0"/>
+              </a:rPr>
+              <a:t>Windowed Smartwatch Sensory Data</a:t>
+            </a:r>
+            <a:endParaRPr lang="en-US" sz="1600" dirty="0">
+              <a:latin typeface="Arial" charset="0"/>
+              <a:ea typeface="Arial" charset="0"/>
+              <a:cs typeface="Arial" charset="0"/>
+            </a:endParaRPr>
+          </a:p>
+        </p:txBody>
+      </p:sp>
+      <p:cxnSp>
+        <p:nvCxnSpPr>
+          <p:cNvPr id="4" name="Straight Arrow Connector 3"/>
+          <p:cNvCxnSpPr>
+            <a:stCxn id="35" idx="3"/>
+            <a:endCxn id="37" idx="1"/>
+          </p:cNvCxnSpPr>
+          <p:nvPr/>
+        </p:nvCxnSpPr>
+        <p:spPr>
+          <a:xfrm>
+            <a:off x="3089513" y="2230660"/>
+            <a:ext cx="711845" cy="0"/>
+          </a:xfrm>
+          <a:prstGeom prst="straightConnector1">
+            <a:avLst/>
+          </a:prstGeom>
+          <a:ln w="19050">
+            <a:solidFill>
+              <a:schemeClr val="tx1"/>
+            </a:solidFill>
+            <a:tailEnd type="triangle"/>
+          </a:ln>
+        </p:spPr>
+        <p:style>
+          <a:lnRef idx="1">
+            <a:schemeClr val="accent1"/>
+          </a:lnRef>
+          <a:fillRef idx="0">
+            <a:schemeClr val="accent1"/>
+          </a:fillRef>
+          <a:effectRef idx="0">
+            <a:schemeClr val="accent1"/>
+          </a:effectRef>
+          <a:fontRef idx="minor">
+            <a:schemeClr val="tx1"/>
+          </a:fontRef>
+        </p:style>
+      </p:cxnSp>
+      <p:cxnSp>
+        <p:nvCxnSpPr>
+          <p:cNvPr id="44" name="Straight Arrow Connector 43"/>
+          <p:cNvCxnSpPr>
+            <a:stCxn id="36" idx="3"/>
+            <a:endCxn id="38" idx="1"/>
+          </p:cNvCxnSpPr>
+          <p:nvPr/>
+        </p:nvCxnSpPr>
+        <p:spPr>
+          <a:xfrm>
+            <a:off x="3089513" y="3256714"/>
+            <a:ext cx="712392" cy="0"/>
+          </a:xfrm>
+          <a:prstGeom prst="straightConnector1">
+            <a:avLst/>
+          </a:prstGeom>
+          <a:ln w="19050">
+            <a:solidFill>
+              <a:schemeClr val="tx1"/>
+            </a:solidFill>
+            <a:tailEnd type="triangle"/>
+          </a:ln>
+        </p:spPr>
+        <p:style>
+          <a:lnRef idx="1">
+            <a:schemeClr val="accent1"/>
+          </a:lnRef>
+          <a:fillRef idx="0">
+            <a:schemeClr val="accent1"/>
+          </a:fillRef>
+          <a:effectRef idx="0">
+            <a:schemeClr val="accent1"/>
+          </a:effectRef>
+          <a:fontRef idx="minor">
+            <a:schemeClr val="tx1"/>
+          </a:fontRef>
+        </p:style>
+      </p:cxnSp>
+      <p:cxnSp>
+        <p:nvCxnSpPr>
+          <p:cNvPr id="46" name="Straight Arrow Connector 45"/>
+          <p:cNvCxnSpPr>
+            <a:stCxn id="38" idx="3"/>
+            <a:endCxn id="40" idx="1"/>
+          </p:cNvCxnSpPr>
+          <p:nvPr/>
+        </p:nvCxnSpPr>
+        <p:spPr>
+          <a:xfrm>
+            <a:off x="6143999" y="3256714"/>
+            <a:ext cx="711845" cy="0"/>
+          </a:xfrm>
+          <a:prstGeom prst="straightConnector1">
+            <a:avLst/>
+          </a:prstGeom>
+          <a:ln w="19050">
+            <a:solidFill>
+              <a:schemeClr val="tx1"/>
+            </a:solidFill>
+            <a:tailEnd type="triangle"/>
+          </a:ln>
+        </p:spPr>
+        <p:style>
+          <a:lnRef idx="1">
+            <a:schemeClr val="accent1"/>
+          </a:lnRef>
+          <a:fillRef idx="0">
+            <a:schemeClr val="accent1"/>
+          </a:fillRef>
+          <a:effectRef idx="0">
+            <a:schemeClr val="accent1"/>
+          </a:effectRef>
+          <a:fontRef idx="minor">
+            <a:schemeClr val="tx1"/>
+          </a:fontRef>
+        </p:style>
+      </p:cxnSp>
+      <p:cxnSp>
+        <p:nvCxnSpPr>
+          <p:cNvPr id="49" name="Straight Arrow Connector 48"/>
+          <p:cNvCxnSpPr>
+            <a:stCxn id="37" idx="3"/>
+            <a:endCxn id="39" idx="1"/>
+          </p:cNvCxnSpPr>
+          <p:nvPr/>
+        </p:nvCxnSpPr>
+        <p:spPr>
+          <a:xfrm>
+            <a:off x="6143999" y="2230660"/>
+            <a:ext cx="711298" cy="0"/>
+          </a:xfrm>
+          <a:prstGeom prst="straightConnector1">
+            <a:avLst/>
+          </a:prstGeom>
+          <a:ln w="19050">
+            <a:solidFill>
+              <a:schemeClr val="tx1"/>
+            </a:solidFill>
+            <a:tailEnd type="triangle"/>
+          </a:ln>
+        </p:spPr>
+        <p:style>
+          <a:lnRef idx="1">
+            <a:schemeClr val="accent1"/>
+          </a:lnRef>
+          <a:fillRef idx="0">
+            <a:schemeClr val="accent1"/>
+          </a:fillRef>
+          <a:effectRef idx="0">
+            <a:schemeClr val="accent1"/>
+          </a:effectRef>
+          <a:fontRef idx="minor">
+            <a:schemeClr val="tx1"/>
+          </a:fontRef>
+        </p:style>
+      </p:cxnSp>
+      <p:cxnSp>
+        <p:nvCxnSpPr>
+          <p:cNvPr id="13" name="Straight Connector 12"/>
+          <p:cNvCxnSpPr/>
+          <p:nvPr/>
+        </p:nvCxnSpPr>
+        <p:spPr>
+          <a:xfrm>
+            <a:off x="3432178" y="1572552"/>
+            <a:ext cx="0" cy="2536723"/>
+          </a:xfrm>
+          <a:prstGeom prst="line">
+            <a:avLst/>
+          </a:prstGeom>
+          <a:ln w="19050">
+            <a:solidFill>
+              <a:srgbClr val="2ECC71"/>
+            </a:solidFill>
+            <a:prstDash val="dash"/>
+          </a:ln>
+        </p:spPr>
+        <p:style>
+          <a:lnRef idx="1">
+            <a:schemeClr val="accent1"/>
+          </a:lnRef>
+          <a:fillRef idx="0">
+            <a:schemeClr val="accent1"/>
+          </a:fillRef>
+          <a:effectRef idx="0">
+            <a:schemeClr val="accent1"/>
+          </a:effectRef>
+          <a:fontRef idx="minor">
+            <a:schemeClr val="tx1"/>
+          </a:fontRef>
+        </p:style>
+      </p:cxnSp>
+      <p:cxnSp>
+        <p:nvCxnSpPr>
+          <p:cNvPr id="54" name="Straight Connector 53"/>
+          <p:cNvCxnSpPr/>
+          <p:nvPr/>
+        </p:nvCxnSpPr>
+        <p:spPr>
+          <a:xfrm>
+            <a:off x="6475261" y="1572552"/>
+            <a:ext cx="0" cy="2536723"/>
+          </a:xfrm>
+          <a:prstGeom prst="line">
+            <a:avLst/>
+          </a:prstGeom>
+          <a:ln w="19050">
+            <a:solidFill>
+              <a:srgbClr val="2ECC71"/>
+            </a:solidFill>
+            <a:prstDash val="dash"/>
+          </a:ln>
+        </p:spPr>
+        <p:style>
+          <a:lnRef idx="1">
+            <a:schemeClr val="accent1"/>
+          </a:lnRef>
+          <a:fillRef idx="0">
+            <a:schemeClr val="accent1"/>
+          </a:fillRef>
+          <a:effectRef idx="0">
+            <a:schemeClr val="accent1"/>
+          </a:effectRef>
+          <a:fontRef idx="minor">
+            <a:schemeClr val="tx1"/>
+          </a:fontRef>
+        </p:style>
+      </p:cxnSp>
+      <p:sp>
+        <p:nvSpPr>
+          <p:cNvPr id="14" name="TextBox 13"/>
+          <p:cNvSpPr txBox="1"/>
+          <p:nvPr/>
+        </p:nvSpPr>
+        <p:spPr>
+          <a:xfrm>
+            <a:off x="2462633" y="4422246"/>
+            <a:ext cx="1965603" cy="400110"/>
+          </a:xfrm>
+          <a:prstGeom prst="rect">
+            <a:avLst/>
+          </a:prstGeom>
+          <a:noFill/>
+        </p:spPr>
+        <p:txBody>
+          <a:bodyPr wrap="none" rtlCol="0">
+            <a:spAutoFit/>
+          </a:bodyPr>
+          <a:lstStyle/>
+          <a:p>
+            <a:r>
+              <a:rPr lang="en-US" sz="2000" b="1" dirty="0" smtClean="0">
+                <a:latin typeface="Arial" charset="0"/>
+                <a:ea typeface="Arial" charset="0"/>
+                <a:cs typeface="Arial" charset="0"/>
+              </a:rPr>
+              <a:t>Data Sampling</a:t>
+            </a:r>
+            <a:endParaRPr lang="en-US" sz="2000" b="1" dirty="0">
+              <a:latin typeface="Arial" charset="0"/>
+              <a:ea typeface="Arial" charset="0"/>
+              <a:cs typeface="Arial" charset="0"/>
+            </a:endParaRPr>
+          </a:p>
+        </p:txBody>
+      </p:sp>
+      <p:sp>
+        <p:nvSpPr>
+          <p:cNvPr id="57" name="TextBox 56"/>
+          <p:cNvSpPr txBox="1"/>
+          <p:nvPr/>
+        </p:nvSpPr>
+        <p:spPr>
+          <a:xfrm>
+            <a:off x="5386886" y="4422246"/>
+            <a:ext cx="2176750" cy="400110"/>
+          </a:xfrm>
+          <a:prstGeom prst="rect">
+            <a:avLst/>
+          </a:prstGeom>
+          <a:noFill/>
+        </p:spPr>
+        <p:txBody>
+          <a:bodyPr wrap="none" rtlCol="0">
+            <a:spAutoFit/>
+          </a:bodyPr>
+          <a:lstStyle/>
+          <a:p>
+            <a:r>
+              <a:rPr lang="en-US" sz="2000" b="1" smtClean="0">
+                <a:latin typeface="Arial" charset="0"/>
+                <a:ea typeface="Arial" charset="0"/>
+                <a:cs typeface="Arial" charset="0"/>
+              </a:rPr>
+              <a:t>Data Windowing</a:t>
+            </a:r>
+            <a:endParaRPr lang="en-US" sz="2000" b="1" dirty="0">
+              <a:latin typeface="Arial" charset="0"/>
+              <a:ea typeface="Arial" charset="0"/>
+              <a:cs typeface="Arial" charset="0"/>
+            </a:endParaRPr>
+          </a:p>
+        </p:txBody>
+      </p:sp>
+      <p:sp>
+        <p:nvSpPr>
+          <p:cNvPr id="61" name="Rectangle 60"/>
+          <p:cNvSpPr/>
+          <p:nvPr/>
+        </p:nvSpPr>
+        <p:spPr>
+          <a:xfrm>
+            <a:off x="10128585" y="1813706"/>
+            <a:ext cx="1783916" cy="833908"/>
+          </a:xfrm>
+          <a:prstGeom prst="rect">
+            <a:avLst/>
+          </a:prstGeom>
+          <a:solidFill>
+            <a:srgbClr val="1ABC9C"/>
+          </a:solidFill>
+          <a:ln>
+            <a:noFill/>
+          </a:ln>
+        </p:spPr>
+        <p:style>
+          <a:lnRef idx="2">
+            <a:schemeClr val="accent1">
+              <a:shade val="50000"/>
+            </a:schemeClr>
+          </a:lnRef>
+          <a:fillRef idx="1">
+            <a:schemeClr val="accent1"/>
+          </a:fillRef>
+          <a:effectRef idx="0">
+            <a:schemeClr val="accent1"/>
+          </a:effectRef>
+          <a:fontRef idx="minor">
+            <a:schemeClr val="lt1"/>
+          </a:fontRef>
+        </p:style>
+        <p:txBody>
+          <a:bodyPr rot="0" spcFirstLastPara="0" vertOverflow="overflow" horzOverflow="overflow" vert="horz" wrap="square" lIns="91440" tIns="45720" rIns="91440" bIns="45720" numCol="1" spcCol="0" rtlCol="0" fromWordArt="0" anchor="ctr" anchorCtr="0" forceAA="0" compatLnSpc="1">
+            <a:prstTxWarp prst="textNoShape">
+              <a:avLst/>
+            </a:prstTxWarp>
+            <a:noAutofit/>
+          </a:bodyPr>
+          <a:lstStyle/>
+          <a:p>
+            <a:pPr algn="ctr"/>
+            <a:r>
+              <a:rPr lang="en-US" sz="1600" dirty="0" smtClean="0">
+                <a:latin typeface="Arial" charset="0"/>
+                <a:ea typeface="Arial" charset="0"/>
+                <a:cs typeface="Arial" charset="0"/>
+              </a:rPr>
+              <a:t>Smartphone Features</a:t>
+            </a:r>
+            <a:endParaRPr lang="en-US" sz="1600" dirty="0">
+              <a:latin typeface="Arial" charset="0"/>
+              <a:ea typeface="Arial" charset="0"/>
+              <a:cs typeface="Arial" charset="0"/>
+            </a:endParaRPr>
+          </a:p>
+        </p:txBody>
+      </p:sp>
+      <p:sp>
+        <p:nvSpPr>
+          <p:cNvPr id="62" name="Rectangle 61"/>
+          <p:cNvSpPr/>
+          <p:nvPr/>
+        </p:nvSpPr>
+        <p:spPr>
+          <a:xfrm>
+            <a:off x="10129131" y="2840914"/>
+            <a:ext cx="1783369" cy="831600"/>
+          </a:xfrm>
+          <a:prstGeom prst="rect">
+            <a:avLst/>
+          </a:prstGeom>
+          <a:solidFill>
+            <a:srgbClr val="16A085"/>
+          </a:solidFill>
+          <a:ln>
+            <a:noFill/>
+          </a:ln>
+        </p:spPr>
+        <p:style>
+          <a:lnRef idx="2">
+            <a:schemeClr val="accent1">
+              <a:shade val="50000"/>
+            </a:schemeClr>
+          </a:lnRef>
+          <a:fillRef idx="1">
+            <a:schemeClr val="accent1"/>
+          </a:fillRef>
+          <a:effectRef idx="0">
+            <a:schemeClr val="accent1"/>
+          </a:effectRef>
+          <a:fontRef idx="minor">
+            <a:schemeClr val="lt1"/>
+          </a:fontRef>
+        </p:style>
+        <p:txBody>
+          <a:bodyPr rot="0" spcFirstLastPara="0" vertOverflow="overflow" horzOverflow="overflow" vert="horz" wrap="square" lIns="91440" tIns="45720" rIns="91440" bIns="45720" numCol="1" spcCol="0" rtlCol="0" fromWordArt="0" anchor="ctr" anchorCtr="0" forceAA="0" compatLnSpc="1">
+            <a:prstTxWarp prst="textNoShape">
+              <a:avLst/>
+            </a:prstTxWarp>
+            <a:noAutofit/>
+          </a:bodyPr>
+          <a:lstStyle/>
+          <a:p>
+            <a:pPr algn="ctr"/>
+            <a:r>
+              <a:rPr lang="en-US" sz="1600" dirty="0" smtClean="0">
+                <a:latin typeface="Arial" charset="0"/>
+                <a:ea typeface="Arial" charset="0"/>
+                <a:cs typeface="Arial" charset="0"/>
+              </a:rPr>
+              <a:t>Smartwatch Features</a:t>
+            </a:r>
+            <a:endParaRPr lang="en-US" sz="1600" dirty="0">
+              <a:latin typeface="Arial" charset="0"/>
+              <a:ea typeface="Arial" charset="0"/>
+              <a:cs typeface="Arial" charset="0"/>
+            </a:endParaRPr>
+          </a:p>
+        </p:txBody>
+      </p:sp>
+      <p:cxnSp>
+        <p:nvCxnSpPr>
+          <p:cNvPr id="63" name="Straight Arrow Connector 62"/>
+          <p:cNvCxnSpPr/>
+          <p:nvPr/>
+        </p:nvCxnSpPr>
+        <p:spPr>
+          <a:xfrm>
+            <a:off x="9417286" y="3256714"/>
+            <a:ext cx="711845" cy="0"/>
+          </a:xfrm>
+          <a:prstGeom prst="straightConnector1">
+            <a:avLst/>
+          </a:prstGeom>
+          <a:ln w="19050">
+            <a:solidFill>
+              <a:schemeClr val="tx1"/>
+            </a:solidFill>
+            <a:tailEnd type="triangle"/>
+          </a:ln>
+        </p:spPr>
+        <p:style>
+          <a:lnRef idx="1">
+            <a:schemeClr val="accent1"/>
+          </a:lnRef>
+          <a:fillRef idx="0">
+            <a:schemeClr val="accent1"/>
+          </a:fillRef>
+          <a:effectRef idx="0">
+            <a:schemeClr val="accent1"/>
+          </a:effectRef>
+          <a:fontRef idx="minor">
+            <a:schemeClr val="tx1"/>
+          </a:fontRef>
+        </p:style>
+      </p:cxnSp>
+      <p:cxnSp>
+        <p:nvCxnSpPr>
+          <p:cNvPr id="65" name="Straight Arrow Connector 64"/>
+          <p:cNvCxnSpPr>
+            <a:stCxn id="39" idx="3"/>
+            <a:endCxn id="61" idx="1"/>
+          </p:cNvCxnSpPr>
+          <p:nvPr/>
+        </p:nvCxnSpPr>
+        <p:spPr>
+          <a:xfrm>
+            <a:off x="9412492" y="2230660"/>
+            <a:ext cx="716093" cy="0"/>
+          </a:xfrm>
+          <a:prstGeom prst="straightConnector1">
+            <a:avLst/>
+          </a:prstGeom>
+          <a:ln w="19050">
+            <a:solidFill>
+              <a:schemeClr val="tx1"/>
+            </a:solidFill>
+            <a:tailEnd type="triangle"/>
+          </a:ln>
+        </p:spPr>
+        <p:style>
+          <a:lnRef idx="1">
+            <a:schemeClr val="accent1"/>
+          </a:lnRef>
+          <a:fillRef idx="0">
+            <a:schemeClr val="accent1"/>
+          </a:fillRef>
+          <a:effectRef idx="0">
+            <a:schemeClr val="accent1"/>
+          </a:effectRef>
+          <a:fontRef idx="minor">
+            <a:schemeClr val="tx1"/>
+          </a:fontRef>
+        </p:style>
+      </p:cxnSp>
+      <p:cxnSp>
+        <p:nvCxnSpPr>
+          <p:cNvPr id="67" name="Straight Connector 66"/>
+          <p:cNvCxnSpPr/>
+          <p:nvPr/>
+        </p:nvCxnSpPr>
+        <p:spPr>
+          <a:xfrm>
+            <a:off x="9748813" y="1572552"/>
+            <a:ext cx="0" cy="2536723"/>
+          </a:xfrm>
+          <a:prstGeom prst="line">
+            <a:avLst/>
+          </a:prstGeom>
+          <a:ln w="19050">
+            <a:solidFill>
+              <a:srgbClr val="2ECC71"/>
+            </a:solidFill>
+            <a:prstDash val="dash"/>
+          </a:ln>
+        </p:spPr>
+        <p:style>
+          <a:lnRef idx="1">
+            <a:schemeClr val="accent1"/>
+          </a:lnRef>
+          <a:fillRef idx="0">
+            <a:schemeClr val="accent1"/>
+          </a:fillRef>
+          <a:effectRef idx="0">
+            <a:schemeClr val="accent1"/>
+          </a:effectRef>
+          <a:fontRef idx="minor">
+            <a:schemeClr val="tx1"/>
+          </a:fontRef>
+        </p:style>
+      </p:cxnSp>
+      <p:sp>
+        <p:nvSpPr>
+          <p:cNvPr id="76" name="TextBox 75"/>
+          <p:cNvSpPr txBox="1"/>
+          <p:nvPr/>
+        </p:nvSpPr>
+        <p:spPr>
+          <a:xfrm>
+            <a:off x="8481563" y="4422246"/>
+            <a:ext cx="2577950" cy="400110"/>
+          </a:xfrm>
+          <a:prstGeom prst="rect">
+            <a:avLst/>
+          </a:prstGeom>
+          <a:noFill/>
+        </p:spPr>
+        <p:txBody>
+          <a:bodyPr wrap="none" rtlCol="0">
+            <a:spAutoFit/>
+          </a:bodyPr>
+          <a:lstStyle/>
+          <a:p>
+            <a:r>
+              <a:rPr lang="en-US" sz="2000" b="1" smtClean="0">
+                <a:latin typeface="Arial" charset="0"/>
+                <a:ea typeface="Arial" charset="0"/>
+                <a:cs typeface="Arial" charset="0"/>
+              </a:rPr>
+              <a:t>Features Extraction</a:t>
+            </a:r>
+            <a:endParaRPr lang="en-US" sz="2000" b="1" dirty="0">
+              <a:latin typeface="Arial" charset="0"/>
+              <a:ea typeface="Arial" charset="0"/>
+              <a:cs typeface="Arial" charset="0"/>
+            </a:endParaRPr>
+          </a:p>
+        </p:txBody>
+      </p:sp>
+      <p:sp>
+        <p:nvSpPr>
+          <p:cNvPr id="90" name="Rectangle 89"/>
+          <p:cNvSpPr/>
+          <p:nvPr/>
+        </p:nvSpPr>
+        <p:spPr>
+          <a:xfrm>
+            <a:off x="12872816" y="2231814"/>
+            <a:ext cx="1783369" cy="1024900"/>
+          </a:xfrm>
+          <a:prstGeom prst="rect">
+            <a:avLst/>
+          </a:prstGeom>
+          <a:solidFill>
+            <a:srgbClr val="E74C3C"/>
+          </a:solidFill>
+          <a:ln>
+            <a:noFill/>
+          </a:ln>
+        </p:spPr>
+        <p:style>
+          <a:lnRef idx="2">
+            <a:schemeClr val="accent1">
+              <a:shade val="50000"/>
+            </a:schemeClr>
+          </a:lnRef>
+          <a:fillRef idx="1">
+            <a:schemeClr val="accent1"/>
+          </a:fillRef>
+          <a:effectRef idx="0">
+            <a:schemeClr val="accent1"/>
+          </a:effectRef>
+          <a:fontRef idx="minor">
+            <a:schemeClr val="lt1"/>
+          </a:fontRef>
+        </p:style>
+        <p:txBody>
+          <a:bodyPr rot="0" spcFirstLastPara="0" vertOverflow="overflow" horzOverflow="overflow" vert="horz" wrap="square" lIns="91440" tIns="45720" rIns="91440" bIns="45720" numCol="1" spcCol="0" rtlCol="0" fromWordArt="0" anchor="ctr" anchorCtr="0" forceAA="0" compatLnSpc="1">
+            <a:prstTxWarp prst="textNoShape">
+              <a:avLst/>
+            </a:prstTxWarp>
+            <a:noAutofit/>
+          </a:bodyPr>
+          <a:lstStyle/>
+          <a:p>
+            <a:pPr algn="ctr"/>
+            <a:r>
+              <a:rPr lang="en-US" sz="1600" dirty="0" smtClean="0">
+                <a:latin typeface="Arial" charset="0"/>
+                <a:ea typeface="Arial" charset="0"/>
+                <a:cs typeface="Arial" charset="0"/>
+              </a:rPr>
+              <a:t>Combined Dataset</a:t>
+            </a:r>
+            <a:endParaRPr lang="en-US" sz="1600" dirty="0">
+              <a:latin typeface="Arial" charset="0"/>
+              <a:ea typeface="Arial" charset="0"/>
+              <a:cs typeface="Arial" charset="0"/>
+            </a:endParaRPr>
+          </a:p>
+        </p:txBody>
+      </p:sp>
+      <p:cxnSp>
+        <p:nvCxnSpPr>
+          <p:cNvPr id="91" name="Straight Arrow Connector 90"/>
+          <p:cNvCxnSpPr>
+            <a:stCxn id="61" idx="3"/>
+            <a:endCxn id="90" idx="1"/>
+          </p:cNvCxnSpPr>
+          <p:nvPr/>
+        </p:nvCxnSpPr>
+        <p:spPr>
+          <a:xfrm>
+            <a:off x="11912501" y="2230660"/>
+            <a:ext cx="960315" cy="513604"/>
+          </a:xfrm>
+          <a:prstGeom prst="straightConnector1">
+            <a:avLst/>
+          </a:prstGeom>
+          <a:ln w="19050">
+            <a:solidFill>
+              <a:schemeClr val="tx1"/>
+            </a:solidFill>
+            <a:tailEnd type="triangle"/>
+          </a:ln>
+        </p:spPr>
+        <p:style>
+          <a:lnRef idx="1">
+            <a:schemeClr val="accent1"/>
+          </a:lnRef>
+          <a:fillRef idx="0">
+            <a:schemeClr val="accent1"/>
+          </a:fillRef>
+          <a:effectRef idx="0">
+            <a:schemeClr val="accent1"/>
+          </a:effectRef>
+          <a:fontRef idx="minor">
+            <a:schemeClr val="tx1"/>
+          </a:fontRef>
+        </p:style>
+      </p:cxnSp>
+      <p:cxnSp>
+        <p:nvCxnSpPr>
+          <p:cNvPr id="92" name="Straight Arrow Connector 91"/>
+          <p:cNvCxnSpPr>
+            <a:stCxn id="62" idx="3"/>
+            <a:endCxn id="90" idx="1"/>
+          </p:cNvCxnSpPr>
+          <p:nvPr/>
+        </p:nvCxnSpPr>
+        <p:spPr>
+          <a:xfrm flipV="1">
+            <a:off x="11912500" y="2744264"/>
+            <a:ext cx="960316" cy="512450"/>
+          </a:xfrm>
+          <a:prstGeom prst="straightConnector1">
+            <a:avLst/>
+          </a:prstGeom>
+          <a:ln w="19050">
+            <a:solidFill>
+              <a:schemeClr val="tx1"/>
+            </a:solidFill>
+            <a:tailEnd type="triangle"/>
+          </a:ln>
+        </p:spPr>
+        <p:style>
+          <a:lnRef idx="1">
+            <a:schemeClr val="accent1"/>
+          </a:lnRef>
+          <a:fillRef idx="0">
+            <a:schemeClr val="accent1"/>
+          </a:fillRef>
+          <a:effectRef idx="0">
+            <a:schemeClr val="accent1"/>
+          </a:effectRef>
+          <a:fontRef idx="minor">
+            <a:schemeClr val="tx1"/>
+          </a:fontRef>
+        </p:style>
+      </p:cxnSp>
+      <p:cxnSp>
+        <p:nvCxnSpPr>
+          <p:cNvPr id="93" name="Straight Connector 92"/>
+          <p:cNvCxnSpPr/>
+          <p:nvPr/>
+        </p:nvCxnSpPr>
+        <p:spPr>
+          <a:xfrm>
+            <a:off x="12392658" y="1572551"/>
+            <a:ext cx="0" cy="2536723"/>
+          </a:xfrm>
+          <a:prstGeom prst="line">
+            <a:avLst/>
+          </a:prstGeom>
+          <a:ln w="19050">
+            <a:solidFill>
+              <a:srgbClr val="2ECC71"/>
+            </a:solidFill>
+            <a:prstDash val="dash"/>
+          </a:ln>
+        </p:spPr>
+        <p:style>
+          <a:lnRef idx="1">
+            <a:schemeClr val="accent1"/>
+          </a:lnRef>
+          <a:fillRef idx="0">
+            <a:schemeClr val="accent1"/>
+          </a:fillRef>
+          <a:effectRef idx="0">
+            <a:schemeClr val="accent1"/>
+          </a:effectRef>
+          <a:fontRef idx="minor">
+            <a:schemeClr val="tx1"/>
+          </a:fontRef>
+        </p:style>
+      </p:cxnSp>
+      <p:sp>
+        <p:nvSpPr>
+          <p:cNvPr id="94" name="TextBox 93"/>
+          <p:cNvSpPr txBox="1"/>
+          <p:nvPr/>
+        </p:nvSpPr>
+        <p:spPr>
+          <a:xfrm>
+            <a:off x="11388216" y="4421669"/>
+            <a:ext cx="2008883" cy="400110"/>
+          </a:xfrm>
+          <a:prstGeom prst="rect">
+            <a:avLst/>
+          </a:prstGeom>
+          <a:noFill/>
+        </p:spPr>
+        <p:txBody>
+          <a:bodyPr wrap="none" rtlCol="0">
+            <a:spAutoFit/>
+          </a:bodyPr>
+          <a:lstStyle/>
+          <a:p>
+            <a:r>
+              <a:rPr lang="en-US" sz="2000" b="1" smtClean="0">
+                <a:latin typeface="Arial" charset="0"/>
+                <a:ea typeface="Arial" charset="0"/>
+                <a:cs typeface="Arial" charset="0"/>
+              </a:rPr>
+              <a:t>Data Combiner</a:t>
+            </a:r>
+            <a:endParaRPr lang="en-US" sz="2000" b="1" dirty="0">
+              <a:latin typeface="Arial" charset="0"/>
+              <a:ea typeface="Arial" charset="0"/>
+              <a:cs typeface="Arial" charset="0"/>
+            </a:endParaRPr>
+          </a:p>
+        </p:txBody>
+      </p:sp>
+    </p:spTree>
+    <p:extLst>
+      <p:ext uri="{BB962C8B-B14F-4D97-AF65-F5344CB8AC3E}">
+        <p14:creationId xmlns:p14="http://schemas.microsoft.com/office/powerpoint/2010/main" val="1490404628"/>
+      </p:ext>
+    </p:extLst>
+  </p:cSld>
+  <p:clrMapOvr>
+    <a:masterClrMapping/>
+  </p:clrMapOvr>
+</p:sld>
+</file>
+
+<file path=ppt/slides/slide5.xml><?xml version="1.0" encoding="utf-8"?>
+<p:sld xmlns:a="http://schemas.openxmlformats.org/drawingml/2006/main" xmlns:r="http://schemas.openxmlformats.org/officeDocument/2006/relationships" xmlns:p="http://schemas.openxmlformats.org/presentationml/2006/main">
+  <p:cSld>
+    <p:spTree>
+      <p:nvGrpSpPr>
+        <p:cNvPr id="1" name=""/>
+        <p:cNvGrpSpPr/>
+        <p:nvPr/>
+      </p:nvGrpSpPr>
+      <p:grpSpPr>
+        <a:xfrm>
+          <a:off x="0" y="0"/>
+          <a:ext cx="0" cy="0"/>
+          <a:chOff x="0" y="0"/>
+          <a:chExt cx="0" cy="0"/>
+        </a:xfrm>
+      </p:grpSpPr>
+      <p:sp>
+        <p:nvSpPr>
+          <p:cNvPr id="8" name="Rectangle 7"/>
+          <p:cNvSpPr/>
+          <p:nvPr/>
+        </p:nvSpPr>
+        <p:spPr>
+          <a:xfrm>
+            <a:off x="2641163" y="1539641"/>
+            <a:ext cx="1755739" cy="628710"/>
+          </a:xfrm>
+          <a:prstGeom prst="rect">
+            <a:avLst/>
+          </a:prstGeom>
+          <a:solidFill>
+            <a:srgbClr val="2ECC71"/>
+          </a:solidFill>
+          <a:ln>
+            <a:noFill/>
+          </a:ln>
+        </p:spPr>
+        <p:style>
+          <a:lnRef idx="2">
+            <a:schemeClr val="accent1">
+              <a:shade val="50000"/>
+            </a:schemeClr>
+          </a:lnRef>
+          <a:fillRef idx="1">
+            <a:schemeClr val="accent1"/>
+          </a:fillRef>
+          <a:effectRef idx="0">
+            <a:schemeClr val="accent1"/>
+          </a:effectRef>
+          <a:fontRef idx="minor">
+            <a:schemeClr val="lt1"/>
+          </a:fontRef>
+        </p:style>
+        <p:txBody>
+          <a:bodyPr rot="0" spcFirstLastPara="0" vertOverflow="overflow" horzOverflow="overflow" vert="horz" wrap="square" lIns="91440" tIns="45720" rIns="91440" bIns="45720" numCol="1" spcCol="0" rtlCol="0" fromWordArt="0" anchor="ctr" anchorCtr="0" forceAA="0" compatLnSpc="1">
+            <a:prstTxWarp prst="textNoShape">
+              <a:avLst/>
+            </a:prstTxWarp>
+            <a:noAutofit/>
+          </a:bodyPr>
+          <a:lstStyle/>
+          <a:p>
+            <a:pPr algn="ctr"/>
+            <a:r>
+              <a:rPr lang="en-US" dirty="0"/>
+              <a:t>1</a:t>
+            </a:r>
+            <a:r>
+              <a:rPr lang="en-US" dirty="0" smtClean="0"/>
+              <a:t> second data</a:t>
+            </a:r>
+            <a:endParaRPr lang="en-US" dirty="0"/>
+          </a:p>
+        </p:txBody>
+      </p:sp>
+      <p:sp>
+        <p:nvSpPr>
+          <p:cNvPr id="9" name="Rectangle 8"/>
+          <p:cNvSpPr/>
+          <p:nvPr/>
+        </p:nvSpPr>
+        <p:spPr>
+          <a:xfrm>
+            <a:off x="4416357" y="1539641"/>
+            <a:ext cx="1755739" cy="628710"/>
+          </a:xfrm>
+          <a:prstGeom prst="rect">
+            <a:avLst/>
+          </a:prstGeom>
+          <a:solidFill>
+            <a:srgbClr val="2ECC71"/>
+          </a:solidFill>
+          <a:ln>
+            <a:noFill/>
+          </a:ln>
+        </p:spPr>
+        <p:style>
+          <a:lnRef idx="2">
+            <a:schemeClr val="accent1">
+              <a:shade val="50000"/>
+            </a:schemeClr>
+          </a:lnRef>
+          <a:fillRef idx="1">
+            <a:schemeClr val="accent1"/>
+          </a:fillRef>
+          <a:effectRef idx="0">
+            <a:schemeClr val="accent1"/>
+          </a:effectRef>
+          <a:fontRef idx="minor">
+            <a:schemeClr val="lt1"/>
+          </a:fontRef>
+        </p:style>
+        <p:txBody>
+          <a:bodyPr rot="0" spcFirstLastPara="0" vertOverflow="overflow" horzOverflow="overflow" vert="horz" wrap="square" lIns="91440" tIns="45720" rIns="91440" bIns="45720" numCol="1" spcCol="0" rtlCol="0" fromWordArt="0" anchor="ctr" anchorCtr="0" forceAA="0" compatLnSpc="1">
+            <a:prstTxWarp prst="textNoShape">
+              <a:avLst/>
+            </a:prstTxWarp>
+            <a:noAutofit/>
+          </a:bodyPr>
+          <a:lstStyle/>
+          <a:p>
+            <a:pPr algn="ctr"/>
+            <a:r>
+              <a:rPr lang="en-US" dirty="0"/>
+              <a:t>1</a:t>
+            </a:r>
+            <a:r>
+              <a:rPr lang="en-US" dirty="0" smtClean="0"/>
+              <a:t> second data</a:t>
+            </a:r>
+            <a:endParaRPr lang="en-US" dirty="0"/>
+          </a:p>
+        </p:txBody>
+      </p:sp>
+      <p:sp>
+        <p:nvSpPr>
+          <p:cNvPr id="10" name="Rectangle 9"/>
+          <p:cNvSpPr/>
+          <p:nvPr/>
+        </p:nvSpPr>
+        <p:spPr>
+          <a:xfrm>
+            <a:off x="6191551" y="1539641"/>
+            <a:ext cx="1755739" cy="628710"/>
+          </a:xfrm>
+          <a:prstGeom prst="rect">
+            <a:avLst/>
+          </a:prstGeom>
+          <a:solidFill>
+            <a:srgbClr val="2ECC71"/>
+          </a:solidFill>
+          <a:ln>
+            <a:noFill/>
+          </a:ln>
+        </p:spPr>
+        <p:style>
+          <a:lnRef idx="2">
+            <a:schemeClr val="accent1">
+              <a:shade val="50000"/>
+            </a:schemeClr>
+          </a:lnRef>
+          <a:fillRef idx="1">
+            <a:schemeClr val="accent1"/>
+          </a:fillRef>
+          <a:effectRef idx="0">
+            <a:schemeClr val="accent1"/>
+          </a:effectRef>
+          <a:fontRef idx="minor">
+            <a:schemeClr val="lt1"/>
+          </a:fontRef>
+        </p:style>
+        <p:txBody>
+          <a:bodyPr rot="0" spcFirstLastPara="0" vertOverflow="overflow" horzOverflow="overflow" vert="horz" wrap="square" lIns="91440" tIns="45720" rIns="91440" bIns="45720" numCol="1" spcCol="0" rtlCol="0" fromWordArt="0" anchor="ctr" anchorCtr="0" forceAA="0" compatLnSpc="1">
+            <a:prstTxWarp prst="textNoShape">
+              <a:avLst/>
+            </a:prstTxWarp>
+            <a:noAutofit/>
+          </a:bodyPr>
+          <a:lstStyle/>
+          <a:p>
+            <a:pPr algn="ctr"/>
+            <a:r>
+              <a:rPr lang="en-US" dirty="0"/>
+              <a:t>1</a:t>
+            </a:r>
+            <a:r>
+              <a:rPr lang="en-US" dirty="0" smtClean="0"/>
+              <a:t> second data</a:t>
+            </a:r>
+            <a:endParaRPr lang="en-US" dirty="0"/>
+          </a:p>
+        </p:txBody>
+      </p:sp>
+      <p:sp>
+        <p:nvSpPr>
+          <p:cNvPr id="11" name="Rectangle 10"/>
+          <p:cNvSpPr/>
+          <p:nvPr/>
+        </p:nvSpPr>
+        <p:spPr>
+          <a:xfrm>
+            <a:off x="7966745" y="1539641"/>
+            <a:ext cx="1755739" cy="628710"/>
+          </a:xfrm>
+          <a:prstGeom prst="rect">
+            <a:avLst/>
+          </a:prstGeom>
+          <a:solidFill>
+            <a:srgbClr val="2ECC71"/>
+          </a:solidFill>
+          <a:ln>
+            <a:noFill/>
+          </a:ln>
+        </p:spPr>
+        <p:style>
+          <a:lnRef idx="2">
+            <a:schemeClr val="accent1">
+              <a:shade val="50000"/>
+            </a:schemeClr>
+          </a:lnRef>
+          <a:fillRef idx="1">
+            <a:schemeClr val="accent1"/>
+          </a:fillRef>
+          <a:effectRef idx="0">
+            <a:schemeClr val="accent1"/>
+          </a:effectRef>
+          <a:fontRef idx="minor">
+            <a:schemeClr val="lt1"/>
+          </a:fontRef>
+        </p:style>
+        <p:txBody>
+          <a:bodyPr rot="0" spcFirstLastPara="0" vertOverflow="overflow" horzOverflow="overflow" vert="horz" wrap="square" lIns="91440" tIns="45720" rIns="91440" bIns="45720" numCol="1" spcCol="0" rtlCol="0" fromWordArt="0" anchor="ctr" anchorCtr="0" forceAA="0" compatLnSpc="1">
+            <a:prstTxWarp prst="textNoShape">
+              <a:avLst/>
+            </a:prstTxWarp>
+            <a:noAutofit/>
+          </a:bodyPr>
+          <a:lstStyle/>
+          <a:p>
+            <a:pPr algn="ctr"/>
+            <a:r>
+              <a:rPr lang="en-US" dirty="0"/>
+              <a:t>1</a:t>
+            </a:r>
+            <a:r>
+              <a:rPr lang="en-US" dirty="0" smtClean="0"/>
+              <a:t> second data</a:t>
+            </a:r>
+            <a:endParaRPr lang="en-US" dirty="0"/>
+          </a:p>
+        </p:txBody>
+      </p:sp>
+      <p:sp>
+        <p:nvSpPr>
+          <p:cNvPr id="12" name="Rectangle 11"/>
+          <p:cNvSpPr/>
+          <p:nvPr/>
+        </p:nvSpPr>
+        <p:spPr>
+          <a:xfrm>
+            <a:off x="9741939" y="1539641"/>
+            <a:ext cx="1755739" cy="628710"/>
+          </a:xfrm>
+          <a:prstGeom prst="rect">
+            <a:avLst/>
+          </a:prstGeom>
+          <a:solidFill>
+            <a:srgbClr val="2ECC71"/>
+          </a:solidFill>
+          <a:ln>
+            <a:noFill/>
+          </a:ln>
+        </p:spPr>
+        <p:style>
+          <a:lnRef idx="2">
+            <a:schemeClr val="accent1">
+              <a:shade val="50000"/>
+            </a:schemeClr>
+          </a:lnRef>
+          <a:fillRef idx="1">
+            <a:schemeClr val="accent1"/>
+          </a:fillRef>
+          <a:effectRef idx="0">
+            <a:schemeClr val="accent1"/>
+          </a:effectRef>
+          <a:fontRef idx="minor">
+            <a:schemeClr val="lt1"/>
+          </a:fontRef>
+        </p:style>
+        <p:txBody>
+          <a:bodyPr rot="0" spcFirstLastPara="0" vertOverflow="overflow" horzOverflow="overflow" vert="horz" wrap="square" lIns="91440" tIns="45720" rIns="91440" bIns="45720" numCol="1" spcCol="0" rtlCol="0" fromWordArt="0" anchor="ctr" anchorCtr="0" forceAA="0" compatLnSpc="1">
+            <a:prstTxWarp prst="textNoShape">
+              <a:avLst/>
+            </a:prstTxWarp>
+            <a:noAutofit/>
+          </a:bodyPr>
+          <a:lstStyle/>
+          <a:p>
+            <a:pPr algn="ctr"/>
+            <a:r>
+              <a:rPr lang="en-US" dirty="0"/>
+              <a:t>1</a:t>
+            </a:r>
+            <a:r>
+              <a:rPr lang="en-US" dirty="0" smtClean="0"/>
+              <a:t> second data</a:t>
+            </a:r>
+            <a:endParaRPr lang="en-US" dirty="0"/>
+          </a:p>
+        </p:txBody>
+      </p:sp>
+      <p:sp>
+        <p:nvSpPr>
+          <p:cNvPr id="13" name="Rectangle 12"/>
+          <p:cNvSpPr/>
+          <p:nvPr/>
+        </p:nvSpPr>
+        <p:spPr>
+          <a:xfrm>
+            <a:off x="11517133" y="1539641"/>
+            <a:ext cx="1755739" cy="628710"/>
+          </a:xfrm>
+          <a:prstGeom prst="rect">
+            <a:avLst/>
+          </a:prstGeom>
+          <a:solidFill>
+            <a:srgbClr val="2ECC71"/>
+          </a:solidFill>
+          <a:ln>
+            <a:noFill/>
+          </a:ln>
+        </p:spPr>
+        <p:style>
+          <a:lnRef idx="2">
+            <a:schemeClr val="accent1">
+              <a:shade val="50000"/>
+            </a:schemeClr>
+          </a:lnRef>
+          <a:fillRef idx="1">
+            <a:schemeClr val="accent1"/>
+          </a:fillRef>
+          <a:effectRef idx="0">
+            <a:schemeClr val="accent1"/>
+          </a:effectRef>
+          <a:fontRef idx="minor">
+            <a:schemeClr val="lt1"/>
+          </a:fontRef>
+        </p:style>
+        <p:txBody>
+          <a:bodyPr rot="0" spcFirstLastPara="0" vertOverflow="overflow" horzOverflow="overflow" vert="horz" wrap="square" lIns="91440" tIns="45720" rIns="91440" bIns="45720" numCol="1" spcCol="0" rtlCol="0" fromWordArt="0" anchor="ctr" anchorCtr="0" forceAA="0" compatLnSpc="1">
+            <a:prstTxWarp prst="textNoShape">
+              <a:avLst/>
+            </a:prstTxWarp>
+            <a:noAutofit/>
+          </a:bodyPr>
+          <a:lstStyle/>
+          <a:p>
+            <a:pPr algn="ctr"/>
+            <a:r>
+              <a:rPr lang="en-US" dirty="0"/>
+              <a:t>1</a:t>
+            </a:r>
+            <a:r>
+              <a:rPr lang="en-US" dirty="0" smtClean="0"/>
+              <a:t> second data</a:t>
+            </a:r>
+            <a:endParaRPr lang="en-US" dirty="0"/>
+          </a:p>
+        </p:txBody>
+      </p:sp>
+      <p:sp>
+        <p:nvSpPr>
+          <p:cNvPr id="14" name="Right Brace 13"/>
+          <p:cNvSpPr/>
+          <p:nvPr/>
+        </p:nvSpPr>
+        <p:spPr>
+          <a:xfrm rot="5400000">
+            <a:off x="4247312" y="662777"/>
+            <a:ext cx="318635" cy="3530935"/>
+          </a:xfrm>
+          <a:prstGeom prst="rightBrace">
+            <a:avLst/>
+          </a:prstGeom>
+          <a:ln w="12700">
+            <a:solidFill>
+              <a:schemeClr val="tx1"/>
+            </a:solidFill>
+          </a:ln>
+        </p:spPr>
+        <p:style>
+          <a:lnRef idx="1">
+            <a:schemeClr val="accent1"/>
+          </a:lnRef>
+          <a:fillRef idx="0">
+            <a:schemeClr val="accent1"/>
+          </a:fillRef>
+          <a:effectRef idx="0">
+            <a:schemeClr val="accent1"/>
+          </a:effectRef>
+          <a:fontRef idx="minor">
+            <a:schemeClr val="tx1"/>
+          </a:fontRef>
+        </p:style>
+        <p:txBody>
+          <a:bodyPr rtlCol="0" anchor="ctr"/>
+          <a:lstStyle/>
+          <a:p>
+            <a:pPr algn="ctr"/>
+            <a:endParaRPr lang="en-US"/>
+          </a:p>
+        </p:txBody>
+      </p:sp>
+      <p:sp>
+        <p:nvSpPr>
+          <p:cNvPr id="15" name="Right Brace 14"/>
+          <p:cNvSpPr/>
+          <p:nvPr/>
+        </p:nvSpPr>
+        <p:spPr>
+          <a:xfrm rot="5400000">
+            <a:off x="7778246" y="662776"/>
+            <a:ext cx="318635" cy="3530935"/>
+          </a:xfrm>
+          <a:prstGeom prst="rightBrace">
+            <a:avLst/>
+          </a:prstGeom>
+          <a:ln w="12700">
+            <a:solidFill>
+              <a:schemeClr val="tx1"/>
+            </a:solidFill>
+          </a:ln>
+        </p:spPr>
+        <p:style>
+          <a:lnRef idx="1">
+            <a:schemeClr val="accent1"/>
+          </a:lnRef>
+          <a:fillRef idx="0">
+            <a:schemeClr val="accent1"/>
+          </a:fillRef>
+          <a:effectRef idx="0">
+            <a:schemeClr val="accent1"/>
+          </a:effectRef>
+          <a:fontRef idx="minor">
+            <a:schemeClr val="tx1"/>
+          </a:fontRef>
+        </p:style>
+        <p:txBody>
+          <a:bodyPr rtlCol="0" anchor="ctr"/>
+          <a:lstStyle/>
+          <a:p>
+            <a:pPr algn="ctr"/>
+            <a:endParaRPr lang="en-US"/>
+          </a:p>
+        </p:txBody>
+      </p:sp>
+      <p:sp>
+        <p:nvSpPr>
+          <p:cNvPr id="16" name="Right Brace 15"/>
+          <p:cNvSpPr/>
+          <p:nvPr/>
+        </p:nvSpPr>
+        <p:spPr>
+          <a:xfrm rot="5400000">
+            <a:off x="11309181" y="662776"/>
+            <a:ext cx="318635" cy="3530935"/>
+          </a:xfrm>
+          <a:prstGeom prst="rightBrace">
+            <a:avLst/>
+          </a:prstGeom>
+          <a:ln w="12700">
+            <a:solidFill>
+              <a:schemeClr val="tx1"/>
+            </a:solidFill>
+          </a:ln>
+        </p:spPr>
+        <p:style>
+          <a:lnRef idx="1">
+            <a:schemeClr val="accent1"/>
+          </a:lnRef>
+          <a:fillRef idx="0">
+            <a:schemeClr val="accent1"/>
+          </a:fillRef>
+          <a:effectRef idx="0">
+            <a:schemeClr val="accent1"/>
+          </a:effectRef>
+          <a:fontRef idx="minor">
+            <a:schemeClr val="tx1"/>
+          </a:fontRef>
+        </p:style>
+        <p:txBody>
+          <a:bodyPr rtlCol="0" anchor="ctr"/>
+          <a:lstStyle/>
+          <a:p>
+            <a:pPr algn="ctr"/>
+            <a:endParaRPr lang="en-US"/>
+          </a:p>
+        </p:txBody>
+      </p:sp>
+      <p:sp>
+        <p:nvSpPr>
+          <p:cNvPr id="17" name="Right Brace 16"/>
+          <p:cNvSpPr/>
+          <p:nvPr/>
+        </p:nvSpPr>
+        <p:spPr>
+          <a:xfrm rot="16200000">
+            <a:off x="6012779" y="-485720"/>
+            <a:ext cx="318635" cy="3530935"/>
+          </a:xfrm>
+          <a:prstGeom prst="rightBrace">
+            <a:avLst/>
+          </a:prstGeom>
+          <a:ln w="12700">
+            <a:solidFill>
+              <a:schemeClr val="tx1"/>
+            </a:solidFill>
+          </a:ln>
+        </p:spPr>
+        <p:style>
+          <a:lnRef idx="1">
+            <a:schemeClr val="accent1"/>
+          </a:lnRef>
+          <a:fillRef idx="0">
+            <a:schemeClr val="accent1"/>
+          </a:fillRef>
+          <a:effectRef idx="0">
+            <a:schemeClr val="accent1"/>
+          </a:effectRef>
+          <a:fontRef idx="minor">
+            <a:schemeClr val="tx1"/>
+          </a:fontRef>
+        </p:style>
+        <p:txBody>
+          <a:bodyPr rtlCol="0" anchor="ctr"/>
+          <a:lstStyle/>
+          <a:p>
+            <a:pPr algn="ctr"/>
+            <a:endParaRPr lang="en-US"/>
+          </a:p>
+        </p:txBody>
+      </p:sp>
+      <p:sp>
+        <p:nvSpPr>
+          <p:cNvPr id="18" name="Right Brace 17"/>
+          <p:cNvSpPr/>
+          <p:nvPr/>
+        </p:nvSpPr>
+        <p:spPr>
+          <a:xfrm rot="16200000">
+            <a:off x="9543713" y="-485720"/>
+            <a:ext cx="318635" cy="3530935"/>
+          </a:xfrm>
+          <a:prstGeom prst="rightBrace">
+            <a:avLst/>
+          </a:prstGeom>
+          <a:ln w="12700">
+            <a:solidFill>
+              <a:schemeClr val="tx1"/>
+            </a:solidFill>
+          </a:ln>
+        </p:spPr>
+        <p:style>
+          <a:lnRef idx="1">
+            <a:schemeClr val="accent1"/>
+          </a:lnRef>
+          <a:fillRef idx="0">
+            <a:schemeClr val="accent1"/>
+          </a:fillRef>
+          <a:effectRef idx="0">
+            <a:schemeClr val="accent1"/>
+          </a:effectRef>
+          <a:fontRef idx="minor">
+            <a:schemeClr val="tx1"/>
+          </a:fontRef>
+        </p:style>
+        <p:txBody>
+          <a:bodyPr rtlCol="0" anchor="ctr"/>
+          <a:lstStyle/>
+          <a:p>
+            <a:pPr algn="ctr"/>
+            <a:endParaRPr lang="en-US"/>
+          </a:p>
+        </p:txBody>
+      </p:sp>
+      <p:sp>
+        <p:nvSpPr>
+          <p:cNvPr id="19" name="TextBox 18"/>
+          <p:cNvSpPr txBox="1"/>
+          <p:nvPr/>
+        </p:nvSpPr>
+        <p:spPr>
+          <a:xfrm>
+            <a:off x="13365807" y="1497430"/>
+            <a:ext cx="486384" cy="523220"/>
+          </a:xfrm>
+          <a:prstGeom prst="rect">
+            <a:avLst/>
+          </a:prstGeom>
+          <a:noFill/>
+        </p:spPr>
+        <p:txBody>
+          <a:bodyPr wrap="square" rtlCol="0">
+            <a:spAutoFit/>
+          </a:bodyPr>
+          <a:lstStyle/>
+          <a:p>
+            <a:r>
+              <a:rPr lang="en-US" sz="2800" b="1" dirty="0" smtClean="0">
+                <a:latin typeface="Arial" charset="0"/>
+                <a:ea typeface="Arial" charset="0"/>
+                <a:cs typeface="Arial" charset="0"/>
+              </a:rPr>
+              <a:t>...</a:t>
+            </a:r>
+            <a:endParaRPr lang="en-US" sz="2800" b="1" dirty="0">
+              <a:latin typeface="Arial" charset="0"/>
+              <a:ea typeface="Arial" charset="0"/>
+              <a:cs typeface="Arial" charset="0"/>
+            </a:endParaRPr>
+          </a:p>
+        </p:txBody>
+      </p:sp>
+      <p:sp>
+        <p:nvSpPr>
+          <p:cNvPr id="20" name="TextBox 19"/>
+          <p:cNvSpPr txBox="1"/>
+          <p:nvPr/>
+        </p:nvSpPr>
+        <p:spPr>
+          <a:xfrm>
+            <a:off x="2062272" y="1497430"/>
+            <a:ext cx="486384" cy="523220"/>
+          </a:xfrm>
+          <a:prstGeom prst="rect">
+            <a:avLst/>
+          </a:prstGeom>
+          <a:noFill/>
+        </p:spPr>
+        <p:txBody>
+          <a:bodyPr wrap="square" rtlCol="0">
+            <a:spAutoFit/>
+          </a:bodyPr>
+          <a:lstStyle/>
+          <a:p>
+            <a:r>
+              <a:rPr lang="en-US" sz="2800" b="1" dirty="0" smtClean="0">
+                <a:latin typeface="Arial" charset="0"/>
+                <a:ea typeface="Arial" charset="0"/>
+                <a:cs typeface="Arial" charset="0"/>
+              </a:rPr>
+              <a:t>...</a:t>
+            </a:r>
+            <a:endParaRPr lang="en-US" sz="2800" b="1" dirty="0">
+              <a:latin typeface="Arial" charset="0"/>
+              <a:ea typeface="Arial" charset="0"/>
+              <a:cs typeface="Arial" charset="0"/>
+            </a:endParaRPr>
+          </a:p>
+        </p:txBody>
+      </p:sp>
+      <p:sp>
+        <p:nvSpPr>
+          <p:cNvPr id="24" name="TextBox 23"/>
+          <p:cNvSpPr txBox="1"/>
+          <p:nvPr/>
+        </p:nvSpPr>
+        <p:spPr>
+          <a:xfrm>
+            <a:off x="3869990" y="2688138"/>
+            <a:ext cx="1170554" cy="400110"/>
+          </a:xfrm>
+          <a:prstGeom prst="rect">
+            <a:avLst/>
+          </a:prstGeom>
+          <a:noFill/>
+        </p:spPr>
+        <p:txBody>
+          <a:bodyPr wrap="square" rtlCol="0">
+            <a:spAutoFit/>
+          </a:bodyPr>
+          <a:lstStyle/>
+          <a:p>
+            <a:r>
+              <a:rPr lang="en-US" sz="2000" b="1" dirty="0" smtClean="0">
+                <a:latin typeface="Arial" charset="0"/>
+                <a:ea typeface="Arial" charset="0"/>
+                <a:cs typeface="Arial" charset="0"/>
+              </a:rPr>
+              <a:t>Frame 1</a:t>
+            </a:r>
+            <a:endParaRPr lang="en-US" sz="2000" b="1" dirty="0">
+              <a:latin typeface="Arial" charset="0"/>
+              <a:ea typeface="Arial" charset="0"/>
+              <a:cs typeface="Arial" charset="0"/>
+            </a:endParaRPr>
+          </a:p>
+        </p:txBody>
+      </p:sp>
+      <p:sp>
+        <p:nvSpPr>
+          <p:cNvPr id="25" name="TextBox 24"/>
+          <p:cNvSpPr txBox="1"/>
+          <p:nvPr/>
+        </p:nvSpPr>
+        <p:spPr>
+          <a:xfrm>
+            <a:off x="5586819" y="619743"/>
+            <a:ext cx="1170554" cy="400110"/>
+          </a:xfrm>
+          <a:prstGeom prst="rect">
+            <a:avLst/>
+          </a:prstGeom>
+          <a:noFill/>
+        </p:spPr>
+        <p:txBody>
+          <a:bodyPr wrap="square" rtlCol="0">
+            <a:spAutoFit/>
+          </a:bodyPr>
+          <a:lstStyle/>
+          <a:p>
+            <a:r>
+              <a:rPr lang="en-US" sz="2000" b="1" dirty="0" smtClean="0">
+                <a:latin typeface="Arial" charset="0"/>
+                <a:ea typeface="Arial" charset="0"/>
+                <a:cs typeface="Arial" charset="0"/>
+              </a:rPr>
+              <a:t>Frame 2</a:t>
+            </a:r>
+            <a:endParaRPr lang="en-US" sz="2000" b="1" dirty="0">
+              <a:latin typeface="Arial" charset="0"/>
+              <a:ea typeface="Arial" charset="0"/>
+              <a:cs typeface="Arial" charset="0"/>
+            </a:endParaRPr>
+          </a:p>
+        </p:txBody>
+      </p:sp>
+      <p:sp>
+        <p:nvSpPr>
+          <p:cNvPr id="26" name="TextBox 25"/>
+          <p:cNvSpPr txBox="1"/>
+          <p:nvPr/>
+        </p:nvSpPr>
+        <p:spPr>
+          <a:xfrm>
+            <a:off x="7352286" y="2682988"/>
+            <a:ext cx="1170554" cy="400110"/>
+          </a:xfrm>
+          <a:prstGeom prst="rect">
+            <a:avLst/>
+          </a:prstGeom>
+          <a:noFill/>
+        </p:spPr>
+        <p:txBody>
+          <a:bodyPr wrap="square" rtlCol="0">
+            <a:spAutoFit/>
+          </a:bodyPr>
+          <a:lstStyle/>
+          <a:p>
+            <a:r>
+              <a:rPr lang="en-US" sz="2000" b="1" dirty="0" smtClean="0">
+                <a:latin typeface="Arial" charset="0"/>
+                <a:ea typeface="Arial" charset="0"/>
+                <a:cs typeface="Arial" charset="0"/>
+              </a:rPr>
+              <a:t>Frame 3</a:t>
+            </a:r>
+            <a:endParaRPr lang="en-US" sz="2000" b="1" dirty="0">
+              <a:latin typeface="Arial" charset="0"/>
+              <a:ea typeface="Arial" charset="0"/>
+              <a:cs typeface="Arial" charset="0"/>
+            </a:endParaRPr>
+          </a:p>
+        </p:txBody>
+      </p:sp>
+      <p:sp>
+        <p:nvSpPr>
+          <p:cNvPr id="27" name="TextBox 26"/>
+          <p:cNvSpPr txBox="1"/>
+          <p:nvPr/>
+        </p:nvSpPr>
+        <p:spPr>
+          <a:xfrm>
+            <a:off x="9117753" y="619743"/>
+            <a:ext cx="1170554" cy="400110"/>
+          </a:xfrm>
+          <a:prstGeom prst="rect">
+            <a:avLst/>
+          </a:prstGeom>
+          <a:noFill/>
+        </p:spPr>
+        <p:txBody>
+          <a:bodyPr wrap="square" rtlCol="0">
+            <a:spAutoFit/>
+          </a:bodyPr>
+          <a:lstStyle/>
+          <a:p>
+            <a:r>
+              <a:rPr lang="en-US" sz="2000" b="1" smtClean="0">
+                <a:latin typeface="Arial" charset="0"/>
+                <a:ea typeface="Arial" charset="0"/>
+                <a:cs typeface="Arial" charset="0"/>
+              </a:rPr>
+              <a:t>Frame 4</a:t>
+            </a:r>
+            <a:endParaRPr lang="en-US" sz="2000" b="1" dirty="0">
+              <a:latin typeface="Arial" charset="0"/>
+              <a:ea typeface="Arial" charset="0"/>
+              <a:cs typeface="Arial" charset="0"/>
+            </a:endParaRPr>
+          </a:p>
+        </p:txBody>
+      </p:sp>
+      <p:sp>
+        <p:nvSpPr>
+          <p:cNvPr id="28" name="TextBox 27"/>
+          <p:cNvSpPr txBox="1"/>
+          <p:nvPr/>
+        </p:nvSpPr>
+        <p:spPr>
+          <a:xfrm>
+            <a:off x="10883221" y="2682988"/>
+            <a:ext cx="1170554" cy="400110"/>
+          </a:xfrm>
+          <a:prstGeom prst="rect">
+            <a:avLst/>
+          </a:prstGeom>
+          <a:noFill/>
+        </p:spPr>
+        <p:txBody>
+          <a:bodyPr wrap="square" rtlCol="0">
+            <a:spAutoFit/>
+          </a:bodyPr>
+          <a:lstStyle/>
+          <a:p>
+            <a:r>
+              <a:rPr lang="en-US" sz="2000" b="1" smtClean="0">
+                <a:latin typeface="Arial" charset="0"/>
+                <a:ea typeface="Arial" charset="0"/>
+                <a:cs typeface="Arial" charset="0"/>
+              </a:rPr>
+              <a:t>Frame 5</a:t>
+            </a:r>
+            <a:endParaRPr lang="en-US" sz="2000" b="1" dirty="0">
+              <a:latin typeface="Arial" charset="0"/>
+              <a:ea typeface="Arial" charset="0"/>
+              <a:cs typeface="Arial" charset="0"/>
+            </a:endParaRPr>
+          </a:p>
+        </p:txBody>
+      </p:sp>
+    </p:spTree>
+    <p:extLst>
+      <p:ext uri="{BB962C8B-B14F-4D97-AF65-F5344CB8AC3E}">
+        <p14:creationId xmlns:p14="http://schemas.microsoft.com/office/powerpoint/2010/main" val="958554794"/>
+      </p:ext>
+    </p:extLst>
+  </p:cSld>
+  <p:clrMapOvr>
+    <a:masterClrMapping/>
+  </p:clrMapOvr>
+</p:sld>
+</file>
+
+<file path=ppt/slides/slide6.xml><?xml version="1.0" encoding="utf-8"?>
+<p:sld xmlns:a="http://schemas.openxmlformats.org/drawingml/2006/main" xmlns:r="http://schemas.openxmlformats.org/officeDocument/2006/relationships" xmlns:p="http://schemas.openxmlformats.org/presentationml/2006/main">
+  <p:cSld>
+    <p:spTree>
+      <p:nvGrpSpPr>
+        <p:cNvPr id="1" name=""/>
+        <p:cNvGrpSpPr/>
+        <p:nvPr/>
+      </p:nvGrpSpPr>
+      <p:grpSpPr>
+        <a:xfrm>
+          <a:off x="0" y="0"/>
+          <a:ext cx="0" cy="0"/>
+          <a:chOff x="0" y="0"/>
+          <a:chExt cx="0" cy="0"/>
+        </a:xfrm>
+      </p:grpSpPr>
+      <p:cxnSp>
+        <p:nvCxnSpPr>
+          <p:cNvPr id="3" name="Straight Connector 2"/>
+          <p:cNvCxnSpPr/>
+          <p:nvPr/>
+        </p:nvCxnSpPr>
+        <p:spPr>
+          <a:xfrm>
+            <a:off x="3816626" y="1749287"/>
+            <a:ext cx="8368748" cy="0"/>
+          </a:xfrm>
+          <a:prstGeom prst="line">
+            <a:avLst/>
+          </a:prstGeom>
+          <a:ln w="38100">
+            <a:solidFill>
+              <a:srgbClr val="E74C3C"/>
+            </a:solidFill>
+          </a:ln>
+        </p:spPr>
+        <p:style>
+          <a:lnRef idx="1">
+            <a:schemeClr val="accent1"/>
+          </a:lnRef>
+          <a:fillRef idx="0">
+            <a:schemeClr val="accent1"/>
+          </a:fillRef>
+          <a:effectRef idx="0">
+            <a:schemeClr val="accent1"/>
+          </a:effectRef>
+          <a:fontRef idx="minor">
+            <a:schemeClr val="tx1"/>
+          </a:fontRef>
+        </p:style>
+      </p:cxnSp>
+      <p:cxnSp>
+        <p:nvCxnSpPr>
+          <p:cNvPr id="22" name="Straight Connector 21"/>
+          <p:cNvCxnSpPr/>
+          <p:nvPr/>
+        </p:nvCxnSpPr>
+        <p:spPr>
+          <a:xfrm>
+            <a:off x="3816626" y="2696344"/>
+            <a:ext cx="8368748" cy="0"/>
+          </a:xfrm>
+          <a:prstGeom prst="line">
+            <a:avLst/>
+          </a:prstGeom>
+          <a:ln w="38100">
+            <a:solidFill>
+              <a:srgbClr val="E67E22"/>
+            </a:solidFill>
+          </a:ln>
+        </p:spPr>
+        <p:style>
+          <a:lnRef idx="1">
+            <a:schemeClr val="accent1"/>
+          </a:lnRef>
+          <a:fillRef idx="0">
+            <a:schemeClr val="accent1"/>
+          </a:fillRef>
+          <a:effectRef idx="0">
+            <a:schemeClr val="accent1"/>
+          </a:effectRef>
+          <a:fontRef idx="minor">
+            <a:schemeClr val="tx1"/>
+          </a:fontRef>
+        </p:style>
+      </p:cxnSp>
+      <p:sp>
+        <p:nvSpPr>
+          <p:cNvPr id="23" name="TextBox 22"/>
+          <p:cNvSpPr txBox="1"/>
+          <p:nvPr/>
+        </p:nvSpPr>
+        <p:spPr>
+          <a:xfrm>
+            <a:off x="2368532" y="1573964"/>
+            <a:ext cx="1300724" cy="369332"/>
+          </a:xfrm>
+          <a:prstGeom prst="rect">
+            <a:avLst/>
+          </a:prstGeom>
+          <a:noFill/>
+        </p:spPr>
+        <p:txBody>
+          <a:bodyPr wrap="square" rtlCol="0">
+            <a:spAutoFit/>
+          </a:bodyPr>
+          <a:lstStyle/>
+          <a:p>
+            <a:r>
+              <a:rPr lang="en-US" b="1" dirty="0" smtClean="0">
+                <a:latin typeface="Arial" charset="0"/>
+                <a:ea typeface="Arial" charset="0"/>
+                <a:cs typeface="Arial" charset="0"/>
+              </a:rPr>
+              <a:t>Raw Data</a:t>
+            </a:r>
+            <a:endParaRPr lang="en-US" b="1" dirty="0">
+              <a:latin typeface="Arial" charset="0"/>
+              <a:ea typeface="Arial" charset="0"/>
+              <a:cs typeface="Arial" charset="0"/>
+            </a:endParaRPr>
+          </a:p>
+        </p:txBody>
+      </p:sp>
+      <p:sp>
+        <p:nvSpPr>
+          <p:cNvPr id="29" name="TextBox 28"/>
+          <p:cNvSpPr txBox="1"/>
+          <p:nvPr/>
+        </p:nvSpPr>
+        <p:spPr>
+          <a:xfrm>
+            <a:off x="1907072" y="2511678"/>
+            <a:ext cx="1762184" cy="369332"/>
+          </a:xfrm>
+          <a:prstGeom prst="rect">
+            <a:avLst/>
+          </a:prstGeom>
+          <a:noFill/>
+        </p:spPr>
+        <p:txBody>
+          <a:bodyPr wrap="square" rtlCol="0">
+            <a:spAutoFit/>
+          </a:bodyPr>
+          <a:lstStyle/>
+          <a:p>
+            <a:r>
+              <a:rPr lang="en-US" b="1" dirty="0" smtClean="0">
+                <a:latin typeface="Arial" charset="0"/>
+                <a:ea typeface="Arial" charset="0"/>
+                <a:cs typeface="Arial" charset="0"/>
+              </a:rPr>
+              <a:t>Sampled Data</a:t>
+            </a:r>
+            <a:endParaRPr lang="en-US" b="1" dirty="0">
+              <a:latin typeface="Arial" charset="0"/>
+              <a:ea typeface="Arial" charset="0"/>
+              <a:cs typeface="Arial" charset="0"/>
+            </a:endParaRPr>
+          </a:p>
+        </p:txBody>
+      </p:sp>
+      <p:sp>
+        <p:nvSpPr>
+          <p:cNvPr id="4" name="Oval 3"/>
+          <p:cNvSpPr/>
+          <p:nvPr/>
+        </p:nvSpPr>
+        <p:spPr>
+          <a:xfrm>
+            <a:off x="3669256" y="1568922"/>
+            <a:ext cx="374374" cy="374374"/>
+          </a:xfrm>
+          <a:prstGeom prst="ellipse">
+            <a:avLst/>
+          </a:prstGeom>
+          <a:solidFill>
+            <a:srgbClr val="E74C3C"/>
+          </a:solidFill>
+          <a:ln>
+            <a:noFill/>
+          </a:ln>
+        </p:spPr>
+        <p:style>
+          <a:lnRef idx="2">
+            <a:schemeClr val="accent1">
+              <a:shade val="50000"/>
+            </a:schemeClr>
+          </a:lnRef>
+          <a:fillRef idx="1">
+            <a:schemeClr val="accent1"/>
+          </a:fillRef>
+          <a:effectRef idx="0">
+            <a:schemeClr val="accent1"/>
+          </a:effectRef>
+          <a:fontRef idx="minor">
+            <a:schemeClr val="lt1"/>
+          </a:fontRef>
+        </p:style>
+        <p:txBody>
+          <a:bodyPr rtlCol="0" anchor="ctr"/>
+          <a:lstStyle/>
+          <a:p>
+            <a:pPr algn="ctr"/>
+            <a:r>
+              <a:rPr lang="en-US" sz="1100" dirty="0" smtClean="0">
+                <a:latin typeface="Arial" charset="0"/>
+                <a:ea typeface="Arial" charset="0"/>
+                <a:cs typeface="Arial" charset="0"/>
+              </a:rPr>
+              <a:t>a</a:t>
+            </a:r>
+            <a:endParaRPr lang="en-US" sz="1100" dirty="0">
+              <a:latin typeface="Arial" charset="0"/>
+              <a:ea typeface="Arial" charset="0"/>
+              <a:cs typeface="Arial" charset="0"/>
+            </a:endParaRPr>
+          </a:p>
+        </p:txBody>
+      </p:sp>
+      <p:sp>
+        <p:nvSpPr>
+          <p:cNvPr id="32" name="Oval 31"/>
+          <p:cNvSpPr/>
+          <p:nvPr/>
+        </p:nvSpPr>
+        <p:spPr>
+          <a:xfrm>
+            <a:off x="4191000" y="1568922"/>
+            <a:ext cx="374374" cy="374374"/>
+          </a:xfrm>
+          <a:prstGeom prst="ellipse">
+            <a:avLst/>
+          </a:prstGeom>
+          <a:solidFill>
+            <a:srgbClr val="E74C3C"/>
+          </a:solidFill>
+          <a:ln>
+            <a:noFill/>
+          </a:ln>
+        </p:spPr>
+        <p:style>
+          <a:lnRef idx="2">
+            <a:schemeClr val="accent1">
+              <a:shade val="50000"/>
+            </a:schemeClr>
+          </a:lnRef>
+          <a:fillRef idx="1">
+            <a:schemeClr val="accent1"/>
+          </a:fillRef>
+          <a:effectRef idx="0">
+            <a:schemeClr val="accent1"/>
+          </a:effectRef>
+          <a:fontRef idx="minor">
+            <a:schemeClr val="lt1"/>
+          </a:fontRef>
+        </p:style>
+        <p:txBody>
+          <a:bodyPr rtlCol="0" anchor="ctr"/>
+          <a:lstStyle/>
+          <a:p>
+            <a:pPr algn="ctr"/>
+            <a:r>
+              <a:rPr lang="en-US" sz="1100" dirty="0">
+                <a:latin typeface="Arial" charset="0"/>
+                <a:ea typeface="Arial" charset="0"/>
+                <a:cs typeface="Arial" charset="0"/>
+              </a:rPr>
+              <a:t>b</a:t>
+            </a:r>
+            <a:endParaRPr lang="en-US" sz="1100" dirty="0">
+              <a:latin typeface="Arial" charset="0"/>
+              <a:ea typeface="Arial" charset="0"/>
+              <a:cs typeface="Arial" charset="0"/>
+            </a:endParaRPr>
+          </a:p>
+        </p:txBody>
+      </p:sp>
+      <p:sp>
+        <p:nvSpPr>
+          <p:cNvPr id="33" name="Oval 32"/>
+          <p:cNvSpPr/>
+          <p:nvPr/>
+        </p:nvSpPr>
+        <p:spPr>
+          <a:xfrm>
+            <a:off x="4969980" y="1568922"/>
+            <a:ext cx="374374" cy="374374"/>
+          </a:xfrm>
+          <a:prstGeom prst="ellipse">
+            <a:avLst/>
+          </a:prstGeom>
+          <a:solidFill>
+            <a:srgbClr val="E74C3C"/>
+          </a:solidFill>
+          <a:ln>
+            <a:noFill/>
+          </a:ln>
+        </p:spPr>
+        <p:style>
+          <a:lnRef idx="2">
+            <a:schemeClr val="accent1">
+              <a:shade val="50000"/>
+            </a:schemeClr>
+          </a:lnRef>
+          <a:fillRef idx="1">
+            <a:schemeClr val="accent1"/>
+          </a:fillRef>
+          <a:effectRef idx="0">
+            <a:schemeClr val="accent1"/>
+          </a:effectRef>
+          <a:fontRef idx="minor">
+            <a:schemeClr val="lt1"/>
+          </a:fontRef>
+        </p:style>
+        <p:txBody>
+          <a:bodyPr rtlCol="0" anchor="ctr"/>
+          <a:lstStyle/>
+          <a:p>
+            <a:pPr algn="ctr"/>
+            <a:r>
+              <a:rPr lang="en-US" sz="1100" dirty="0">
+                <a:latin typeface="Arial" charset="0"/>
+                <a:ea typeface="Arial" charset="0"/>
+                <a:cs typeface="Arial" charset="0"/>
+              </a:rPr>
+              <a:t>c</a:t>
+            </a:r>
+          </a:p>
+        </p:txBody>
+      </p:sp>
+      <p:cxnSp>
+        <p:nvCxnSpPr>
+          <p:cNvPr id="34" name="Straight Connector 33"/>
+          <p:cNvCxnSpPr/>
+          <p:nvPr/>
+        </p:nvCxnSpPr>
+        <p:spPr>
+          <a:xfrm>
+            <a:off x="3872412" y="3643401"/>
+            <a:ext cx="8312962" cy="0"/>
+          </a:xfrm>
+          <a:prstGeom prst="line">
+            <a:avLst/>
+          </a:prstGeom>
+          <a:ln w="38100">
+            <a:solidFill>
+              <a:schemeClr val="tx1">
+                <a:lumMod val="85000"/>
+                <a:lumOff val="15000"/>
+              </a:schemeClr>
+            </a:solidFill>
+          </a:ln>
+        </p:spPr>
+        <p:style>
+          <a:lnRef idx="1">
+            <a:schemeClr val="accent1"/>
+          </a:lnRef>
+          <a:fillRef idx="0">
+            <a:schemeClr val="accent1"/>
+          </a:fillRef>
+          <a:effectRef idx="0">
+            <a:schemeClr val="accent1"/>
+          </a:effectRef>
+          <a:fontRef idx="minor">
+            <a:schemeClr val="tx1"/>
+          </a:fontRef>
+        </p:style>
+      </p:cxnSp>
+      <p:cxnSp>
+        <p:nvCxnSpPr>
+          <p:cNvPr id="6" name="Straight Connector 5"/>
+          <p:cNvCxnSpPr/>
+          <p:nvPr/>
+        </p:nvCxnSpPr>
+        <p:spPr>
+          <a:xfrm flipV="1">
+            <a:off x="3872412" y="3487992"/>
+            <a:ext cx="0" cy="170156"/>
+          </a:xfrm>
+          <a:prstGeom prst="line">
+            <a:avLst/>
+          </a:prstGeom>
+          <a:ln w="38100">
+            <a:solidFill>
+              <a:schemeClr val="tx1">
+                <a:lumMod val="85000"/>
+                <a:lumOff val="15000"/>
+              </a:schemeClr>
+            </a:solidFill>
+          </a:ln>
+        </p:spPr>
+        <p:style>
+          <a:lnRef idx="1">
+            <a:schemeClr val="accent1"/>
+          </a:lnRef>
+          <a:fillRef idx="0">
+            <a:schemeClr val="accent1"/>
+          </a:fillRef>
+          <a:effectRef idx="0">
+            <a:schemeClr val="accent1"/>
+          </a:effectRef>
+          <a:fontRef idx="minor">
+            <a:schemeClr val="tx1"/>
+          </a:fontRef>
+        </p:style>
+      </p:cxnSp>
+      <p:cxnSp>
+        <p:nvCxnSpPr>
+          <p:cNvPr id="35" name="Straight Connector 34"/>
+          <p:cNvCxnSpPr/>
+          <p:nvPr/>
+        </p:nvCxnSpPr>
+        <p:spPr>
+          <a:xfrm flipV="1">
+            <a:off x="5502857" y="3480618"/>
+            <a:ext cx="0" cy="170156"/>
+          </a:xfrm>
+          <a:prstGeom prst="line">
+            <a:avLst/>
+          </a:prstGeom>
+          <a:ln w="38100">
+            <a:solidFill>
+              <a:schemeClr val="tx1">
+                <a:lumMod val="85000"/>
+                <a:lumOff val="15000"/>
+              </a:schemeClr>
+            </a:solidFill>
+          </a:ln>
+        </p:spPr>
+        <p:style>
+          <a:lnRef idx="1">
+            <a:schemeClr val="accent1"/>
+          </a:lnRef>
+          <a:fillRef idx="0">
+            <a:schemeClr val="accent1"/>
+          </a:fillRef>
+          <a:effectRef idx="0">
+            <a:schemeClr val="accent1"/>
+          </a:effectRef>
+          <a:fontRef idx="minor">
+            <a:schemeClr val="tx1"/>
+          </a:fontRef>
+        </p:style>
+      </p:cxnSp>
+      <p:cxnSp>
+        <p:nvCxnSpPr>
+          <p:cNvPr id="36" name="Straight Connector 35"/>
+          <p:cNvCxnSpPr/>
+          <p:nvPr/>
+        </p:nvCxnSpPr>
+        <p:spPr>
+          <a:xfrm flipV="1">
+            <a:off x="7166967" y="3480618"/>
+            <a:ext cx="0" cy="170156"/>
+          </a:xfrm>
+          <a:prstGeom prst="line">
+            <a:avLst/>
+          </a:prstGeom>
+          <a:ln w="38100">
+            <a:solidFill>
+              <a:schemeClr val="tx1">
+                <a:lumMod val="85000"/>
+                <a:lumOff val="15000"/>
+              </a:schemeClr>
+            </a:solidFill>
+          </a:ln>
+        </p:spPr>
+        <p:style>
+          <a:lnRef idx="1">
+            <a:schemeClr val="accent1"/>
+          </a:lnRef>
+          <a:fillRef idx="0">
+            <a:schemeClr val="accent1"/>
+          </a:fillRef>
+          <a:effectRef idx="0">
+            <a:schemeClr val="accent1"/>
+          </a:effectRef>
+          <a:fontRef idx="minor">
+            <a:schemeClr val="tx1"/>
+          </a:fontRef>
+        </p:style>
+      </p:cxnSp>
+      <p:cxnSp>
+        <p:nvCxnSpPr>
+          <p:cNvPr id="37" name="Straight Connector 36"/>
+          <p:cNvCxnSpPr/>
+          <p:nvPr/>
+        </p:nvCxnSpPr>
+        <p:spPr>
+          <a:xfrm flipV="1">
+            <a:off x="12185374" y="3480618"/>
+            <a:ext cx="0" cy="170156"/>
+          </a:xfrm>
+          <a:prstGeom prst="line">
+            <a:avLst/>
+          </a:prstGeom>
+          <a:ln w="38100">
+            <a:solidFill>
+              <a:schemeClr val="tx1">
+                <a:lumMod val="85000"/>
+                <a:lumOff val="15000"/>
+              </a:schemeClr>
+            </a:solidFill>
+          </a:ln>
+        </p:spPr>
+        <p:style>
+          <a:lnRef idx="1">
+            <a:schemeClr val="accent1"/>
+          </a:lnRef>
+          <a:fillRef idx="0">
+            <a:schemeClr val="accent1"/>
+          </a:fillRef>
+          <a:effectRef idx="0">
+            <a:schemeClr val="accent1"/>
+          </a:effectRef>
+          <a:fontRef idx="minor">
+            <a:schemeClr val="tx1"/>
+          </a:fontRef>
+        </p:style>
+      </p:cxnSp>
+      <p:cxnSp>
+        <p:nvCxnSpPr>
+          <p:cNvPr id="39" name="Straight Connector 38"/>
+          <p:cNvCxnSpPr/>
+          <p:nvPr/>
+        </p:nvCxnSpPr>
+        <p:spPr>
+          <a:xfrm flipV="1">
+            <a:off x="8890071" y="3480618"/>
+            <a:ext cx="0" cy="170156"/>
+          </a:xfrm>
+          <a:prstGeom prst="line">
+            <a:avLst/>
+          </a:prstGeom>
+          <a:ln w="38100">
+            <a:solidFill>
+              <a:schemeClr val="tx1">
+                <a:lumMod val="85000"/>
+                <a:lumOff val="15000"/>
+              </a:schemeClr>
+            </a:solidFill>
+          </a:ln>
+        </p:spPr>
+        <p:style>
+          <a:lnRef idx="1">
+            <a:schemeClr val="accent1"/>
+          </a:lnRef>
+          <a:fillRef idx="0">
+            <a:schemeClr val="accent1"/>
+          </a:fillRef>
+          <a:effectRef idx="0">
+            <a:schemeClr val="accent1"/>
+          </a:effectRef>
+          <a:fontRef idx="minor">
+            <a:schemeClr val="tx1"/>
+          </a:fontRef>
+        </p:style>
+      </p:cxnSp>
+      <p:cxnSp>
+        <p:nvCxnSpPr>
+          <p:cNvPr id="40" name="Straight Connector 39"/>
+          <p:cNvCxnSpPr/>
+          <p:nvPr/>
+        </p:nvCxnSpPr>
+        <p:spPr>
+          <a:xfrm flipV="1">
+            <a:off x="10544347" y="3480618"/>
+            <a:ext cx="0" cy="170156"/>
+          </a:xfrm>
+          <a:prstGeom prst="line">
+            <a:avLst/>
+          </a:prstGeom>
+          <a:ln w="38100">
+            <a:solidFill>
+              <a:schemeClr val="tx1">
+                <a:lumMod val="85000"/>
+                <a:lumOff val="15000"/>
+              </a:schemeClr>
+            </a:solidFill>
+          </a:ln>
+        </p:spPr>
+        <p:style>
+          <a:lnRef idx="1">
+            <a:schemeClr val="accent1"/>
+          </a:lnRef>
+          <a:fillRef idx="0">
+            <a:schemeClr val="accent1"/>
+          </a:fillRef>
+          <a:effectRef idx="0">
+            <a:schemeClr val="accent1"/>
+          </a:effectRef>
+          <a:fontRef idx="minor">
+            <a:schemeClr val="tx1"/>
+          </a:fontRef>
+        </p:style>
+      </p:cxnSp>
+      <p:sp>
+        <p:nvSpPr>
+          <p:cNvPr id="41" name="Oval 40"/>
+          <p:cNvSpPr/>
+          <p:nvPr/>
+        </p:nvSpPr>
+        <p:spPr>
+          <a:xfrm>
+            <a:off x="7424323" y="1562100"/>
+            <a:ext cx="374374" cy="374374"/>
+          </a:xfrm>
+          <a:prstGeom prst="ellipse">
+            <a:avLst/>
+          </a:prstGeom>
+          <a:solidFill>
+            <a:srgbClr val="E74C3C"/>
+          </a:solidFill>
+          <a:ln>
+            <a:noFill/>
+          </a:ln>
+        </p:spPr>
+        <p:style>
+          <a:lnRef idx="2">
+            <a:schemeClr val="accent1">
+              <a:shade val="50000"/>
+            </a:schemeClr>
+          </a:lnRef>
+          <a:fillRef idx="1">
+            <a:schemeClr val="accent1"/>
+          </a:fillRef>
+          <a:effectRef idx="0">
+            <a:schemeClr val="accent1"/>
+          </a:effectRef>
+          <a:fontRef idx="minor">
+            <a:schemeClr val="lt1"/>
+          </a:fontRef>
+        </p:style>
+        <p:txBody>
+          <a:bodyPr rtlCol="0" anchor="ctr"/>
+          <a:lstStyle/>
+          <a:p>
+            <a:pPr algn="ctr"/>
+            <a:r>
+              <a:rPr lang="en-US" sz="1100" dirty="0" smtClean="0">
+                <a:latin typeface="Arial" charset="0"/>
+                <a:ea typeface="Arial" charset="0"/>
+                <a:cs typeface="Arial" charset="0"/>
+              </a:rPr>
+              <a:t>d</a:t>
+            </a:r>
+            <a:endParaRPr lang="en-US" sz="1100" dirty="0">
+              <a:latin typeface="Arial" charset="0"/>
+              <a:ea typeface="Arial" charset="0"/>
+              <a:cs typeface="Arial" charset="0"/>
+            </a:endParaRPr>
+          </a:p>
+        </p:txBody>
+      </p:sp>
+      <p:sp>
+        <p:nvSpPr>
+          <p:cNvPr id="42" name="Oval 41"/>
+          <p:cNvSpPr/>
+          <p:nvPr/>
+        </p:nvSpPr>
+        <p:spPr>
+          <a:xfrm>
+            <a:off x="5315670" y="2503696"/>
+            <a:ext cx="374374" cy="374374"/>
+          </a:xfrm>
+          <a:prstGeom prst="ellipse">
+            <a:avLst/>
+          </a:prstGeom>
+          <a:solidFill>
+            <a:srgbClr val="E67E22"/>
+          </a:solidFill>
+          <a:ln>
+            <a:noFill/>
+          </a:ln>
+        </p:spPr>
+        <p:style>
+          <a:lnRef idx="2">
+            <a:schemeClr val="accent1">
+              <a:shade val="50000"/>
+            </a:schemeClr>
+          </a:lnRef>
+          <a:fillRef idx="1">
+            <a:schemeClr val="accent1"/>
+          </a:fillRef>
+          <a:effectRef idx="0">
+            <a:schemeClr val="accent1"/>
+          </a:effectRef>
+          <a:fontRef idx="minor">
+            <a:schemeClr val="lt1"/>
+          </a:fontRef>
+        </p:style>
+        <p:txBody>
+          <a:bodyPr rtlCol="0" anchor="ctr"/>
+          <a:lstStyle/>
+          <a:p>
+            <a:pPr algn="ctr"/>
+            <a:r>
+              <a:rPr lang="en-US" sz="1100" dirty="0">
+                <a:latin typeface="Arial" charset="0"/>
+                <a:ea typeface="Arial" charset="0"/>
+                <a:cs typeface="Arial" charset="0"/>
+              </a:rPr>
+              <a:t>c</a:t>
+            </a:r>
+          </a:p>
+        </p:txBody>
+      </p:sp>
+      <p:sp>
+        <p:nvSpPr>
+          <p:cNvPr id="43" name="Oval 42"/>
+          <p:cNvSpPr/>
+          <p:nvPr/>
+        </p:nvSpPr>
+        <p:spPr>
+          <a:xfrm>
+            <a:off x="3669256" y="2503696"/>
+            <a:ext cx="374374" cy="374374"/>
+          </a:xfrm>
+          <a:prstGeom prst="ellipse">
+            <a:avLst/>
+          </a:prstGeom>
+          <a:solidFill>
+            <a:srgbClr val="E67E22"/>
+          </a:solidFill>
+          <a:ln>
+            <a:noFill/>
+          </a:ln>
+        </p:spPr>
+        <p:style>
+          <a:lnRef idx="2">
+            <a:schemeClr val="accent1">
+              <a:shade val="50000"/>
+            </a:schemeClr>
+          </a:lnRef>
+          <a:fillRef idx="1">
+            <a:schemeClr val="accent1"/>
+          </a:fillRef>
+          <a:effectRef idx="0">
+            <a:schemeClr val="accent1"/>
+          </a:effectRef>
+          <a:fontRef idx="minor">
+            <a:schemeClr val="lt1"/>
+          </a:fontRef>
+        </p:style>
+        <p:txBody>
+          <a:bodyPr rtlCol="0" anchor="ctr"/>
+          <a:lstStyle/>
+          <a:p>
+            <a:pPr algn="ctr"/>
+            <a:r>
+              <a:rPr lang="en-US" sz="1100" dirty="0" smtClean="0">
+                <a:latin typeface="Arial" charset="0"/>
+                <a:ea typeface="Arial" charset="0"/>
+                <a:cs typeface="Arial" charset="0"/>
+              </a:rPr>
+              <a:t>a</a:t>
+            </a:r>
+            <a:endParaRPr lang="en-US" sz="1100" dirty="0">
+              <a:latin typeface="Arial" charset="0"/>
+              <a:ea typeface="Arial" charset="0"/>
+              <a:cs typeface="Arial" charset="0"/>
+            </a:endParaRPr>
+          </a:p>
+        </p:txBody>
+      </p:sp>
+      <p:sp>
+        <p:nvSpPr>
+          <p:cNvPr id="44" name="Oval 43"/>
+          <p:cNvSpPr/>
+          <p:nvPr/>
+        </p:nvSpPr>
+        <p:spPr>
+          <a:xfrm>
+            <a:off x="6979780" y="2499615"/>
+            <a:ext cx="374374" cy="374374"/>
+          </a:xfrm>
+          <a:prstGeom prst="ellipse">
+            <a:avLst/>
+          </a:prstGeom>
+          <a:solidFill>
+            <a:srgbClr val="E67E22"/>
+          </a:solidFill>
+          <a:ln>
+            <a:noFill/>
+          </a:ln>
+        </p:spPr>
+        <p:style>
+          <a:lnRef idx="2">
+            <a:schemeClr val="accent1">
+              <a:shade val="50000"/>
+            </a:schemeClr>
+          </a:lnRef>
+          <a:fillRef idx="1">
+            <a:schemeClr val="accent1"/>
+          </a:fillRef>
+          <a:effectRef idx="0">
+            <a:schemeClr val="accent1"/>
+          </a:effectRef>
+          <a:fontRef idx="minor">
+            <a:schemeClr val="lt1"/>
+          </a:fontRef>
+        </p:style>
+        <p:txBody>
+          <a:bodyPr rtlCol="0" anchor="ctr"/>
+          <a:lstStyle/>
+          <a:p>
+            <a:pPr algn="ctr"/>
+            <a:r>
+              <a:rPr lang="en-US" sz="1100" dirty="0">
+                <a:latin typeface="Arial" charset="0"/>
+                <a:ea typeface="Arial" charset="0"/>
+                <a:cs typeface="Arial" charset="0"/>
+              </a:rPr>
+              <a:t>c</a:t>
+            </a:r>
+          </a:p>
+        </p:txBody>
+      </p:sp>
+      <p:sp>
+        <p:nvSpPr>
+          <p:cNvPr id="45" name="Oval 44"/>
+          <p:cNvSpPr/>
+          <p:nvPr/>
+        </p:nvSpPr>
+        <p:spPr>
+          <a:xfrm>
+            <a:off x="8702884" y="2499615"/>
+            <a:ext cx="374374" cy="374374"/>
+          </a:xfrm>
+          <a:prstGeom prst="ellipse">
+            <a:avLst/>
+          </a:prstGeom>
+          <a:solidFill>
+            <a:srgbClr val="E67E22"/>
+          </a:solidFill>
+          <a:ln>
+            <a:noFill/>
+          </a:ln>
+        </p:spPr>
+        <p:style>
+          <a:lnRef idx="2">
+            <a:schemeClr val="accent1">
+              <a:shade val="50000"/>
+            </a:schemeClr>
+          </a:lnRef>
+          <a:fillRef idx="1">
+            <a:schemeClr val="accent1"/>
+          </a:fillRef>
+          <a:effectRef idx="0">
+            <a:schemeClr val="accent1"/>
+          </a:effectRef>
+          <a:fontRef idx="minor">
+            <a:schemeClr val="lt1"/>
+          </a:fontRef>
+        </p:style>
+        <p:txBody>
+          <a:bodyPr rtlCol="0" anchor="ctr"/>
+          <a:lstStyle/>
+          <a:p>
+            <a:pPr algn="ctr"/>
+            <a:r>
+              <a:rPr lang="en-US" sz="1100" dirty="0" smtClean="0">
+                <a:latin typeface="Arial" charset="0"/>
+                <a:ea typeface="Arial" charset="0"/>
+                <a:cs typeface="Arial" charset="0"/>
+              </a:rPr>
+              <a:t>d</a:t>
+            </a:r>
+            <a:endParaRPr lang="en-US" sz="1100" dirty="0">
+              <a:latin typeface="Arial" charset="0"/>
+              <a:ea typeface="Arial" charset="0"/>
+              <a:cs typeface="Arial" charset="0"/>
+            </a:endParaRPr>
+          </a:p>
+        </p:txBody>
+      </p:sp>
+      <p:sp>
+        <p:nvSpPr>
+          <p:cNvPr id="46" name="Oval 45"/>
+          <p:cNvSpPr/>
+          <p:nvPr/>
+        </p:nvSpPr>
+        <p:spPr>
+          <a:xfrm>
+            <a:off x="10357160" y="2494926"/>
+            <a:ext cx="374374" cy="374374"/>
+          </a:xfrm>
+          <a:prstGeom prst="ellipse">
+            <a:avLst/>
+          </a:prstGeom>
+          <a:solidFill>
+            <a:srgbClr val="E67E22"/>
+          </a:solidFill>
+          <a:ln>
+            <a:noFill/>
+          </a:ln>
+        </p:spPr>
+        <p:style>
+          <a:lnRef idx="2">
+            <a:schemeClr val="accent1">
+              <a:shade val="50000"/>
+            </a:schemeClr>
+          </a:lnRef>
+          <a:fillRef idx="1">
+            <a:schemeClr val="accent1"/>
+          </a:fillRef>
+          <a:effectRef idx="0">
+            <a:schemeClr val="accent1"/>
+          </a:effectRef>
+          <a:fontRef idx="minor">
+            <a:schemeClr val="lt1"/>
+          </a:fontRef>
+        </p:style>
+        <p:txBody>
+          <a:bodyPr rtlCol="0" anchor="ctr"/>
+          <a:lstStyle/>
+          <a:p>
+            <a:pPr algn="ctr"/>
+            <a:r>
+              <a:rPr lang="en-US" sz="1100" dirty="0" smtClean="0">
+                <a:latin typeface="Arial" charset="0"/>
+                <a:ea typeface="Arial" charset="0"/>
+                <a:cs typeface="Arial" charset="0"/>
+              </a:rPr>
+              <a:t>d</a:t>
+            </a:r>
+            <a:endParaRPr lang="en-US" sz="1100" dirty="0">
+              <a:latin typeface="Arial" charset="0"/>
+              <a:ea typeface="Arial" charset="0"/>
+              <a:cs typeface="Arial" charset="0"/>
+            </a:endParaRPr>
+          </a:p>
+        </p:txBody>
+      </p:sp>
+      <p:sp>
+        <p:nvSpPr>
+          <p:cNvPr id="47" name="Oval 46"/>
+          <p:cNvSpPr/>
+          <p:nvPr/>
+        </p:nvSpPr>
+        <p:spPr>
+          <a:xfrm>
+            <a:off x="10805016" y="1559712"/>
+            <a:ext cx="374374" cy="374374"/>
+          </a:xfrm>
+          <a:prstGeom prst="ellipse">
+            <a:avLst/>
+          </a:prstGeom>
+          <a:solidFill>
+            <a:srgbClr val="E74C3C"/>
+          </a:solidFill>
+          <a:ln>
+            <a:noFill/>
+          </a:ln>
+        </p:spPr>
+        <p:style>
+          <a:lnRef idx="2">
+            <a:schemeClr val="accent1">
+              <a:shade val="50000"/>
+            </a:schemeClr>
+          </a:lnRef>
+          <a:fillRef idx="1">
+            <a:schemeClr val="accent1"/>
+          </a:fillRef>
+          <a:effectRef idx="0">
+            <a:schemeClr val="accent1"/>
+          </a:effectRef>
+          <a:fontRef idx="minor">
+            <a:schemeClr val="lt1"/>
+          </a:fontRef>
+        </p:style>
+        <p:txBody>
+          <a:bodyPr rtlCol="0" anchor="ctr"/>
+          <a:lstStyle/>
+          <a:p>
+            <a:pPr algn="ctr"/>
+            <a:r>
+              <a:rPr lang="en-US" sz="1100" dirty="0">
+                <a:latin typeface="Arial" charset="0"/>
+                <a:ea typeface="Arial" charset="0"/>
+                <a:cs typeface="Arial" charset="0"/>
+              </a:rPr>
+              <a:t>e</a:t>
+            </a:r>
+          </a:p>
+        </p:txBody>
+      </p:sp>
+      <p:sp>
+        <p:nvSpPr>
+          <p:cNvPr id="48" name="Oval 47"/>
+          <p:cNvSpPr/>
+          <p:nvPr/>
+        </p:nvSpPr>
+        <p:spPr>
+          <a:xfrm>
+            <a:off x="11326760" y="1568922"/>
+            <a:ext cx="374374" cy="374374"/>
+          </a:xfrm>
+          <a:prstGeom prst="ellipse">
+            <a:avLst/>
+          </a:prstGeom>
+          <a:solidFill>
+            <a:srgbClr val="E74C3C"/>
+          </a:solidFill>
+          <a:ln>
+            <a:noFill/>
+          </a:ln>
+        </p:spPr>
+        <p:style>
+          <a:lnRef idx="2">
+            <a:schemeClr val="accent1">
+              <a:shade val="50000"/>
+            </a:schemeClr>
+          </a:lnRef>
+          <a:fillRef idx="1">
+            <a:schemeClr val="accent1"/>
+          </a:fillRef>
+          <a:effectRef idx="0">
+            <a:schemeClr val="accent1"/>
+          </a:effectRef>
+          <a:fontRef idx="minor">
+            <a:schemeClr val="lt1"/>
+          </a:fontRef>
+        </p:style>
+        <p:txBody>
+          <a:bodyPr rtlCol="0" anchor="ctr"/>
+          <a:lstStyle/>
+          <a:p>
+            <a:pPr algn="ctr"/>
+            <a:r>
+              <a:rPr lang="en-US" sz="1100" dirty="0">
+                <a:latin typeface="Arial" charset="0"/>
+                <a:ea typeface="Arial" charset="0"/>
+                <a:cs typeface="Arial" charset="0"/>
+              </a:rPr>
+              <a:t>f</a:t>
+            </a:r>
+          </a:p>
+        </p:txBody>
+      </p:sp>
+      <p:sp>
+        <p:nvSpPr>
+          <p:cNvPr id="49" name="Oval 48"/>
+          <p:cNvSpPr/>
+          <p:nvPr/>
+        </p:nvSpPr>
+        <p:spPr>
+          <a:xfrm>
+            <a:off x="11998187" y="2500089"/>
+            <a:ext cx="374374" cy="374374"/>
+          </a:xfrm>
+          <a:prstGeom prst="ellipse">
+            <a:avLst/>
+          </a:prstGeom>
+          <a:solidFill>
+            <a:srgbClr val="E67E22"/>
+          </a:solidFill>
+          <a:ln>
+            <a:noFill/>
+          </a:ln>
+        </p:spPr>
+        <p:style>
+          <a:lnRef idx="2">
+            <a:schemeClr val="accent1">
+              <a:shade val="50000"/>
+            </a:schemeClr>
+          </a:lnRef>
+          <a:fillRef idx="1">
+            <a:schemeClr val="accent1"/>
+          </a:fillRef>
+          <a:effectRef idx="0">
+            <a:schemeClr val="accent1"/>
+          </a:effectRef>
+          <a:fontRef idx="minor">
+            <a:schemeClr val="lt1"/>
+          </a:fontRef>
+        </p:style>
+        <p:txBody>
+          <a:bodyPr rtlCol="0" anchor="ctr"/>
+          <a:lstStyle/>
+          <a:p>
+            <a:pPr algn="ctr"/>
+            <a:r>
+              <a:rPr lang="en-US" sz="1100" dirty="0">
+                <a:latin typeface="Arial" charset="0"/>
+                <a:ea typeface="Arial" charset="0"/>
+                <a:cs typeface="Arial" charset="0"/>
+              </a:rPr>
+              <a:t>f</a:t>
+            </a:r>
+          </a:p>
+        </p:txBody>
+      </p:sp>
+      <p:sp>
+        <p:nvSpPr>
+          <p:cNvPr id="50" name="TextBox 49"/>
+          <p:cNvSpPr txBox="1"/>
+          <p:nvPr/>
+        </p:nvSpPr>
+        <p:spPr>
+          <a:xfrm>
+            <a:off x="3745918" y="3682431"/>
+            <a:ext cx="267736" cy="276999"/>
+          </a:xfrm>
+          <a:prstGeom prst="rect">
+            <a:avLst/>
+          </a:prstGeom>
+          <a:noFill/>
+        </p:spPr>
+        <p:txBody>
+          <a:bodyPr wrap="square" rtlCol="0">
+            <a:spAutoFit/>
+          </a:bodyPr>
+          <a:lstStyle/>
+          <a:p>
+            <a:r>
+              <a:rPr lang="en-US" sz="1200" dirty="0">
+                <a:latin typeface="Arial" charset="0"/>
+                <a:ea typeface="Arial" charset="0"/>
+                <a:cs typeface="Arial" charset="0"/>
+              </a:rPr>
+              <a:t>0</a:t>
+            </a:r>
+          </a:p>
+        </p:txBody>
+      </p:sp>
+      <p:sp>
+        <p:nvSpPr>
+          <p:cNvPr id="51" name="TextBox 50"/>
+          <p:cNvSpPr txBox="1"/>
+          <p:nvPr/>
+        </p:nvSpPr>
+        <p:spPr>
+          <a:xfrm>
+            <a:off x="5281919" y="3682431"/>
+            <a:ext cx="441876" cy="276999"/>
+          </a:xfrm>
+          <a:prstGeom prst="rect">
+            <a:avLst/>
+          </a:prstGeom>
+          <a:noFill/>
+        </p:spPr>
+        <p:txBody>
+          <a:bodyPr wrap="square" rtlCol="0">
+            <a:spAutoFit/>
+          </a:bodyPr>
+          <a:lstStyle/>
+          <a:p>
+            <a:r>
+              <a:rPr lang="en-US" sz="1200" smtClean="0">
+                <a:latin typeface="Arial" charset="0"/>
+                <a:ea typeface="Arial" charset="0"/>
+                <a:cs typeface="Arial" charset="0"/>
+              </a:rPr>
+              <a:t>100</a:t>
+            </a:r>
+            <a:endParaRPr lang="en-US" sz="1200" dirty="0">
+              <a:latin typeface="Arial" charset="0"/>
+              <a:ea typeface="Arial" charset="0"/>
+              <a:cs typeface="Arial" charset="0"/>
+            </a:endParaRPr>
+          </a:p>
+        </p:txBody>
+      </p:sp>
+      <p:sp>
+        <p:nvSpPr>
+          <p:cNvPr id="53" name="TextBox 52"/>
+          <p:cNvSpPr txBox="1"/>
+          <p:nvPr/>
+        </p:nvSpPr>
+        <p:spPr>
+          <a:xfrm>
+            <a:off x="6946029" y="3682431"/>
+            <a:ext cx="441876" cy="276999"/>
+          </a:xfrm>
+          <a:prstGeom prst="rect">
+            <a:avLst/>
+          </a:prstGeom>
+          <a:noFill/>
+        </p:spPr>
+        <p:txBody>
+          <a:bodyPr wrap="square" rtlCol="0">
+            <a:spAutoFit/>
+          </a:bodyPr>
+          <a:lstStyle/>
+          <a:p>
+            <a:r>
+              <a:rPr lang="en-US" sz="1200">
+                <a:latin typeface="Arial" charset="0"/>
+                <a:ea typeface="Arial" charset="0"/>
+                <a:cs typeface="Arial" charset="0"/>
+              </a:rPr>
+              <a:t>2</a:t>
+            </a:r>
+            <a:r>
+              <a:rPr lang="en-US" sz="1200" smtClean="0">
+                <a:latin typeface="Arial" charset="0"/>
+                <a:ea typeface="Arial" charset="0"/>
+                <a:cs typeface="Arial" charset="0"/>
+              </a:rPr>
+              <a:t>00</a:t>
+            </a:r>
+            <a:endParaRPr lang="en-US" sz="1200" dirty="0">
+              <a:latin typeface="Arial" charset="0"/>
+              <a:ea typeface="Arial" charset="0"/>
+              <a:cs typeface="Arial" charset="0"/>
+            </a:endParaRPr>
+          </a:p>
+        </p:txBody>
+      </p:sp>
+      <p:sp>
+        <p:nvSpPr>
+          <p:cNvPr id="54" name="TextBox 53"/>
+          <p:cNvSpPr txBox="1"/>
+          <p:nvPr/>
+        </p:nvSpPr>
+        <p:spPr>
+          <a:xfrm>
+            <a:off x="8669133" y="3682431"/>
+            <a:ext cx="441876" cy="276999"/>
+          </a:xfrm>
+          <a:prstGeom prst="rect">
+            <a:avLst/>
+          </a:prstGeom>
+          <a:noFill/>
+        </p:spPr>
+        <p:txBody>
+          <a:bodyPr wrap="square" rtlCol="0">
+            <a:spAutoFit/>
+          </a:bodyPr>
+          <a:lstStyle/>
+          <a:p>
+            <a:r>
+              <a:rPr lang="en-US" sz="1200" dirty="0" smtClean="0">
+                <a:latin typeface="Arial" charset="0"/>
+                <a:ea typeface="Arial" charset="0"/>
+                <a:cs typeface="Arial" charset="0"/>
+              </a:rPr>
+              <a:t>400</a:t>
+            </a:r>
+            <a:endParaRPr lang="en-US" sz="1200" dirty="0">
+              <a:latin typeface="Arial" charset="0"/>
+              <a:ea typeface="Arial" charset="0"/>
+              <a:cs typeface="Arial" charset="0"/>
+            </a:endParaRPr>
+          </a:p>
+        </p:txBody>
+      </p:sp>
+      <p:sp>
+        <p:nvSpPr>
+          <p:cNvPr id="55" name="TextBox 54"/>
+          <p:cNvSpPr txBox="1"/>
+          <p:nvPr/>
+        </p:nvSpPr>
+        <p:spPr>
+          <a:xfrm>
+            <a:off x="10328267" y="3682431"/>
+            <a:ext cx="441876" cy="276999"/>
+          </a:xfrm>
+          <a:prstGeom prst="rect">
+            <a:avLst/>
+          </a:prstGeom>
+          <a:noFill/>
+        </p:spPr>
+        <p:txBody>
+          <a:bodyPr wrap="square" rtlCol="0">
+            <a:spAutoFit/>
+          </a:bodyPr>
+          <a:lstStyle/>
+          <a:p>
+            <a:r>
+              <a:rPr lang="en-US" sz="1200">
+                <a:latin typeface="Arial" charset="0"/>
+                <a:ea typeface="Arial" charset="0"/>
+                <a:cs typeface="Arial" charset="0"/>
+              </a:rPr>
+              <a:t>5</a:t>
+            </a:r>
+            <a:r>
+              <a:rPr lang="en-US" sz="1200" smtClean="0">
+                <a:latin typeface="Arial" charset="0"/>
+                <a:ea typeface="Arial" charset="0"/>
+                <a:cs typeface="Arial" charset="0"/>
+              </a:rPr>
+              <a:t>00</a:t>
+            </a:r>
+            <a:endParaRPr lang="en-US" sz="1200" dirty="0">
+              <a:latin typeface="Arial" charset="0"/>
+              <a:ea typeface="Arial" charset="0"/>
+              <a:cs typeface="Arial" charset="0"/>
+            </a:endParaRPr>
+          </a:p>
+        </p:txBody>
+      </p:sp>
+      <p:sp>
+        <p:nvSpPr>
+          <p:cNvPr id="56" name="TextBox 55"/>
+          <p:cNvSpPr txBox="1"/>
+          <p:nvPr/>
+        </p:nvSpPr>
+        <p:spPr>
+          <a:xfrm>
+            <a:off x="11964436" y="3682431"/>
+            <a:ext cx="441876" cy="276999"/>
+          </a:xfrm>
+          <a:prstGeom prst="rect">
+            <a:avLst/>
+          </a:prstGeom>
+          <a:noFill/>
+        </p:spPr>
+        <p:txBody>
+          <a:bodyPr wrap="square" rtlCol="0">
+            <a:spAutoFit/>
+          </a:bodyPr>
+          <a:lstStyle/>
+          <a:p>
+            <a:r>
+              <a:rPr lang="en-US" sz="1200">
+                <a:latin typeface="Arial" charset="0"/>
+                <a:ea typeface="Arial" charset="0"/>
+                <a:cs typeface="Arial" charset="0"/>
+              </a:rPr>
+              <a:t>6</a:t>
+            </a:r>
+            <a:r>
+              <a:rPr lang="en-US" sz="1200" smtClean="0">
+                <a:latin typeface="Arial" charset="0"/>
+                <a:ea typeface="Arial" charset="0"/>
+                <a:cs typeface="Arial" charset="0"/>
+              </a:rPr>
+              <a:t>00</a:t>
+            </a:r>
+            <a:endParaRPr lang="en-US" sz="1200" dirty="0">
+              <a:latin typeface="Arial" charset="0"/>
+              <a:ea typeface="Arial" charset="0"/>
+              <a:cs typeface="Arial" charset="0"/>
+            </a:endParaRPr>
+          </a:p>
+        </p:txBody>
+      </p:sp>
+      <p:sp>
+        <p:nvSpPr>
+          <p:cNvPr id="57" name="TextBox 56"/>
+          <p:cNvSpPr txBox="1"/>
+          <p:nvPr/>
+        </p:nvSpPr>
+        <p:spPr>
+          <a:xfrm>
+            <a:off x="1735015" y="3388404"/>
+            <a:ext cx="1934241" cy="369332"/>
+          </a:xfrm>
+          <a:prstGeom prst="rect">
+            <a:avLst/>
+          </a:prstGeom>
+          <a:noFill/>
+        </p:spPr>
+        <p:txBody>
+          <a:bodyPr wrap="square" rtlCol="0">
+            <a:spAutoFit/>
+          </a:bodyPr>
+          <a:lstStyle/>
+          <a:p>
+            <a:r>
+              <a:rPr lang="en-US" b="1" dirty="0" smtClean="0">
+                <a:latin typeface="Arial" charset="0"/>
+                <a:ea typeface="Arial" charset="0"/>
+                <a:cs typeface="Arial" charset="0"/>
+              </a:rPr>
+              <a:t>Timestamp (</a:t>
+            </a:r>
+            <a:r>
+              <a:rPr lang="en-US" b="1" dirty="0" err="1" smtClean="0">
+                <a:latin typeface="Arial" charset="0"/>
+                <a:ea typeface="Arial" charset="0"/>
+                <a:cs typeface="Arial" charset="0"/>
+              </a:rPr>
+              <a:t>ms</a:t>
+            </a:r>
+            <a:r>
+              <a:rPr lang="en-US" b="1" dirty="0" smtClean="0">
+                <a:latin typeface="Arial" charset="0"/>
+                <a:ea typeface="Arial" charset="0"/>
+                <a:cs typeface="Arial" charset="0"/>
+              </a:rPr>
+              <a:t>)</a:t>
+            </a:r>
+            <a:endParaRPr lang="en-US" b="1" dirty="0">
+              <a:latin typeface="Arial" charset="0"/>
+              <a:ea typeface="Arial" charset="0"/>
+              <a:cs typeface="Arial" charset="0"/>
+            </a:endParaRPr>
+          </a:p>
+        </p:txBody>
+      </p:sp>
+      <p:sp>
+        <p:nvSpPr>
+          <p:cNvPr id="58" name="Rectangle 57"/>
+          <p:cNvSpPr/>
+          <p:nvPr/>
+        </p:nvSpPr>
+        <p:spPr>
+          <a:xfrm>
+            <a:off x="4116264" y="1489374"/>
+            <a:ext cx="521744" cy="521744"/>
+          </a:xfrm>
+          <a:prstGeom prst="rect">
+            <a:avLst/>
+          </a:prstGeom>
+          <a:noFill/>
+          <a:ln w="28575">
+            <a:solidFill>
+              <a:schemeClr val="tx1">
+                <a:lumMod val="85000"/>
+                <a:lumOff val="15000"/>
+              </a:schemeClr>
+            </a:solidFill>
+            <a:prstDash val="dash"/>
+          </a:ln>
+        </p:spPr>
+        <p:style>
+          <a:lnRef idx="2">
+            <a:schemeClr val="accent1">
+              <a:shade val="50000"/>
+            </a:schemeClr>
+          </a:lnRef>
+          <a:fillRef idx="1">
+            <a:schemeClr val="accent1"/>
+          </a:fillRef>
+          <a:effectRef idx="0">
+            <a:schemeClr val="accent1"/>
+          </a:effectRef>
+          <a:fontRef idx="minor">
+            <a:schemeClr val="lt1"/>
+          </a:fontRef>
+        </p:style>
+        <p:txBody>
+          <a:bodyPr rtlCol="0" anchor="ctr"/>
+          <a:lstStyle/>
+          <a:p>
+            <a:pPr algn="ctr"/>
+            <a:endParaRPr lang="en-US"/>
+          </a:p>
+        </p:txBody>
+      </p:sp>
+      <p:sp>
+        <p:nvSpPr>
+          <p:cNvPr id="59" name="Rectangle 58"/>
+          <p:cNvSpPr/>
+          <p:nvPr/>
+        </p:nvSpPr>
+        <p:spPr>
+          <a:xfrm>
+            <a:off x="6896668" y="2420584"/>
+            <a:ext cx="521744" cy="521744"/>
+          </a:xfrm>
+          <a:prstGeom prst="rect">
+            <a:avLst/>
+          </a:prstGeom>
+          <a:noFill/>
+          <a:ln w="28575">
+            <a:solidFill>
+              <a:schemeClr val="tx1">
+                <a:lumMod val="85000"/>
+                <a:lumOff val="15000"/>
+              </a:schemeClr>
+            </a:solidFill>
+            <a:prstDash val="dash"/>
+          </a:ln>
+        </p:spPr>
+        <p:style>
+          <a:lnRef idx="2">
+            <a:schemeClr val="accent1">
+              <a:shade val="50000"/>
+            </a:schemeClr>
+          </a:lnRef>
+          <a:fillRef idx="1">
+            <a:schemeClr val="accent1"/>
+          </a:fillRef>
+          <a:effectRef idx="0">
+            <a:schemeClr val="accent1"/>
+          </a:effectRef>
+          <a:fontRef idx="minor">
+            <a:schemeClr val="lt1"/>
+          </a:fontRef>
+        </p:style>
+        <p:txBody>
+          <a:bodyPr rtlCol="0" anchor="ctr"/>
+          <a:lstStyle/>
+          <a:p>
+            <a:pPr algn="ctr"/>
+            <a:endParaRPr lang="en-US"/>
+          </a:p>
+        </p:txBody>
+      </p:sp>
+      <p:sp>
+        <p:nvSpPr>
+          <p:cNvPr id="60" name="Rectangle 59"/>
+          <p:cNvSpPr/>
+          <p:nvPr/>
+        </p:nvSpPr>
+        <p:spPr>
+          <a:xfrm>
+            <a:off x="10284980" y="2416893"/>
+            <a:ext cx="521744" cy="521744"/>
+          </a:xfrm>
+          <a:prstGeom prst="rect">
+            <a:avLst/>
+          </a:prstGeom>
+          <a:noFill/>
+          <a:ln w="28575">
+            <a:solidFill>
+              <a:schemeClr val="tx1">
+                <a:lumMod val="85000"/>
+                <a:lumOff val="15000"/>
+              </a:schemeClr>
+            </a:solidFill>
+            <a:prstDash val="dash"/>
+          </a:ln>
+        </p:spPr>
+        <p:style>
+          <a:lnRef idx="2">
+            <a:schemeClr val="accent1">
+              <a:shade val="50000"/>
+            </a:schemeClr>
+          </a:lnRef>
+          <a:fillRef idx="1">
+            <a:schemeClr val="accent1"/>
+          </a:fillRef>
+          <a:effectRef idx="0">
+            <a:schemeClr val="accent1"/>
+          </a:effectRef>
+          <a:fontRef idx="minor">
+            <a:schemeClr val="lt1"/>
+          </a:fontRef>
+        </p:style>
+        <p:txBody>
+          <a:bodyPr rtlCol="0" anchor="ctr"/>
+          <a:lstStyle/>
+          <a:p>
+            <a:pPr algn="ctr"/>
+            <a:endParaRPr lang="en-US"/>
+          </a:p>
+        </p:txBody>
+      </p:sp>
+      <p:sp>
+        <p:nvSpPr>
+          <p:cNvPr id="61" name="Rectangle 60"/>
+          <p:cNvSpPr/>
+          <p:nvPr/>
+        </p:nvSpPr>
+        <p:spPr>
+          <a:xfrm>
+            <a:off x="10721904" y="1477543"/>
+            <a:ext cx="521744" cy="521744"/>
+          </a:xfrm>
+          <a:prstGeom prst="rect">
+            <a:avLst/>
+          </a:prstGeom>
+          <a:noFill/>
+          <a:ln w="28575">
+            <a:solidFill>
+              <a:schemeClr val="tx1">
+                <a:lumMod val="85000"/>
+                <a:lumOff val="15000"/>
+              </a:schemeClr>
+            </a:solidFill>
+            <a:prstDash val="dash"/>
+          </a:ln>
+        </p:spPr>
+        <p:style>
+          <a:lnRef idx="2">
+            <a:schemeClr val="accent1">
+              <a:shade val="50000"/>
+            </a:schemeClr>
+          </a:lnRef>
+          <a:fillRef idx="1">
+            <a:schemeClr val="accent1"/>
+          </a:fillRef>
+          <a:effectRef idx="0">
+            <a:schemeClr val="accent1"/>
+          </a:effectRef>
+          <a:fontRef idx="minor">
+            <a:schemeClr val="lt1"/>
+          </a:fontRef>
+        </p:style>
+        <p:txBody>
+          <a:bodyPr rtlCol="0" anchor="ctr"/>
+          <a:lstStyle/>
+          <a:p>
+            <a:pPr algn="ctr"/>
+            <a:endParaRPr lang="en-US"/>
+          </a:p>
+        </p:txBody>
+      </p:sp>
+      <p:sp>
+        <p:nvSpPr>
+          <p:cNvPr id="62" name="TextBox 61"/>
+          <p:cNvSpPr txBox="1"/>
+          <p:nvPr/>
+        </p:nvSpPr>
+        <p:spPr>
+          <a:xfrm>
+            <a:off x="4023081" y="1184439"/>
+            <a:ext cx="721606" cy="276999"/>
+          </a:xfrm>
+          <a:prstGeom prst="rect">
+            <a:avLst/>
+          </a:prstGeom>
+          <a:noFill/>
+        </p:spPr>
+        <p:txBody>
+          <a:bodyPr wrap="square" rtlCol="0">
+            <a:spAutoFit/>
+          </a:bodyPr>
+          <a:lstStyle/>
+          <a:p>
+            <a:pPr algn="ctr"/>
+            <a:r>
+              <a:rPr lang="en-US" sz="1200" dirty="0" smtClean="0">
+                <a:latin typeface="Arial" charset="0"/>
+                <a:ea typeface="Arial" charset="0"/>
+                <a:cs typeface="Arial" charset="0"/>
+              </a:rPr>
+              <a:t>Ignored</a:t>
+            </a:r>
+            <a:endParaRPr lang="en-US" sz="1200" dirty="0">
+              <a:latin typeface="Arial" charset="0"/>
+              <a:ea typeface="Arial" charset="0"/>
+              <a:cs typeface="Arial" charset="0"/>
+            </a:endParaRPr>
+          </a:p>
+        </p:txBody>
+      </p:sp>
+      <p:sp>
+        <p:nvSpPr>
+          <p:cNvPr id="63" name="TextBox 62"/>
+          <p:cNvSpPr txBox="1"/>
+          <p:nvPr/>
+        </p:nvSpPr>
+        <p:spPr>
+          <a:xfrm>
+            <a:off x="10631400" y="1182004"/>
+            <a:ext cx="721606" cy="276999"/>
+          </a:xfrm>
+          <a:prstGeom prst="rect">
+            <a:avLst/>
+          </a:prstGeom>
+          <a:noFill/>
+        </p:spPr>
+        <p:txBody>
+          <a:bodyPr wrap="square" rtlCol="0">
+            <a:spAutoFit/>
+          </a:bodyPr>
+          <a:lstStyle/>
+          <a:p>
+            <a:pPr algn="ctr"/>
+            <a:r>
+              <a:rPr lang="en-US" sz="1200" dirty="0" smtClean="0">
+                <a:latin typeface="Arial" charset="0"/>
+                <a:ea typeface="Arial" charset="0"/>
+                <a:cs typeface="Arial" charset="0"/>
+              </a:rPr>
+              <a:t>Ignored</a:t>
+            </a:r>
+            <a:endParaRPr lang="en-US" sz="1200" dirty="0">
+              <a:latin typeface="Arial" charset="0"/>
+              <a:ea typeface="Arial" charset="0"/>
+              <a:cs typeface="Arial" charset="0"/>
+            </a:endParaRPr>
+          </a:p>
+        </p:txBody>
+      </p:sp>
+      <p:sp>
+        <p:nvSpPr>
+          <p:cNvPr id="64" name="TextBox 63"/>
+          <p:cNvSpPr txBox="1"/>
+          <p:nvPr/>
+        </p:nvSpPr>
+        <p:spPr>
+          <a:xfrm>
+            <a:off x="6690143" y="2148511"/>
+            <a:ext cx="953647" cy="276999"/>
+          </a:xfrm>
+          <a:prstGeom prst="rect">
+            <a:avLst/>
+          </a:prstGeom>
+          <a:noFill/>
+        </p:spPr>
+        <p:txBody>
+          <a:bodyPr wrap="square" rtlCol="0">
+            <a:spAutoFit/>
+          </a:bodyPr>
+          <a:lstStyle/>
+          <a:p>
+            <a:pPr algn="ctr"/>
+            <a:r>
+              <a:rPr lang="en-US" sz="1200" smtClean="0">
+                <a:latin typeface="Arial" charset="0"/>
+                <a:ea typeface="Arial" charset="0"/>
+                <a:cs typeface="Arial" charset="0"/>
+              </a:rPr>
+              <a:t>Duplicated</a:t>
+            </a:r>
+            <a:endParaRPr lang="en-US" sz="1200" dirty="0">
+              <a:latin typeface="Arial" charset="0"/>
+              <a:ea typeface="Arial" charset="0"/>
+              <a:cs typeface="Arial" charset="0"/>
+            </a:endParaRPr>
+          </a:p>
+        </p:txBody>
+      </p:sp>
+      <p:sp>
+        <p:nvSpPr>
+          <p:cNvPr id="66" name="TextBox 65"/>
+          <p:cNvSpPr txBox="1"/>
+          <p:nvPr/>
+        </p:nvSpPr>
+        <p:spPr>
+          <a:xfrm>
+            <a:off x="10067523" y="2140222"/>
+            <a:ext cx="953647" cy="276999"/>
+          </a:xfrm>
+          <a:prstGeom prst="rect">
+            <a:avLst/>
+          </a:prstGeom>
+          <a:noFill/>
+        </p:spPr>
+        <p:txBody>
+          <a:bodyPr wrap="square" rtlCol="0">
+            <a:spAutoFit/>
+          </a:bodyPr>
+          <a:lstStyle/>
+          <a:p>
+            <a:pPr algn="ctr"/>
+            <a:r>
+              <a:rPr lang="en-US" sz="1200" smtClean="0">
+                <a:latin typeface="Arial" charset="0"/>
+                <a:ea typeface="Arial" charset="0"/>
+                <a:cs typeface="Arial" charset="0"/>
+              </a:rPr>
+              <a:t>Duplicated</a:t>
+            </a:r>
+            <a:endParaRPr lang="en-US" sz="1200" dirty="0">
+              <a:latin typeface="Arial" charset="0"/>
+              <a:ea typeface="Arial" charset="0"/>
+              <a:cs typeface="Arial" charset="0"/>
+            </a:endParaRPr>
+          </a:p>
+        </p:txBody>
+      </p:sp>
+    </p:spTree>
+    <p:extLst>
+      <p:ext uri="{BB962C8B-B14F-4D97-AF65-F5344CB8AC3E}">
+        <p14:creationId xmlns:p14="http://schemas.microsoft.com/office/powerpoint/2010/main" val="1210541223"/>
+      </p:ext>
+    </p:extLst>
+  </p:cSld>
+  <p:clrMapOvr>
+    <a:masterClrMapping/>
+  </p:clrMapOvr>
+</p:sld>
+</file>
+
 <file path=ppt/theme/theme1.xml><?xml version="1.0" encoding="utf-8"?>
 <a:theme xmlns:a="http://schemas.openxmlformats.org/drawingml/2006/main" name="Office Theme">
   <a:themeElements>
